--- a/파이썬_강좌/9. 파이썬 중급 - 모듈.pptx
+++ b/파이썬_강좌/9. 파이썬 중급 - 모듈.pptx
@@ -1,25 +1,25 @@
 
 <file path=ppt/presentation.xml><?xml version="1.0" encoding="utf-8"?>
-<p:presentation xmlns:a="http://schemas.openxmlformats.org/drawingml/2006/main" xmlns:r="http://schemas.openxmlformats.org/officeDocument/2006/relationships" xmlns:mc="http://schemas.openxmlformats.org/markup-compatibility/2006" xmlns:mv="urn:schemas-microsoft-com:mac:vml" xmlns:p="http://schemas.openxmlformats.org/presentationml/2006/main" xmlns:c="http://schemas.openxmlformats.org/drawingml/2006/chart" xmlns:dgm="http://schemas.openxmlformats.org/drawingml/2006/diagram" xmlns:o="urn:schemas-microsoft-com:office:office" xmlns:v="urn:schemas-microsoft-com:vml" xmlns:pvml="urn:schemas-microsoft-com:office:powerpoint" xmlns:com="http://schemas.openxmlformats.org/drawingml/2006/compatibility" xmlns:p14="http://schemas.microsoft.com/office/powerpoint/2010/main" xmlns:p15="http://schemas.microsoft.com/office/powerpoint/2012/main" xmlns:ahyp="http://schemas.microsoft.com/office/drawing/2018/hyperlinkcolor" autoCompressPictures="0" strictFirstAndLastChars="0" saveSubsetFonts="1">
+<p:presentation xmlns:a="http://schemas.openxmlformats.org/drawingml/2006/main" xmlns:r="http://schemas.openxmlformats.org/officeDocument/2006/relationships" xmlns:p="http://schemas.openxmlformats.org/presentationml/2006/main" strictFirstAndLastChars="0" saveSubsetFonts="1" autoCompressPictures="0">
   <p:sldMasterIdLst>
-    <p:sldMasterId id="2147483659" r:id="rId4"/>
+    <p:sldMasterId id="2147483659" r:id="rId1"/>
   </p:sldMasterIdLst>
   <p:notesMasterIdLst>
-    <p:notesMasterId r:id="rId5"/>
+    <p:notesMasterId r:id="rId9"/>
   </p:notesMasterIdLst>
   <p:sldIdLst>
-    <p:sldId id="256" r:id="rId6"/>
-    <p:sldId id="257" r:id="rId7"/>
-    <p:sldId id="258" r:id="rId8"/>
-    <p:sldId id="259" r:id="rId9"/>
-    <p:sldId id="260" r:id="rId10"/>
-    <p:sldId id="261" r:id="rId11"/>
-    <p:sldId id="262" r:id="rId12"/>
+    <p:sldId id="256" r:id="rId2"/>
+    <p:sldId id="257" r:id="rId3"/>
+    <p:sldId id="258" r:id="rId4"/>
+    <p:sldId id="259" r:id="rId5"/>
+    <p:sldId id="260" r:id="rId6"/>
+    <p:sldId id="261" r:id="rId7"/>
+    <p:sldId id="262" r:id="rId8"/>
   </p:sldIdLst>
-  <p:sldSz cy="6858000" cx="9144000"/>
+  <p:sldSz cx="12192000" cy="6858000"/>
   <p:notesSz cx="6858000" cy="9144000"/>
   <p:defaultTextStyle>
-    <a:defPPr lvl="0" marR="0" rtl="0" algn="l">
+    <a:defPPr marR="0" lvl="0" algn="l" rtl="0">
       <a:lnSpc>
         <a:spcPct val="100000"/>
       </a:lnSpc>
@@ -30,7 +30,7 @@
         <a:spcPts val="0"/>
       </a:spcAft>
     </a:defPPr>
-    <a:lvl1pPr lvl="0" marR="0" rtl="0" algn="l">
+    <a:lvl1pPr marR="0" lvl="0" algn="l" rtl="0">
       <a:lnSpc>
         <a:spcPct val="100000"/>
       </a:lnSpc>
@@ -44,7 +44,7 @@
         <a:srgbClr val="000000"/>
       </a:buClr>
       <a:buFont typeface="Arial"/>
-      <a:defRPr b="0" i="0" sz="1400" u="none" cap="none" strike="noStrike">
+      <a:defRPr sz="1400" b="0" i="0" u="none" strike="noStrike" cap="none">
         <a:solidFill>
           <a:srgbClr val="000000"/>
         </a:solidFill>
@@ -54,7 +54,7 @@
         <a:sym typeface="Arial"/>
       </a:defRPr>
     </a:lvl1pPr>
-    <a:lvl2pPr lvl="1" marR="0" rtl="0" algn="l">
+    <a:lvl2pPr marR="0" lvl="1" algn="l" rtl="0">
       <a:lnSpc>
         <a:spcPct val="100000"/>
       </a:lnSpc>
@@ -68,7 +68,7 @@
         <a:srgbClr val="000000"/>
       </a:buClr>
       <a:buFont typeface="Arial"/>
-      <a:defRPr b="0" i="0" sz="1400" u="none" cap="none" strike="noStrike">
+      <a:defRPr sz="1400" b="0" i="0" u="none" strike="noStrike" cap="none">
         <a:solidFill>
           <a:srgbClr val="000000"/>
         </a:solidFill>
@@ -78,7 +78,7 @@
         <a:sym typeface="Arial"/>
       </a:defRPr>
     </a:lvl2pPr>
-    <a:lvl3pPr lvl="2" marR="0" rtl="0" algn="l">
+    <a:lvl3pPr marR="0" lvl="2" algn="l" rtl="0">
       <a:lnSpc>
         <a:spcPct val="100000"/>
       </a:lnSpc>
@@ -92,7 +92,7 @@
         <a:srgbClr val="000000"/>
       </a:buClr>
       <a:buFont typeface="Arial"/>
-      <a:defRPr b="0" i="0" sz="1400" u="none" cap="none" strike="noStrike">
+      <a:defRPr sz="1400" b="0" i="0" u="none" strike="noStrike" cap="none">
         <a:solidFill>
           <a:srgbClr val="000000"/>
         </a:solidFill>
@@ -102,7 +102,7 @@
         <a:sym typeface="Arial"/>
       </a:defRPr>
     </a:lvl3pPr>
-    <a:lvl4pPr lvl="3" marR="0" rtl="0" algn="l">
+    <a:lvl4pPr marR="0" lvl="3" algn="l" rtl="0">
       <a:lnSpc>
         <a:spcPct val="100000"/>
       </a:lnSpc>
@@ -116,7 +116,7 @@
         <a:srgbClr val="000000"/>
       </a:buClr>
       <a:buFont typeface="Arial"/>
-      <a:defRPr b="0" i="0" sz="1400" u="none" cap="none" strike="noStrike">
+      <a:defRPr sz="1400" b="0" i="0" u="none" strike="noStrike" cap="none">
         <a:solidFill>
           <a:srgbClr val="000000"/>
         </a:solidFill>
@@ -126,7 +126,7 @@
         <a:sym typeface="Arial"/>
       </a:defRPr>
     </a:lvl4pPr>
-    <a:lvl5pPr lvl="4" marR="0" rtl="0" algn="l">
+    <a:lvl5pPr marR="0" lvl="4" algn="l" rtl="0">
       <a:lnSpc>
         <a:spcPct val="100000"/>
       </a:lnSpc>
@@ -140,7 +140,7 @@
         <a:srgbClr val="000000"/>
       </a:buClr>
       <a:buFont typeface="Arial"/>
-      <a:defRPr b="0" i="0" sz="1400" u="none" cap="none" strike="noStrike">
+      <a:defRPr sz="1400" b="0" i="0" u="none" strike="noStrike" cap="none">
         <a:solidFill>
           <a:srgbClr val="000000"/>
         </a:solidFill>
@@ -150,7 +150,7 @@
         <a:sym typeface="Arial"/>
       </a:defRPr>
     </a:lvl5pPr>
-    <a:lvl6pPr lvl="5" marR="0" rtl="0" algn="l">
+    <a:lvl6pPr marR="0" lvl="5" algn="l" rtl="0">
       <a:lnSpc>
         <a:spcPct val="100000"/>
       </a:lnSpc>
@@ -164,7 +164,7 @@
         <a:srgbClr val="000000"/>
       </a:buClr>
       <a:buFont typeface="Arial"/>
-      <a:defRPr b="0" i="0" sz="1400" u="none" cap="none" strike="noStrike">
+      <a:defRPr sz="1400" b="0" i="0" u="none" strike="noStrike" cap="none">
         <a:solidFill>
           <a:srgbClr val="000000"/>
         </a:solidFill>
@@ -174,7 +174,7 @@
         <a:sym typeface="Arial"/>
       </a:defRPr>
     </a:lvl6pPr>
-    <a:lvl7pPr lvl="6" marR="0" rtl="0" algn="l">
+    <a:lvl7pPr marR="0" lvl="6" algn="l" rtl="0">
       <a:lnSpc>
         <a:spcPct val="100000"/>
       </a:lnSpc>
@@ -188,7 +188,7 @@
         <a:srgbClr val="000000"/>
       </a:buClr>
       <a:buFont typeface="Arial"/>
-      <a:defRPr b="0" i="0" sz="1400" u="none" cap="none" strike="noStrike">
+      <a:defRPr sz="1400" b="0" i="0" u="none" strike="noStrike" cap="none">
         <a:solidFill>
           <a:srgbClr val="000000"/>
         </a:solidFill>
@@ -198,7 +198,7 @@
         <a:sym typeface="Arial"/>
       </a:defRPr>
     </a:lvl7pPr>
-    <a:lvl8pPr lvl="7" marR="0" rtl="0" algn="l">
+    <a:lvl8pPr marR="0" lvl="7" algn="l" rtl="0">
       <a:lnSpc>
         <a:spcPct val="100000"/>
       </a:lnSpc>
@@ -212,7 +212,7 @@
         <a:srgbClr val="000000"/>
       </a:buClr>
       <a:buFont typeface="Arial"/>
-      <a:defRPr b="0" i="0" sz="1400" u="none" cap="none" strike="noStrike">
+      <a:defRPr sz="1400" b="0" i="0" u="none" strike="noStrike" cap="none">
         <a:solidFill>
           <a:srgbClr val="000000"/>
         </a:solidFill>
@@ -222,7 +222,7 @@
         <a:sym typeface="Arial"/>
       </a:defRPr>
     </a:lvl8pPr>
-    <a:lvl9pPr lvl="8" marR="0" rtl="0" algn="l">
+    <a:lvl9pPr marR="0" lvl="8" algn="l" rtl="0">
       <a:lnSpc>
         <a:spcPct val="100000"/>
       </a:lnSpc>
@@ -236,7 +236,7 @@
         <a:srgbClr val="000000"/>
       </a:buClr>
       <a:buFont typeface="Arial"/>
-      <a:defRPr b="0" i="0" sz="1400" u="none" cap="none" strike="noStrike">
+      <a:defRPr sz="1400" b="0" i="0" u="none" strike="noStrike" cap="none">
         <a:solidFill>
           <a:srgbClr val="000000"/>
         </a:solidFill>
@@ -249,13 +249,13 @@
   </p:defaultTextStyle>
   <p:extLst>
     <p:ext uri="{EFAFB233-063F-42B5-8137-9DF3F51BA10A}">
-      <p15:sldGuideLst>
-        <p15:guide id="1" orient="horz" pos="2160">
+      <p15:sldGuideLst xmlns:p15="http://schemas.microsoft.com/office/powerpoint/2012/main">
+        <p15:guide id="1" orient="horz" pos="2160" userDrawn="1">
           <p15:clr>
             <a:srgbClr val="A4A3A4"/>
           </p15:clr>
         </p15:guide>
-        <p15:guide id="2" pos="2880">
+        <p15:guide id="2" pos="3840" userDrawn="1">
           <p15:clr>
             <a:srgbClr val="A4A3A4"/>
           </p15:clr>
@@ -267,11 +267,16 @@
 </file>
 
 <file path=ppt/notesMasters/notesMaster1.xml><?xml version="1.0" encoding="utf-8"?>
-<p:notesMaster xmlns:a="http://schemas.openxmlformats.org/drawingml/2006/main" xmlns:r="http://schemas.openxmlformats.org/officeDocument/2006/relationships" xmlns:mc="http://schemas.openxmlformats.org/markup-compatibility/2006" xmlns:mv="urn:schemas-microsoft-com:mac:vml" xmlns:p="http://schemas.openxmlformats.org/presentationml/2006/main" xmlns:c="http://schemas.openxmlformats.org/drawingml/2006/chart" xmlns:dgm="http://schemas.openxmlformats.org/drawingml/2006/diagram" xmlns:o="urn:schemas-microsoft-com:office:office" xmlns:v="urn:schemas-microsoft-com:vml" xmlns:pvml="urn:schemas-microsoft-com:office:powerpoint" xmlns:com="http://schemas.openxmlformats.org/drawingml/2006/compatibility" xmlns:p14="http://schemas.microsoft.com/office/powerpoint/2010/main" xmlns:p15="http://schemas.microsoft.com/office/powerpoint/2012/main" xmlns:ahyp="http://schemas.microsoft.com/office/drawing/2018/hyperlinkcolor">
+<p:notesMaster xmlns:a="http://schemas.openxmlformats.org/drawingml/2006/main" xmlns:r="http://schemas.openxmlformats.org/officeDocument/2006/relationships" xmlns:p="http://schemas.openxmlformats.org/presentationml/2006/main">
   <p:cSld>
+    <p:bg>
+      <p:bgRef idx="1001">
+        <a:schemeClr val="bg1"/>
+      </p:bgRef>
+    </p:bg>
     <p:spTree>
       <p:nvGrpSpPr>
-        <p:cNvPr id="2" name="Shape 2"/>
+        <p:cNvPr id="1" name="Shape 2"/>
         <p:cNvGrpSpPr/>
         <p:nvPr/>
       </p:nvGrpSpPr>
@@ -286,20 +291,26 @@
       <p:sp>
         <p:nvSpPr>
           <p:cNvPr id="3" name="Google Shape;3;n"/>
-          <p:cNvSpPr/>
+          <p:cNvSpPr>
+            <a:spLocks noGrp="1" noRot="1" noChangeAspect="1"/>
+          </p:cNvSpPr>
           <p:nvPr>
-            <p:ph idx="2" type="sldImg"/>
+            <p:ph type="sldImg" idx="2"/>
           </p:nvPr>
         </p:nvSpPr>
         <p:spPr>
           <a:xfrm>
-            <a:off x="1143309" y="685800"/>
-            <a:ext cx="4572000" cy="3429000"/>
+            <a:off x="381000" y="685800"/>
+            <a:ext cx="6096000" cy="3429000"/>
           </a:xfrm>
           <a:custGeom>
-            <a:rect b="b" l="l" r="r" t="t"/>
+            <a:avLst/>
+            <a:gdLst/>
+            <a:ahLst/>
+            <a:cxnLst/>
+            <a:rect l="l" t="t" r="r" b="b"/>
             <a:pathLst>
-              <a:path extrusionOk="0" h="120000" w="120000">
+              <a:path w="120000" h="120000" extrusionOk="0">
                 <a:moveTo>
                   <a:pt x="0" y="0"/>
                 </a:moveTo>
@@ -317,23 +328,25 @@
             </a:pathLst>
           </a:custGeom>
           <a:noFill/>
-          <a:ln cap="flat" cmpd="sng" w="9525">
+          <a:ln w="9525" cap="flat" cmpd="sng">
             <a:solidFill>
               <a:srgbClr val="000000"/>
             </a:solidFill>
             <a:prstDash val="solid"/>
             <a:round/>
-            <a:headEnd len="sm" w="sm" type="none"/>
-            <a:tailEnd len="sm" w="sm" type="none"/>
+            <a:headEnd type="none" w="sm" len="sm"/>
+            <a:tailEnd type="none" w="sm" len="sm"/>
           </a:ln>
         </p:spPr>
       </p:sp>
       <p:sp>
         <p:nvSpPr>
           <p:cNvPr id="4" name="Google Shape;4;n"/>
-          <p:cNvSpPr txBox="1"/>
+          <p:cNvSpPr txBox="1">
+            <a:spLocks noGrp="1"/>
+          </p:cNvSpPr>
           <p:nvPr>
-            <p:ph idx="1" type="body"/>
+            <p:ph type="body" idx="1"/>
           </p:nvPr>
         </p:nvSpPr>
         <p:spPr>
@@ -350,11 +363,11 @@
           </a:ln>
         </p:spPr>
         <p:txBody>
-          <a:bodyPr anchorCtr="0" anchor="t" bIns="91425" lIns="91425" spcFirstLastPara="1" rIns="91425" wrap="square" tIns="91425">
+          <a:bodyPr spcFirstLastPara="1" wrap="square" lIns="91425" tIns="91425" rIns="91425" bIns="91425" anchor="t" anchorCtr="0">
             <a:noAutofit/>
           </a:bodyPr>
           <a:lstStyle>
-            <a:lvl1pPr indent="-298450" lvl="0" marL="457200">
+            <a:lvl1pPr marL="457200" lvl="0" indent="-298450">
               <a:spcBef>
                 <a:spcPts val="0"/>
               </a:spcBef>
@@ -365,7 +378,7 @@
               <a:buChar char="●"/>
               <a:defRPr sz="1100"/>
             </a:lvl1pPr>
-            <a:lvl2pPr indent="-298450" lvl="1" marL="914400">
+            <a:lvl2pPr marL="914400" lvl="1" indent="-298450">
               <a:spcBef>
                 <a:spcPts val="0"/>
               </a:spcBef>
@@ -376,7 +389,7 @@
               <a:buChar char="○"/>
               <a:defRPr sz="1100"/>
             </a:lvl2pPr>
-            <a:lvl3pPr indent="-298450" lvl="2" marL="1371600">
+            <a:lvl3pPr marL="1371600" lvl="2" indent="-298450">
               <a:spcBef>
                 <a:spcPts val="0"/>
               </a:spcBef>
@@ -387,7 +400,7 @@
               <a:buChar char="■"/>
               <a:defRPr sz="1100"/>
             </a:lvl3pPr>
-            <a:lvl4pPr indent="-298450" lvl="3" marL="1828800">
+            <a:lvl4pPr marL="1828800" lvl="3" indent="-298450">
               <a:spcBef>
                 <a:spcPts val="0"/>
               </a:spcBef>
@@ -398,7 +411,7 @@
               <a:buChar char="●"/>
               <a:defRPr sz="1100"/>
             </a:lvl4pPr>
-            <a:lvl5pPr indent="-298450" lvl="4" marL="2286000">
+            <a:lvl5pPr marL="2286000" lvl="4" indent="-298450">
               <a:spcBef>
                 <a:spcPts val="0"/>
               </a:spcBef>
@@ -409,7 +422,7 @@
               <a:buChar char="○"/>
               <a:defRPr sz="1100"/>
             </a:lvl5pPr>
-            <a:lvl6pPr indent="-298450" lvl="5" marL="2743200">
+            <a:lvl6pPr marL="2743200" lvl="5" indent="-298450">
               <a:spcBef>
                 <a:spcPts val="0"/>
               </a:spcBef>
@@ -420,7 +433,7 @@
               <a:buChar char="■"/>
               <a:defRPr sz="1100"/>
             </a:lvl6pPr>
-            <a:lvl7pPr indent="-298450" lvl="6" marL="3200400">
+            <a:lvl7pPr marL="3200400" lvl="6" indent="-298450">
               <a:spcBef>
                 <a:spcPts val="0"/>
               </a:spcBef>
@@ -431,7 +444,7 @@
               <a:buChar char="●"/>
               <a:defRPr sz="1100"/>
             </a:lvl7pPr>
-            <a:lvl8pPr indent="-298450" lvl="7" marL="3657600">
+            <a:lvl8pPr marL="3657600" lvl="7" indent="-298450">
               <a:spcBef>
                 <a:spcPts val="0"/>
               </a:spcBef>
@@ -442,7 +455,7 @@
               <a:buChar char="○"/>
               <a:defRPr sz="1100"/>
             </a:lvl8pPr>
-            <a:lvl9pPr indent="-298450" lvl="8" marL="4114800">
+            <a:lvl9pPr marL="4114800" lvl="8" indent="-298450">
               <a:spcBef>
                 <a:spcPts val="0"/>
               </a:spcBef>
@@ -454,14 +467,16 @@
               <a:defRPr sz="1100"/>
             </a:lvl9pPr>
           </a:lstStyle>
-          <a:p/>
+          <a:p>
+            <a:endParaRPr/>
+          </a:p>
         </p:txBody>
       </p:sp>
     </p:spTree>
   </p:cSld>
-  <p:clrMap accent1="accent1" accent2="accent2" accent3="accent3" accent4="accent4" accent5="accent5" accent6="accent6" bg1="lt1" bg2="dk2" tx1="dk1" tx2="lt2" folHlink="folHlink" hlink="hlink"/>
+  <p:clrMap bg1="lt1" tx1="dk1" bg2="dk2" tx2="lt2" accent1="accent1" accent2="accent2" accent3="accent3" accent4="accent4" accent5="accent5" accent6="accent6" hlink="hlink" folHlink="folHlink"/>
   <p:notesStyle>
-    <a:defPPr lvl="0" marR="0" rtl="0" algn="l">
+    <a:defPPr marR="0" lvl="0" algn="l" rtl="0">
       <a:lnSpc>
         <a:spcPct val="100000"/>
       </a:lnSpc>
@@ -472,7 +487,7 @@
         <a:spcPts val="0"/>
       </a:spcAft>
     </a:defPPr>
-    <a:lvl1pPr lvl="0" marR="0" rtl="0" algn="l">
+    <a:lvl1pPr marR="0" lvl="0" algn="l" rtl="0">
       <a:lnSpc>
         <a:spcPct val="100000"/>
       </a:lnSpc>
@@ -486,7 +501,7 @@
         <a:srgbClr val="000000"/>
       </a:buClr>
       <a:buFont typeface="Arial"/>
-      <a:defRPr b="0" i="0" sz="1400" u="none" cap="none" strike="noStrike">
+      <a:defRPr sz="1400" b="0" i="0" u="none" strike="noStrike" cap="none">
         <a:solidFill>
           <a:srgbClr val="000000"/>
         </a:solidFill>
@@ -496,7 +511,7 @@
         <a:sym typeface="Arial"/>
       </a:defRPr>
     </a:lvl1pPr>
-    <a:lvl2pPr lvl="1" marR="0" rtl="0" algn="l">
+    <a:lvl2pPr marR="0" lvl="1" algn="l" rtl="0">
       <a:lnSpc>
         <a:spcPct val="100000"/>
       </a:lnSpc>
@@ -510,7 +525,7 @@
         <a:srgbClr val="000000"/>
       </a:buClr>
       <a:buFont typeface="Arial"/>
-      <a:defRPr b="0" i="0" sz="1400" u="none" cap="none" strike="noStrike">
+      <a:defRPr sz="1400" b="0" i="0" u="none" strike="noStrike" cap="none">
         <a:solidFill>
           <a:srgbClr val="000000"/>
         </a:solidFill>
@@ -520,7 +535,7 @@
         <a:sym typeface="Arial"/>
       </a:defRPr>
     </a:lvl2pPr>
-    <a:lvl3pPr lvl="2" marR="0" rtl="0" algn="l">
+    <a:lvl3pPr marR="0" lvl="2" algn="l" rtl="0">
       <a:lnSpc>
         <a:spcPct val="100000"/>
       </a:lnSpc>
@@ -534,7 +549,7 @@
         <a:srgbClr val="000000"/>
       </a:buClr>
       <a:buFont typeface="Arial"/>
-      <a:defRPr b="0" i="0" sz="1400" u="none" cap="none" strike="noStrike">
+      <a:defRPr sz="1400" b="0" i="0" u="none" strike="noStrike" cap="none">
         <a:solidFill>
           <a:srgbClr val="000000"/>
         </a:solidFill>
@@ -544,7 +559,7 @@
         <a:sym typeface="Arial"/>
       </a:defRPr>
     </a:lvl3pPr>
-    <a:lvl4pPr lvl="3" marR="0" rtl="0" algn="l">
+    <a:lvl4pPr marR="0" lvl="3" algn="l" rtl="0">
       <a:lnSpc>
         <a:spcPct val="100000"/>
       </a:lnSpc>
@@ -558,7 +573,7 @@
         <a:srgbClr val="000000"/>
       </a:buClr>
       <a:buFont typeface="Arial"/>
-      <a:defRPr b="0" i="0" sz="1400" u="none" cap="none" strike="noStrike">
+      <a:defRPr sz="1400" b="0" i="0" u="none" strike="noStrike" cap="none">
         <a:solidFill>
           <a:srgbClr val="000000"/>
         </a:solidFill>
@@ -568,7 +583,7 @@
         <a:sym typeface="Arial"/>
       </a:defRPr>
     </a:lvl4pPr>
-    <a:lvl5pPr lvl="4" marR="0" rtl="0" algn="l">
+    <a:lvl5pPr marR="0" lvl="4" algn="l" rtl="0">
       <a:lnSpc>
         <a:spcPct val="100000"/>
       </a:lnSpc>
@@ -582,7 +597,7 @@
         <a:srgbClr val="000000"/>
       </a:buClr>
       <a:buFont typeface="Arial"/>
-      <a:defRPr b="0" i="0" sz="1400" u="none" cap="none" strike="noStrike">
+      <a:defRPr sz="1400" b="0" i="0" u="none" strike="noStrike" cap="none">
         <a:solidFill>
           <a:srgbClr val="000000"/>
         </a:solidFill>
@@ -592,7 +607,7 @@
         <a:sym typeface="Arial"/>
       </a:defRPr>
     </a:lvl5pPr>
-    <a:lvl6pPr lvl="5" marR="0" rtl="0" algn="l">
+    <a:lvl6pPr marR="0" lvl="5" algn="l" rtl="0">
       <a:lnSpc>
         <a:spcPct val="100000"/>
       </a:lnSpc>
@@ -606,7 +621,7 @@
         <a:srgbClr val="000000"/>
       </a:buClr>
       <a:buFont typeface="Arial"/>
-      <a:defRPr b="0" i="0" sz="1400" u="none" cap="none" strike="noStrike">
+      <a:defRPr sz="1400" b="0" i="0" u="none" strike="noStrike" cap="none">
         <a:solidFill>
           <a:srgbClr val="000000"/>
         </a:solidFill>
@@ -616,7 +631,7 @@
         <a:sym typeface="Arial"/>
       </a:defRPr>
     </a:lvl6pPr>
-    <a:lvl7pPr lvl="6" marR="0" rtl="0" algn="l">
+    <a:lvl7pPr marR="0" lvl="6" algn="l" rtl="0">
       <a:lnSpc>
         <a:spcPct val="100000"/>
       </a:lnSpc>
@@ -630,7 +645,7 @@
         <a:srgbClr val="000000"/>
       </a:buClr>
       <a:buFont typeface="Arial"/>
-      <a:defRPr b="0" i="0" sz="1400" u="none" cap="none" strike="noStrike">
+      <a:defRPr sz="1400" b="0" i="0" u="none" strike="noStrike" cap="none">
         <a:solidFill>
           <a:srgbClr val="000000"/>
         </a:solidFill>
@@ -640,7 +655,7 @@
         <a:sym typeface="Arial"/>
       </a:defRPr>
     </a:lvl7pPr>
-    <a:lvl8pPr lvl="7" marR="0" rtl="0" algn="l">
+    <a:lvl8pPr marR="0" lvl="7" algn="l" rtl="0">
       <a:lnSpc>
         <a:spcPct val="100000"/>
       </a:lnSpc>
@@ -654,7 +669,7 @@
         <a:srgbClr val="000000"/>
       </a:buClr>
       <a:buFont typeface="Arial"/>
-      <a:defRPr b="0" i="0" sz="1400" u="none" cap="none" strike="noStrike">
+      <a:defRPr sz="1400" b="0" i="0" u="none" strike="noStrike" cap="none">
         <a:solidFill>
           <a:srgbClr val="000000"/>
         </a:solidFill>
@@ -664,7 +679,7 @@
         <a:sym typeface="Arial"/>
       </a:defRPr>
     </a:lvl8pPr>
-    <a:lvl9pPr lvl="8" marR="0" rtl="0" algn="l">
+    <a:lvl9pPr marR="0" lvl="8" algn="l" rtl="0">
       <a:lnSpc>
         <a:spcPct val="100000"/>
       </a:lnSpc>
@@ -678,7 +693,7 @@
         <a:srgbClr val="000000"/>
       </a:buClr>
       <a:buFont typeface="Arial"/>
-      <a:defRPr b="0" i="0" sz="1400" u="none" cap="none" strike="noStrike">
+      <a:defRPr sz="1400" b="0" i="0" u="none" strike="noStrike" cap="none">
         <a:solidFill>
           <a:srgbClr val="000000"/>
         </a:solidFill>
@@ -693,11 +708,11 @@
 </file>
 
 <file path=ppt/notesSlides/notesSlide1.xml><?xml version="1.0" encoding="utf-8"?>
-<p:notes xmlns:a="http://schemas.openxmlformats.org/drawingml/2006/main" xmlns:r="http://schemas.openxmlformats.org/officeDocument/2006/relationships" xmlns:mc="http://schemas.openxmlformats.org/markup-compatibility/2006" xmlns:mv="urn:schemas-microsoft-com:mac:vml" xmlns:p="http://schemas.openxmlformats.org/presentationml/2006/main" xmlns:c="http://schemas.openxmlformats.org/drawingml/2006/chart" xmlns:dgm="http://schemas.openxmlformats.org/drawingml/2006/diagram" xmlns:o="urn:schemas-microsoft-com:office:office" xmlns:v="urn:schemas-microsoft-com:vml" xmlns:pvml="urn:schemas-microsoft-com:office:powerpoint" xmlns:com="http://schemas.openxmlformats.org/drawingml/2006/compatibility" xmlns:p14="http://schemas.microsoft.com/office/powerpoint/2010/main" xmlns:p15="http://schemas.microsoft.com/office/powerpoint/2012/main" xmlns:ahyp="http://schemas.microsoft.com/office/drawing/2018/hyperlinkcolor" showMasterPhAnim="0" showMasterSp="0">
+<p:notes xmlns:a="http://schemas.openxmlformats.org/drawingml/2006/main" xmlns:r="http://schemas.openxmlformats.org/officeDocument/2006/relationships" xmlns:p="http://schemas.openxmlformats.org/presentationml/2006/main" showMasterSp="0" showMasterPhAnim="0">
   <p:cSld>
     <p:spTree>
       <p:nvGrpSpPr>
-        <p:cNvPr id="50" name="Shape 50"/>
+        <p:cNvPr id="1" name="Shape 50"/>
         <p:cNvGrpSpPr/>
         <p:nvPr/>
       </p:nvGrpSpPr>
@@ -712,20 +727,26 @@
       <p:sp>
         <p:nvSpPr>
           <p:cNvPr id="51" name="Google Shape;51;p:notes"/>
-          <p:cNvSpPr/>
+          <p:cNvSpPr>
+            <a:spLocks noGrp="1" noRot="1" noChangeAspect="1"/>
+          </p:cNvSpPr>
           <p:nvPr>
-            <p:ph idx="2" type="sldImg"/>
+            <p:ph type="sldImg" idx="2"/>
           </p:nvPr>
         </p:nvSpPr>
         <p:spPr>
           <a:xfrm>
-            <a:off x="1143309" y="685800"/>
-            <a:ext cx="4572000" cy="3429000"/>
+            <a:off x="381000" y="685800"/>
+            <a:ext cx="6096000" cy="3429000"/>
           </a:xfrm>
           <a:custGeom>
-            <a:rect b="b" l="l" r="r" t="t"/>
+            <a:avLst/>
+            <a:gdLst/>
+            <a:ahLst/>
+            <a:cxnLst/>
+            <a:rect l="l" t="t" r="r" b="b"/>
             <a:pathLst>
-              <a:path extrusionOk="0" h="120000" w="120000">
+              <a:path w="120000" h="120000" extrusionOk="0">
                 <a:moveTo>
                   <a:pt x="0" y="0"/>
                 </a:moveTo>
@@ -747,9 +768,11 @@
       <p:sp>
         <p:nvSpPr>
           <p:cNvPr id="52" name="Google Shape;52;p:notes"/>
-          <p:cNvSpPr txBox="1"/>
+          <p:cNvSpPr txBox="1">
+            <a:spLocks noGrp="1"/>
+          </p:cNvSpPr>
           <p:nvPr>
-            <p:ph idx="1" type="body"/>
+            <p:ph type="body" idx="1"/>
           </p:nvPr>
         </p:nvSpPr>
         <p:spPr>
@@ -762,12 +785,12 @@
           </a:prstGeom>
         </p:spPr>
         <p:txBody>
-          <a:bodyPr anchorCtr="0" anchor="t" bIns="91425" lIns="91425" spcFirstLastPara="1" rIns="91425" wrap="square" tIns="91425">
+          <a:bodyPr spcFirstLastPara="1" wrap="square" lIns="91425" tIns="91425" rIns="91425" bIns="91425" anchor="t" anchorCtr="0">
             <a:noAutofit/>
           </a:bodyPr>
           <a:lstStyle/>
           <a:p>
-            <a:pPr indent="0" lvl="0" marL="0" rtl="0" algn="l">
+            <a:pPr marL="0" lvl="0" indent="0" algn="l" rtl="0">
               <a:spcBef>
                 <a:spcPts val="0"/>
               </a:spcBef>
@@ -776,9 +799,6 @@
               </a:spcAft>
               <a:buNone/>
             </a:pPr>
-            <a:r>
-              <a:t/>
-            </a:r>
             <a:endParaRPr/>
           </a:p>
         </p:txBody>
@@ -792,11 +812,11 @@
 </file>
 
 <file path=ppt/notesSlides/notesSlide2.xml><?xml version="1.0" encoding="utf-8"?>
-<p:notes xmlns:a="http://schemas.openxmlformats.org/drawingml/2006/main" xmlns:r="http://schemas.openxmlformats.org/officeDocument/2006/relationships" xmlns:mc="http://schemas.openxmlformats.org/markup-compatibility/2006" xmlns:mv="urn:schemas-microsoft-com:mac:vml" xmlns:p="http://schemas.openxmlformats.org/presentationml/2006/main" xmlns:c="http://schemas.openxmlformats.org/drawingml/2006/chart" xmlns:dgm="http://schemas.openxmlformats.org/drawingml/2006/diagram" xmlns:o="urn:schemas-microsoft-com:office:office" xmlns:v="urn:schemas-microsoft-com:vml" xmlns:pvml="urn:schemas-microsoft-com:office:powerpoint" xmlns:com="http://schemas.openxmlformats.org/drawingml/2006/compatibility" xmlns:p14="http://schemas.microsoft.com/office/powerpoint/2010/main" xmlns:p15="http://schemas.microsoft.com/office/powerpoint/2012/main" xmlns:ahyp="http://schemas.microsoft.com/office/drawing/2018/hyperlinkcolor" showMasterPhAnim="0" showMasterSp="0">
+<p:notes xmlns:a="http://schemas.openxmlformats.org/drawingml/2006/main" xmlns:r="http://schemas.openxmlformats.org/officeDocument/2006/relationships" xmlns:p="http://schemas.openxmlformats.org/presentationml/2006/main" showMasterSp="0" showMasterPhAnim="0">
   <p:cSld>
     <p:spTree>
       <p:nvGrpSpPr>
-        <p:cNvPr id="56" name="Shape 56"/>
+        <p:cNvPr id="1" name="Shape 56"/>
         <p:cNvGrpSpPr/>
         <p:nvPr/>
       </p:nvGrpSpPr>
@@ -811,20 +831,26 @@
       <p:sp>
         <p:nvSpPr>
           <p:cNvPr id="57" name="Google Shape;57;g10994dd9adc_0_0:notes"/>
-          <p:cNvSpPr/>
+          <p:cNvSpPr>
+            <a:spLocks noGrp="1" noRot="1" noChangeAspect="1"/>
+          </p:cNvSpPr>
           <p:nvPr>
-            <p:ph idx="2" type="sldImg"/>
+            <p:ph type="sldImg" idx="2"/>
           </p:nvPr>
         </p:nvSpPr>
         <p:spPr>
           <a:xfrm>
-            <a:off x="1143309" y="685800"/>
-            <a:ext cx="4572000" cy="3429000"/>
+            <a:off x="381000" y="685800"/>
+            <a:ext cx="6096000" cy="3429000"/>
           </a:xfrm>
           <a:custGeom>
-            <a:rect b="b" l="l" r="r" t="t"/>
+            <a:avLst/>
+            <a:gdLst/>
+            <a:ahLst/>
+            <a:cxnLst/>
+            <a:rect l="l" t="t" r="r" b="b"/>
             <a:pathLst>
-              <a:path extrusionOk="0" h="120000" w="120000">
+              <a:path w="120000" h="120000" extrusionOk="0">
                 <a:moveTo>
                   <a:pt x="0" y="0"/>
                 </a:moveTo>
@@ -846,9 +872,11 @@
       <p:sp>
         <p:nvSpPr>
           <p:cNvPr id="58" name="Google Shape;58;g10994dd9adc_0_0:notes"/>
-          <p:cNvSpPr txBox="1"/>
+          <p:cNvSpPr txBox="1">
+            <a:spLocks noGrp="1"/>
+          </p:cNvSpPr>
           <p:nvPr>
-            <p:ph idx="1" type="body"/>
+            <p:ph type="body" idx="1"/>
           </p:nvPr>
         </p:nvSpPr>
         <p:spPr>
@@ -861,12 +889,12 @@
           </a:prstGeom>
         </p:spPr>
         <p:txBody>
-          <a:bodyPr anchorCtr="0" anchor="t" bIns="91425" lIns="91425" spcFirstLastPara="1" rIns="91425" wrap="square" tIns="91425">
+          <a:bodyPr spcFirstLastPara="1" wrap="square" lIns="91425" tIns="91425" rIns="91425" bIns="91425" anchor="t" anchorCtr="0">
             <a:noAutofit/>
           </a:bodyPr>
           <a:lstStyle/>
           <a:p>
-            <a:pPr indent="0" lvl="0" marL="0" rtl="0" algn="l">
+            <a:pPr marL="0" lvl="0" indent="0" algn="l" rtl="0">
               <a:spcBef>
                 <a:spcPts val="0"/>
               </a:spcBef>
@@ -875,9 +903,6 @@
               </a:spcAft>
               <a:buNone/>
             </a:pPr>
-            <a:r>
-              <a:t/>
-            </a:r>
             <a:endParaRPr/>
           </a:p>
         </p:txBody>
@@ -891,11 +916,11 @@
 </file>
 
 <file path=ppt/notesSlides/notesSlide3.xml><?xml version="1.0" encoding="utf-8"?>
-<p:notes xmlns:a="http://schemas.openxmlformats.org/drawingml/2006/main" xmlns:r="http://schemas.openxmlformats.org/officeDocument/2006/relationships" xmlns:mc="http://schemas.openxmlformats.org/markup-compatibility/2006" xmlns:mv="urn:schemas-microsoft-com:mac:vml" xmlns:p="http://schemas.openxmlformats.org/presentationml/2006/main" xmlns:c="http://schemas.openxmlformats.org/drawingml/2006/chart" xmlns:dgm="http://schemas.openxmlformats.org/drawingml/2006/diagram" xmlns:o="urn:schemas-microsoft-com:office:office" xmlns:v="urn:schemas-microsoft-com:vml" xmlns:pvml="urn:schemas-microsoft-com:office:powerpoint" xmlns:com="http://schemas.openxmlformats.org/drawingml/2006/compatibility" xmlns:p14="http://schemas.microsoft.com/office/powerpoint/2010/main" xmlns:p15="http://schemas.microsoft.com/office/powerpoint/2012/main" xmlns:ahyp="http://schemas.microsoft.com/office/drawing/2018/hyperlinkcolor" showMasterPhAnim="0" showMasterSp="0">
+<p:notes xmlns:a="http://schemas.openxmlformats.org/drawingml/2006/main" xmlns:r="http://schemas.openxmlformats.org/officeDocument/2006/relationships" xmlns:p="http://schemas.openxmlformats.org/presentationml/2006/main" showMasterSp="0" showMasterPhAnim="0">
   <p:cSld>
     <p:spTree>
       <p:nvGrpSpPr>
-        <p:cNvPr id="72" name="Shape 72"/>
+        <p:cNvPr id="1" name="Shape 72"/>
         <p:cNvGrpSpPr/>
         <p:nvPr/>
       </p:nvGrpSpPr>
@@ -910,20 +935,26 @@
       <p:sp>
         <p:nvSpPr>
           <p:cNvPr id="73" name="Google Shape;73;g10994dd9adc_0_15:notes"/>
-          <p:cNvSpPr/>
+          <p:cNvSpPr>
+            <a:spLocks noGrp="1" noRot="1" noChangeAspect="1"/>
+          </p:cNvSpPr>
           <p:nvPr>
-            <p:ph idx="2" type="sldImg"/>
+            <p:ph type="sldImg" idx="2"/>
           </p:nvPr>
         </p:nvSpPr>
         <p:spPr>
           <a:xfrm>
-            <a:off x="1143309" y="685800"/>
-            <a:ext cx="4572000" cy="3429000"/>
+            <a:off x="381000" y="685800"/>
+            <a:ext cx="6096000" cy="3429000"/>
           </a:xfrm>
           <a:custGeom>
-            <a:rect b="b" l="l" r="r" t="t"/>
+            <a:avLst/>
+            <a:gdLst/>
+            <a:ahLst/>
+            <a:cxnLst/>
+            <a:rect l="l" t="t" r="r" b="b"/>
             <a:pathLst>
-              <a:path extrusionOk="0" h="120000" w="120000">
+              <a:path w="120000" h="120000" extrusionOk="0">
                 <a:moveTo>
                   <a:pt x="0" y="0"/>
                 </a:moveTo>
@@ -945,9 +976,11 @@
       <p:sp>
         <p:nvSpPr>
           <p:cNvPr id="74" name="Google Shape;74;g10994dd9adc_0_15:notes"/>
-          <p:cNvSpPr txBox="1"/>
+          <p:cNvSpPr txBox="1">
+            <a:spLocks noGrp="1"/>
+          </p:cNvSpPr>
           <p:nvPr>
-            <p:ph idx="1" type="body"/>
+            <p:ph type="body" idx="1"/>
           </p:nvPr>
         </p:nvSpPr>
         <p:spPr>
@@ -960,12 +993,12 @@
           </a:prstGeom>
         </p:spPr>
         <p:txBody>
-          <a:bodyPr anchorCtr="0" anchor="t" bIns="91425" lIns="91425" spcFirstLastPara="1" rIns="91425" wrap="square" tIns="91425">
+          <a:bodyPr spcFirstLastPara="1" wrap="square" lIns="91425" tIns="91425" rIns="91425" bIns="91425" anchor="t" anchorCtr="0">
             <a:noAutofit/>
           </a:bodyPr>
           <a:lstStyle/>
           <a:p>
-            <a:pPr indent="0" lvl="0" marL="0" rtl="0" algn="l">
+            <a:pPr marL="0" lvl="0" indent="0" algn="l" rtl="0">
               <a:spcBef>
                 <a:spcPts val="0"/>
               </a:spcBef>
@@ -974,9 +1007,6 @@
               </a:spcAft>
               <a:buNone/>
             </a:pPr>
-            <a:r>
-              <a:t/>
-            </a:r>
             <a:endParaRPr/>
           </a:p>
         </p:txBody>
@@ -990,11 +1020,11 @@
 </file>
 
 <file path=ppt/notesSlides/notesSlide4.xml><?xml version="1.0" encoding="utf-8"?>
-<p:notes xmlns:a="http://schemas.openxmlformats.org/drawingml/2006/main" xmlns:r="http://schemas.openxmlformats.org/officeDocument/2006/relationships" xmlns:mc="http://schemas.openxmlformats.org/markup-compatibility/2006" xmlns:mv="urn:schemas-microsoft-com:mac:vml" xmlns:p="http://schemas.openxmlformats.org/presentationml/2006/main" xmlns:c="http://schemas.openxmlformats.org/drawingml/2006/chart" xmlns:dgm="http://schemas.openxmlformats.org/drawingml/2006/diagram" xmlns:o="urn:schemas-microsoft-com:office:office" xmlns:v="urn:schemas-microsoft-com:vml" xmlns:pvml="urn:schemas-microsoft-com:office:powerpoint" xmlns:com="http://schemas.openxmlformats.org/drawingml/2006/compatibility" xmlns:p14="http://schemas.microsoft.com/office/powerpoint/2010/main" xmlns:p15="http://schemas.microsoft.com/office/powerpoint/2012/main" xmlns:ahyp="http://schemas.microsoft.com/office/drawing/2018/hyperlinkcolor" showMasterPhAnim="0" showMasterSp="0">
+<p:notes xmlns:a="http://schemas.openxmlformats.org/drawingml/2006/main" xmlns:r="http://schemas.openxmlformats.org/officeDocument/2006/relationships" xmlns:p="http://schemas.openxmlformats.org/presentationml/2006/main" showMasterSp="0" showMasterPhAnim="0">
   <p:cSld>
     <p:spTree>
       <p:nvGrpSpPr>
-        <p:cNvPr id="79" name="Shape 79"/>
+        <p:cNvPr id="1" name="Shape 79"/>
         <p:cNvGrpSpPr/>
         <p:nvPr/>
       </p:nvGrpSpPr>
@@ -1009,20 +1039,26 @@
       <p:sp>
         <p:nvSpPr>
           <p:cNvPr id="80" name="Google Shape;80;g10994dd9adc_0_23:notes"/>
-          <p:cNvSpPr/>
+          <p:cNvSpPr>
+            <a:spLocks noGrp="1" noRot="1" noChangeAspect="1"/>
+          </p:cNvSpPr>
           <p:nvPr>
-            <p:ph idx="2" type="sldImg"/>
+            <p:ph type="sldImg" idx="2"/>
           </p:nvPr>
         </p:nvSpPr>
         <p:spPr>
           <a:xfrm>
-            <a:off x="1143309" y="685800"/>
-            <a:ext cx="4572000" cy="3429000"/>
+            <a:off x="381000" y="685800"/>
+            <a:ext cx="6096000" cy="3429000"/>
           </a:xfrm>
           <a:custGeom>
-            <a:rect b="b" l="l" r="r" t="t"/>
+            <a:avLst/>
+            <a:gdLst/>
+            <a:ahLst/>
+            <a:cxnLst/>
+            <a:rect l="l" t="t" r="r" b="b"/>
             <a:pathLst>
-              <a:path extrusionOk="0" h="120000" w="120000">
+              <a:path w="120000" h="120000" extrusionOk="0">
                 <a:moveTo>
                   <a:pt x="0" y="0"/>
                 </a:moveTo>
@@ -1044,9 +1080,11 @@
       <p:sp>
         <p:nvSpPr>
           <p:cNvPr id="81" name="Google Shape;81;g10994dd9adc_0_23:notes"/>
-          <p:cNvSpPr txBox="1"/>
+          <p:cNvSpPr txBox="1">
+            <a:spLocks noGrp="1"/>
+          </p:cNvSpPr>
           <p:nvPr>
-            <p:ph idx="1" type="body"/>
+            <p:ph type="body" idx="1"/>
           </p:nvPr>
         </p:nvSpPr>
         <p:spPr>
@@ -1059,12 +1097,12 @@
           </a:prstGeom>
         </p:spPr>
         <p:txBody>
-          <a:bodyPr anchorCtr="0" anchor="t" bIns="91425" lIns="91425" spcFirstLastPara="1" rIns="91425" wrap="square" tIns="91425">
+          <a:bodyPr spcFirstLastPara="1" wrap="square" lIns="91425" tIns="91425" rIns="91425" bIns="91425" anchor="t" anchorCtr="0">
             <a:noAutofit/>
           </a:bodyPr>
           <a:lstStyle/>
           <a:p>
-            <a:pPr indent="0" lvl="0" marL="0" rtl="0" algn="l">
+            <a:pPr marL="0" lvl="0" indent="0" algn="l" rtl="0">
               <a:spcBef>
                 <a:spcPts val="0"/>
               </a:spcBef>
@@ -1073,9 +1111,6 @@
               </a:spcAft>
               <a:buNone/>
             </a:pPr>
-            <a:r>
-              <a:t/>
-            </a:r>
             <a:endParaRPr/>
           </a:p>
         </p:txBody>
@@ -1089,11 +1124,11 @@
 </file>
 
 <file path=ppt/notesSlides/notesSlide5.xml><?xml version="1.0" encoding="utf-8"?>
-<p:notes xmlns:a="http://schemas.openxmlformats.org/drawingml/2006/main" xmlns:r="http://schemas.openxmlformats.org/officeDocument/2006/relationships" xmlns:mc="http://schemas.openxmlformats.org/markup-compatibility/2006" xmlns:mv="urn:schemas-microsoft-com:mac:vml" xmlns:p="http://schemas.openxmlformats.org/presentationml/2006/main" xmlns:c="http://schemas.openxmlformats.org/drawingml/2006/chart" xmlns:dgm="http://schemas.openxmlformats.org/drawingml/2006/diagram" xmlns:o="urn:schemas-microsoft-com:office:office" xmlns:v="urn:schemas-microsoft-com:vml" xmlns:pvml="urn:schemas-microsoft-com:office:powerpoint" xmlns:com="http://schemas.openxmlformats.org/drawingml/2006/compatibility" xmlns:p14="http://schemas.microsoft.com/office/powerpoint/2010/main" xmlns:p15="http://schemas.microsoft.com/office/powerpoint/2012/main" xmlns:ahyp="http://schemas.microsoft.com/office/drawing/2018/hyperlinkcolor" showMasterPhAnim="0" showMasterSp="0">
+<p:notes xmlns:a="http://schemas.openxmlformats.org/drawingml/2006/main" xmlns:r="http://schemas.openxmlformats.org/officeDocument/2006/relationships" xmlns:p="http://schemas.openxmlformats.org/presentationml/2006/main" showMasterSp="0" showMasterPhAnim="0">
   <p:cSld>
     <p:spTree>
       <p:nvGrpSpPr>
-        <p:cNvPr id="85" name="Shape 85"/>
+        <p:cNvPr id="1" name="Shape 85"/>
         <p:cNvGrpSpPr/>
         <p:nvPr/>
       </p:nvGrpSpPr>
@@ -1108,20 +1143,26 @@
       <p:sp>
         <p:nvSpPr>
           <p:cNvPr id="86" name="Google Shape;86;g10994dd9adc_0_28:notes"/>
-          <p:cNvSpPr/>
+          <p:cNvSpPr>
+            <a:spLocks noGrp="1" noRot="1" noChangeAspect="1"/>
+          </p:cNvSpPr>
           <p:nvPr>
-            <p:ph idx="2" type="sldImg"/>
+            <p:ph type="sldImg" idx="2"/>
           </p:nvPr>
         </p:nvSpPr>
         <p:spPr>
           <a:xfrm>
-            <a:off x="1143309" y="685800"/>
-            <a:ext cx="4572000" cy="3429000"/>
+            <a:off x="381000" y="685800"/>
+            <a:ext cx="6096000" cy="3429000"/>
           </a:xfrm>
           <a:custGeom>
-            <a:rect b="b" l="l" r="r" t="t"/>
+            <a:avLst/>
+            <a:gdLst/>
+            <a:ahLst/>
+            <a:cxnLst/>
+            <a:rect l="l" t="t" r="r" b="b"/>
             <a:pathLst>
-              <a:path extrusionOk="0" h="120000" w="120000">
+              <a:path w="120000" h="120000" extrusionOk="0">
                 <a:moveTo>
                   <a:pt x="0" y="0"/>
                 </a:moveTo>
@@ -1143,9 +1184,11 @@
       <p:sp>
         <p:nvSpPr>
           <p:cNvPr id="87" name="Google Shape;87;g10994dd9adc_0_28:notes"/>
-          <p:cNvSpPr txBox="1"/>
+          <p:cNvSpPr txBox="1">
+            <a:spLocks noGrp="1"/>
+          </p:cNvSpPr>
           <p:nvPr>
-            <p:ph idx="1" type="body"/>
+            <p:ph type="body" idx="1"/>
           </p:nvPr>
         </p:nvSpPr>
         <p:spPr>
@@ -1158,12 +1201,12 @@
           </a:prstGeom>
         </p:spPr>
         <p:txBody>
-          <a:bodyPr anchorCtr="0" anchor="t" bIns="91425" lIns="91425" spcFirstLastPara="1" rIns="91425" wrap="square" tIns="91425">
+          <a:bodyPr spcFirstLastPara="1" wrap="square" lIns="91425" tIns="91425" rIns="91425" bIns="91425" anchor="t" anchorCtr="0">
             <a:noAutofit/>
           </a:bodyPr>
           <a:lstStyle/>
           <a:p>
-            <a:pPr indent="0" lvl="0" marL="0" rtl="0" algn="l">
+            <a:pPr marL="0" lvl="0" indent="0" algn="l" rtl="0">
               <a:spcBef>
                 <a:spcPts val="0"/>
               </a:spcBef>
@@ -1172,9 +1215,6 @@
               </a:spcAft>
               <a:buNone/>
             </a:pPr>
-            <a:r>
-              <a:t/>
-            </a:r>
             <a:endParaRPr/>
           </a:p>
         </p:txBody>
@@ -1188,11 +1228,11 @@
 </file>
 
 <file path=ppt/notesSlides/notesSlide6.xml><?xml version="1.0" encoding="utf-8"?>
-<p:notes xmlns:a="http://schemas.openxmlformats.org/drawingml/2006/main" xmlns:r="http://schemas.openxmlformats.org/officeDocument/2006/relationships" xmlns:mc="http://schemas.openxmlformats.org/markup-compatibility/2006" xmlns:mv="urn:schemas-microsoft-com:mac:vml" xmlns:p="http://schemas.openxmlformats.org/presentationml/2006/main" xmlns:c="http://schemas.openxmlformats.org/drawingml/2006/chart" xmlns:dgm="http://schemas.openxmlformats.org/drawingml/2006/diagram" xmlns:o="urn:schemas-microsoft-com:office:office" xmlns:v="urn:schemas-microsoft-com:vml" xmlns:pvml="urn:schemas-microsoft-com:office:powerpoint" xmlns:com="http://schemas.openxmlformats.org/drawingml/2006/compatibility" xmlns:p14="http://schemas.microsoft.com/office/powerpoint/2010/main" xmlns:p15="http://schemas.microsoft.com/office/powerpoint/2012/main" xmlns:ahyp="http://schemas.microsoft.com/office/drawing/2018/hyperlinkcolor" showMasterPhAnim="0" showMasterSp="0">
+<p:notes xmlns:a="http://schemas.openxmlformats.org/drawingml/2006/main" xmlns:r="http://schemas.openxmlformats.org/officeDocument/2006/relationships" xmlns:p="http://schemas.openxmlformats.org/presentationml/2006/main" showMasterSp="0" showMasterPhAnim="0">
   <p:cSld>
     <p:spTree>
       <p:nvGrpSpPr>
-        <p:cNvPr id="91" name="Shape 91"/>
+        <p:cNvPr id="1" name="Shape 91"/>
         <p:cNvGrpSpPr/>
         <p:nvPr/>
       </p:nvGrpSpPr>
@@ -1207,20 +1247,26 @@
       <p:sp>
         <p:nvSpPr>
           <p:cNvPr id="92" name="Google Shape;92;g10994dd9adc_0_34:notes"/>
-          <p:cNvSpPr/>
+          <p:cNvSpPr>
+            <a:spLocks noGrp="1" noRot="1" noChangeAspect="1"/>
+          </p:cNvSpPr>
           <p:nvPr>
-            <p:ph idx="2" type="sldImg"/>
+            <p:ph type="sldImg" idx="2"/>
           </p:nvPr>
         </p:nvSpPr>
         <p:spPr>
           <a:xfrm>
-            <a:off x="1143309" y="685800"/>
-            <a:ext cx="4572000" cy="3429000"/>
+            <a:off x="381000" y="685800"/>
+            <a:ext cx="6096000" cy="3429000"/>
           </a:xfrm>
           <a:custGeom>
-            <a:rect b="b" l="l" r="r" t="t"/>
+            <a:avLst/>
+            <a:gdLst/>
+            <a:ahLst/>
+            <a:cxnLst/>
+            <a:rect l="l" t="t" r="r" b="b"/>
             <a:pathLst>
-              <a:path extrusionOk="0" h="120000" w="120000">
+              <a:path w="120000" h="120000" extrusionOk="0">
                 <a:moveTo>
                   <a:pt x="0" y="0"/>
                 </a:moveTo>
@@ -1242,9 +1288,11 @@
       <p:sp>
         <p:nvSpPr>
           <p:cNvPr id="93" name="Google Shape;93;g10994dd9adc_0_34:notes"/>
-          <p:cNvSpPr txBox="1"/>
+          <p:cNvSpPr txBox="1">
+            <a:spLocks noGrp="1"/>
+          </p:cNvSpPr>
           <p:nvPr>
-            <p:ph idx="1" type="body"/>
+            <p:ph type="body" idx="1"/>
           </p:nvPr>
         </p:nvSpPr>
         <p:spPr>
@@ -1257,12 +1305,12 @@
           </a:prstGeom>
         </p:spPr>
         <p:txBody>
-          <a:bodyPr anchorCtr="0" anchor="t" bIns="91425" lIns="91425" spcFirstLastPara="1" rIns="91425" wrap="square" tIns="91425">
+          <a:bodyPr spcFirstLastPara="1" wrap="square" lIns="91425" tIns="91425" rIns="91425" bIns="91425" anchor="t" anchorCtr="0">
             <a:noAutofit/>
           </a:bodyPr>
           <a:lstStyle/>
           <a:p>
-            <a:pPr indent="0" lvl="0" marL="0" rtl="0" algn="l">
+            <a:pPr marL="0" lvl="0" indent="0" algn="l" rtl="0">
               <a:spcBef>
                 <a:spcPts val="0"/>
               </a:spcBef>
@@ -1271,9 +1319,6 @@
               </a:spcAft>
               <a:buNone/>
             </a:pPr>
-            <a:r>
-              <a:t/>
-            </a:r>
             <a:endParaRPr/>
           </a:p>
         </p:txBody>
@@ -1287,11 +1332,11 @@
 </file>
 
 <file path=ppt/notesSlides/notesSlide7.xml><?xml version="1.0" encoding="utf-8"?>
-<p:notes xmlns:a="http://schemas.openxmlformats.org/drawingml/2006/main" xmlns:r="http://schemas.openxmlformats.org/officeDocument/2006/relationships" xmlns:mc="http://schemas.openxmlformats.org/markup-compatibility/2006" xmlns:mv="urn:schemas-microsoft-com:mac:vml" xmlns:p="http://schemas.openxmlformats.org/presentationml/2006/main" xmlns:c="http://schemas.openxmlformats.org/drawingml/2006/chart" xmlns:dgm="http://schemas.openxmlformats.org/drawingml/2006/diagram" xmlns:o="urn:schemas-microsoft-com:office:office" xmlns:v="urn:schemas-microsoft-com:vml" xmlns:pvml="urn:schemas-microsoft-com:office:powerpoint" xmlns:com="http://schemas.openxmlformats.org/drawingml/2006/compatibility" xmlns:p14="http://schemas.microsoft.com/office/powerpoint/2010/main" xmlns:p15="http://schemas.microsoft.com/office/powerpoint/2012/main" xmlns:ahyp="http://schemas.microsoft.com/office/drawing/2018/hyperlinkcolor" showMasterPhAnim="0" showMasterSp="0">
+<p:notes xmlns:a="http://schemas.openxmlformats.org/drawingml/2006/main" xmlns:r="http://schemas.openxmlformats.org/officeDocument/2006/relationships" xmlns:p="http://schemas.openxmlformats.org/presentationml/2006/main" showMasterSp="0" showMasterPhAnim="0">
   <p:cSld>
     <p:spTree>
       <p:nvGrpSpPr>
-        <p:cNvPr id="97" name="Shape 97"/>
+        <p:cNvPr id="1" name="Shape 97"/>
         <p:cNvGrpSpPr/>
         <p:nvPr/>
       </p:nvGrpSpPr>
@@ -1306,20 +1351,26 @@
       <p:sp>
         <p:nvSpPr>
           <p:cNvPr id="98" name="Google Shape;98;g10994dd9adc_0_39:notes"/>
-          <p:cNvSpPr/>
+          <p:cNvSpPr>
+            <a:spLocks noGrp="1" noRot="1" noChangeAspect="1"/>
+          </p:cNvSpPr>
           <p:nvPr>
-            <p:ph idx="2" type="sldImg"/>
+            <p:ph type="sldImg" idx="2"/>
           </p:nvPr>
         </p:nvSpPr>
         <p:spPr>
           <a:xfrm>
-            <a:off x="1143309" y="685800"/>
-            <a:ext cx="4572000" cy="3429000"/>
+            <a:off x="381000" y="685800"/>
+            <a:ext cx="6096000" cy="3429000"/>
           </a:xfrm>
           <a:custGeom>
-            <a:rect b="b" l="l" r="r" t="t"/>
+            <a:avLst/>
+            <a:gdLst/>
+            <a:ahLst/>
+            <a:cxnLst/>
+            <a:rect l="l" t="t" r="r" b="b"/>
             <a:pathLst>
-              <a:path extrusionOk="0" h="120000" w="120000">
+              <a:path w="120000" h="120000" extrusionOk="0">
                 <a:moveTo>
                   <a:pt x="0" y="0"/>
                 </a:moveTo>
@@ -1341,9 +1392,11 @@
       <p:sp>
         <p:nvSpPr>
           <p:cNvPr id="99" name="Google Shape;99;g10994dd9adc_0_39:notes"/>
-          <p:cNvSpPr txBox="1"/>
+          <p:cNvSpPr txBox="1">
+            <a:spLocks noGrp="1"/>
+          </p:cNvSpPr>
           <p:nvPr>
-            <p:ph idx="1" type="body"/>
+            <p:ph type="body" idx="1"/>
           </p:nvPr>
         </p:nvSpPr>
         <p:spPr>
@@ -1356,12 +1409,12 @@
           </a:prstGeom>
         </p:spPr>
         <p:txBody>
-          <a:bodyPr anchorCtr="0" anchor="t" bIns="91425" lIns="91425" spcFirstLastPara="1" rIns="91425" wrap="square" tIns="91425">
+          <a:bodyPr spcFirstLastPara="1" wrap="square" lIns="91425" tIns="91425" rIns="91425" bIns="91425" anchor="t" anchorCtr="0">
             <a:noAutofit/>
           </a:bodyPr>
           <a:lstStyle/>
           <a:p>
-            <a:pPr indent="0" lvl="0" marL="0" rtl="0" algn="l">
+            <a:pPr marL="0" lvl="0" indent="0" algn="l" rtl="0">
               <a:spcBef>
                 <a:spcPts val="0"/>
               </a:spcBef>
@@ -1370,9 +1423,6 @@
               </a:spcAft>
               <a:buNone/>
             </a:pPr>
-            <a:r>
-              <a:t/>
-            </a:r>
             <a:endParaRPr/>
           </a:p>
         </p:txBody>
@@ -1386,11 +1436,11 @@
 </file>
 
 <file path=ppt/slideLayouts/slideLayout1.xml><?xml version="1.0" encoding="utf-8"?>
-<p:sldLayout xmlns:a="http://schemas.openxmlformats.org/drawingml/2006/main" xmlns:r="http://schemas.openxmlformats.org/officeDocument/2006/relationships" xmlns:mc="http://schemas.openxmlformats.org/markup-compatibility/2006" xmlns:mv="urn:schemas-microsoft-com:mac:vml" xmlns:p="http://schemas.openxmlformats.org/presentationml/2006/main" xmlns:c="http://schemas.openxmlformats.org/drawingml/2006/chart" xmlns:dgm="http://schemas.openxmlformats.org/drawingml/2006/diagram" xmlns:o="urn:schemas-microsoft-com:office:office" xmlns:v="urn:schemas-microsoft-com:vml" xmlns:pvml="urn:schemas-microsoft-com:office:powerpoint" xmlns:com="http://schemas.openxmlformats.org/drawingml/2006/compatibility" xmlns:p14="http://schemas.microsoft.com/office/powerpoint/2010/main" xmlns:p15="http://schemas.microsoft.com/office/powerpoint/2012/main" xmlns:ahyp="http://schemas.microsoft.com/office/drawing/2018/hyperlinkcolor" matchingName="Title slide" type="title">
+<p:sldLayout xmlns:a="http://schemas.openxmlformats.org/drawingml/2006/main" xmlns:r="http://schemas.openxmlformats.org/officeDocument/2006/relationships" xmlns:p="http://schemas.openxmlformats.org/presentationml/2006/main" matchingName="Title slide" type="title">
   <p:cSld name="TITLE">
     <p:spTree>
       <p:nvGrpSpPr>
-        <p:cNvPr id="9" name="Shape 9"/>
+        <p:cNvPr id="1" name="Shape 9"/>
         <p:cNvGrpSpPr/>
         <p:nvPr/>
       </p:nvGrpSpPr>
@@ -1405,22 +1455,24 @@
       <p:sp>
         <p:nvSpPr>
           <p:cNvPr id="10" name="Google Shape;10;p2"/>
-          <p:cNvSpPr txBox="1"/>
+          <p:cNvSpPr txBox="1">
+            <a:spLocks noGrp="1"/>
+          </p:cNvSpPr>
           <p:nvPr>
             <p:ph type="ctrTitle"/>
           </p:nvPr>
         </p:nvSpPr>
         <p:spPr>
           <a:xfrm>
-            <a:off x="311708" y="992767"/>
-            <a:ext cx="8520600" cy="2736900"/>
+            <a:off x="415611" y="992767"/>
+            <a:ext cx="11360800" cy="2736900"/>
           </a:xfrm>
           <a:prstGeom prst="rect">
             <a:avLst/>
           </a:prstGeom>
         </p:spPr>
         <p:txBody>
-          <a:bodyPr anchorCtr="0" anchor="b" bIns="91425" lIns="91425" spcFirstLastPara="1" rIns="91425" wrap="square" tIns="91425">
+          <a:bodyPr spcFirstLastPara="1" wrap="square" lIns="91425" tIns="91425" rIns="91425" bIns="91425" anchor="b" anchorCtr="0">
             <a:normAutofit/>
           </a:bodyPr>
           <a:lstStyle>
@@ -1524,28 +1576,32 @@
               <a:defRPr sz="5200"/>
             </a:lvl9pPr>
           </a:lstStyle>
-          <a:p/>
+          <a:p>
+            <a:endParaRPr/>
+          </a:p>
         </p:txBody>
       </p:sp>
       <p:sp>
         <p:nvSpPr>
           <p:cNvPr id="11" name="Google Shape;11;p2"/>
-          <p:cNvSpPr txBox="1"/>
+          <p:cNvSpPr txBox="1">
+            <a:spLocks noGrp="1"/>
+          </p:cNvSpPr>
           <p:nvPr>
-            <p:ph idx="1" type="subTitle"/>
+            <p:ph type="subTitle" idx="1"/>
           </p:nvPr>
         </p:nvSpPr>
         <p:spPr>
           <a:xfrm>
-            <a:off x="311700" y="3778833"/>
-            <a:ext cx="8520600" cy="1056900"/>
+            <a:off x="415600" y="3778833"/>
+            <a:ext cx="11360800" cy="1056900"/>
           </a:xfrm>
           <a:prstGeom prst="rect">
             <a:avLst/>
           </a:prstGeom>
         </p:spPr>
         <p:txBody>
-          <a:bodyPr anchorCtr="0" anchor="t" bIns="91425" lIns="91425" spcFirstLastPara="1" rIns="91425" wrap="square" tIns="91425">
+          <a:bodyPr spcFirstLastPara="1" wrap="square" lIns="91425" tIns="91425" rIns="91425" bIns="91425" anchor="t" anchorCtr="0">
             <a:normAutofit/>
           </a:bodyPr>
           <a:lstStyle>
@@ -1676,28 +1732,32 @@
               <a:defRPr sz="2800"/>
             </a:lvl9pPr>
           </a:lstStyle>
-          <a:p/>
+          <a:p>
+            <a:endParaRPr/>
+          </a:p>
         </p:txBody>
       </p:sp>
       <p:sp>
         <p:nvSpPr>
           <p:cNvPr id="12" name="Google Shape;12;p2"/>
-          <p:cNvSpPr txBox="1"/>
+          <p:cNvSpPr txBox="1">
+            <a:spLocks noGrp="1"/>
+          </p:cNvSpPr>
           <p:nvPr>
-            <p:ph idx="12" type="sldNum"/>
+            <p:ph type="sldNum" idx="12"/>
           </p:nvPr>
         </p:nvSpPr>
         <p:spPr>
           <a:xfrm>
-            <a:off x="8472458" y="6217622"/>
-            <a:ext cx="548700" cy="524700"/>
+            <a:off x="11296611" y="6217622"/>
+            <a:ext cx="731600" cy="524700"/>
           </a:xfrm>
           <a:prstGeom prst="rect">
             <a:avLst/>
           </a:prstGeom>
         </p:spPr>
         <p:txBody>
-          <a:bodyPr anchorCtr="0" anchor="ctr" bIns="91425" lIns="91425" spcFirstLastPara="1" rIns="91425" wrap="square" tIns="91425">
+          <a:bodyPr spcFirstLastPara="1" wrap="square" lIns="91425" tIns="91425" rIns="91425" bIns="91425" anchor="ctr" anchorCtr="0">
             <a:normAutofit/>
           </a:bodyPr>
           <a:lstStyle>
@@ -1739,20 +1799,182 @@
             </a:lvl9pPr>
           </a:lstStyle>
           <a:p>
-            <a:pPr indent="0" lvl="0" marL="0" rtl="0" algn="r">
-              <a:spcBef>
-                <a:spcPts val="0"/>
-              </a:spcBef>
-              <a:spcAft>
-                <a:spcPts val="0"/>
-              </a:spcAft>
-              <a:buNone/>
-            </a:pPr>
             <a:fld id="{00000000-1234-1234-1234-123412341234}" type="slidenum">
-              <a:rPr lang="en"/>
+              <a:rPr lang="en" smtClean="0"/>
+              <a:pPr/>
               <a:t>‹#›</a:t>
             </a:fld>
+            <a:endParaRPr lang="en"/>
+          </a:p>
+        </p:txBody>
+      </p:sp>
+      <p:pic>
+        <p:nvPicPr>
+          <p:cNvPr id="2" name="그림 1">
+            <a:extLst>
+              <a:ext uri="{FF2B5EF4-FFF2-40B4-BE49-F238E27FC236}">
+                <a16:creationId xmlns:a16="http://schemas.microsoft.com/office/drawing/2014/main" id="{CF238EFB-27B3-F047-403C-5886F303AF43}"/>
+              </a:ext>
+            </a:extLst>
+          </p:cNvPr>
+          <p:cNvPicPr>
+            <a:picLocks noChangeAspect="1"/>
+          </p:cNvPicPr>
+          <p:nvPr userDrawn="1"/>
+        </p:nvPicPr>
+        <p:blipFill>
+          <a:blip r:embed="rId2"/>
+          <a:stretch>
+            <a:fillRect/>
+          </a:stretch>
+        </p:blipFill>
+        <p:spPr>
+          <a:xfrm>
+            <a:off x="4772910" y="4688868"/>
+            <a:ext cx="2646180" cy="1046769"/>
+          </a:xfrm>
+          <a:prstGeom prst="rect">
+            <a:avLst/>
+          </a:prstGeom>
+        </p:spPr>
+      </p:pic>
+    </p:spTree>
+  </p:cSld>
+  <p:clrMapOvr>
+    <a:masterClrMapping/>
+  </p:clrMapOvr>
+</p:sldLayout>
+</file>
+
+<file path=ppt/slideLayouts/slideLayout10.xml><?xml version="1.0" encoding="utf-8"?>
+<p:sldLayout xmlns:a="http://schemas.openxmlformats.org/drawingml/2006/main" xmlns:r="http://schemas.openxmlformats.org/officeDocument/2006/relationships" xmlns:p="http://schemas.openxmlformats.org/presentationml/2006/main" matchingName="Caption">
+  <p:cSld name="CAPTION_ONLY">
+    <p:spTree>
+      <p:nvGrpSpPr>
+        <p:cNvPr id="1" name="Shape 41"/>
+        <p:cNvGrpSpPr/>
+        <p:nvPr/>
+      </p:nvGrpSpPr>
+      <p:grpSpPr>
+        <a:xfrm>
+          <a:off x="0" y="0"/>
+          <a:ext cx="0" cy="0"/>
+          <a:chOff x="0" y="0"/>
+          <a:chExt cx="0" cy="0"/>
+        </a:xfrm>
+      </p:grpSpPr>
+      <p:sp>
+        <p:nvSpPr>
+          <p:cNvPr id="42" name="Google Shape;42;p10"/>
+          <p:cNvSpPr txBox="1">
+            <a:spLocks noGrp="1"/>
+          </p:cNvSpPr>
+          <p:nvPr>
+            <p:ph type="body" idx="1"/>
+          </p:nvPr>
+        </p:nvSpPr>
+        <p:spPr>
+          <a:xfrm>
+            <a:off x="415600" y="5640767"/>
+            <a:ext cx="7998400" cy="806700"/>
+          </a:xfrm>
+          <a:prstGeom prst="rect">
+            <a:avLst/>
+          </a:prstGeom>
+        </p:spPr>
+        <p:txBody>
+          <a:bodyPr spcFirstLastPara="1" wrap="square" lIns="91425" tIns="91425" rIns="91425" bIns="91425" anchor="ctr" anchorCtr="0">
+            <a:normAutofit/>
+          </a:bodyPr>
+          <a:lstStyle>
+            <a:lvl1pPr marL="457200" lvl="0" indent="-228600">
+              <a:lnSpc>
+                <a:spcPct val="100000"/>
+              </a:lnSpc>
+              <a:spcBef>
+                <a:spcPts val="0"/>
+              </a:spcBef>
+              <a:spcAft>
+                <a:spcPts val="0"/>
+              </a:spcAft>
+              <a:buSzPts val="1800"/>
+              <a:buNone/>
+              <a:defRPr/>
+            </a:lvl1pPr>
+          </a:lstStyle>
+          <a:p>
             <a:endParaRPr/>
+          </a:p>
+        </p:txBody>
+      </p:sp>
+      <p:sp>
+        <p:nvSpPr>
+          <p:cNvPr id="43" name="Google Shape;43;p10"/>
+          <p:cNvSpPr txBox="1">
+            <a:spLocks noGrp="1"/>
+          </p:cNvSpPr>
+          <p:nvPr>
+            <p:ph type="sldNum" idx="12"/>
+          </p:nvPr>
+        </p:nvSpPr>
+        <p:spPr>
+          <a:xfrm>
+            <a:off x="11296611" y="6217622"/>
+            <a:ext cx="731600" cy="524700"/>
+          </a:xfrm>
+          <a:prstGeom prst="rect">
+            <a:avLst/>
+          </a:prstGeom>
+        </p:spPr>
+        <p:txBody>
+          <a:bodyPr spcFirstLastPara="1" wrap="square" lIns="91425" tIns="91425" rIns="91425" bIns="91425" anchor="ctr" anchorCtr="0">
+            <a:normAutofit/>
+          </a:bodyPr>
+          <a:lstStyle>
+            <a:lvl1pPr lvl="0">
+              <a:buNone/>
+              <a:defRPr/>
+            </a:lvl1pPr>
+            <a:lvl2pPr lvl="1">
+              <a:buNone/>
+              <a:defRPr/>
+            </a:lvl2pPr>
+            <a:lvl3pPr lvl="2">
+              <a:buNone/>
+              <a:defRPr/>
+            </a:lvl3pPr>
+            <a:lvl4pPr lvl="3">
+              <a:buNone/>
+              <a:defRPr/>
+            </a:lvl4pPr>
+            <a:lvl5pPr lvl="4">
+              <a:buNone/>
+              <a:defRPr/>
+            </a:lvl5pPr>
+            <a:lvl6pPr lvl="5">
+              <a:buNone/>
+              <a:defRPr/>
+            </a:lvl6pPr>
+            <a:lvl7pPr lvl="6">
+              <a:buNone/>
+              <a:defRPr/>
+            </a:lvl7pPr>
+            <a:lvl8pPr lvl="7">
+              <a:buNone/>
+              <a:defRPr/>
+            </a:lvl8pPr>
+            <a:lvl9pPr lvl="8">
+              <a:buNone/>
+              <a:defRPr/>
+            </a:lvl9pPr>
+          </a:lstStyle>
+          <a:p>
+            <a:fld id="{00000000-1234-1234-1234-123412341234}" type="slidenum">
+              <a:rPr lang="en" smtClean="0"/>
+              <a:pPr/>
+              <a:t>‹#›</a:t>
+            </a:fld>
+            <a:endParaRPr lang="en"/>
           </a:p>
         </p:txBody>
       </p:sp>
@@ -1764,12 +1986,12 @@
 </p:sldLayout>
 </file>
 
-<file path=ppt/slideLayouts/slideLayout10.xml><?xml version="1.0" encoding="utf-8"?>
-<p:sldLayout xmlns:a="http://schemas.openxmlformats.org/drawingml/2006/main" xmlns:r="http://schemas.openxmlformats.org/officeDocument/2006/relationships" xmlns:mc="http://schemas.openxmlformats.org/markup-compatibility/2006" xmlns:mv="urn:schemas-microsoft-com:mac:vml" xmlns:p="http://schemas.openxmlformats.org/presentationml/2006/main" xmlns:c="http://schemas.openxmlformats.org/drawingml/2006/chart" xmlns:dgm="http://schemas.openxmlformats.org/drawingml/2006/diagram" xmlns:o="urn:schemas-microsoft-com:office:office" xmlns:v="urn:schemas-microsoft-com:vml" xmlns:pvml="urn:schemas-microsoft-com:office:powerpoint" xmlns:com="http://schemas.openxmlformats.org/drawingml/2006/compatibility" xmlns:p14="http://schemas.microsoft.com/office/powerpoint/2010/main" xmlns:p15="http://schemas.microsoft.com/office/powerpoint/2012/main" xmlns:ahyp="http://schemas.microsoft.com/office/drawing/2018/hyperlinkcolor" matchingName="Big number">
+<file path=ppt/slideLayouts/slideLayout11.xml><?xml version="1.0" encoding="utf-8"?>
+<p:sldLayout xmlns:a="http://schemas.openxmlformats.org/drawingml/2006/main" xmlns:r="http://schemas.openxmlformats.org/officeDocument/2006/relationships" xmlns:p="http://schemas.openxmlformats.org/presentationml/2006/main" matchingName="Big number">
   <p:cSld name="BIG_NUMBER">
     <p:spTree>
       <p:nvGrpSpPr>
-        <p:cNvPr id="44" name="Shape 44"/>
+        <p:cNvPr id="1" name="Shape 44"/>
         <p:cNvGrpSpPr/>
         <p:nvPr/>
       </p:nvGrpSpPr>
@@ -1784,22 +2006,24 @@
       <p:sp>
         <p:nvSpPr>
           <p:cNvPr id="45" name="Google Shape;45;p11"/>
-          <p:cNvSpPr txBox="1"/>
+          <p:cNvSpPr txBox="1">
+            <a:spLocks noGrp="1"/>
+          </p:cNvSpPr>
           <p:nvPr>
-            <p:ph hasCustomPrompt="1" type="title"/>
+            <p:ph type="title" hasCustomPrompt="1"/>
           </p:nvPr>
         </p:nvSpPr>
         <p:spPr>
           <a:xfrm>
-            <a:off x="311700" y="1474833"/>
-            <a:ext cx="8520600" cy="2618100"/>
+            <a:off x="415600" y="1474833"/>
+            <a:ext cx="11360800" cy="2618100"/>
           </a:xfrm>
           <a:prstGeom prst="rect">
             <a:avLst/>
           </a:prstGeom>
         </p:spPr>
         <p:txBody>
-          <a:bodyPr anchorCtr="0" anchor="b" bIns="91425" lIns="91425" spcFirstLastPara="1" rIns="91425" wrap="square" tIns="91425">
+          <a:bodyPr spcFirstLastPara="1" wrap="square" lIns="91425" tIns="91425" rIns="91425" bIns="91425" anchor="b" anchorCtr="0">
             <a:normAutofit/>
           </a:bodyPr>
           <a:lstStyle>
@@ -1913,26 +2137,28 @@
       <p:sp>
         <p:nvSpPr>
           <p:cNvPr id="46" name="Google Shape;46;p11"/>
-          <p:cNvSpPr txBox="1"/>
+          <p:cNvSpPr txBox="1">
+            <a:spLocks noGrp="1"/>
+          </p:cNvSpPr>
           <p:nvPr>
-            <p:ph idx="1" type="body"/>
+            <p:ph type="body" idx="1"/>
           </p:nvPr>
         </p:nvSpPr>
         <p:spPr>
           <a:xfrm>
-            <a:off x="311700" y="4202967"/>
-            <a:ext cx="8520600" cy="1734300"/>
+            <a:off x="415600" y="4202967"/>
+            <a:ext cx="11360800" cy="1734300"/>
           </a:xfrm>
           <a:prstGeom prst="rect">
             <a:avLst/>
           </a:prstGeom>
         </p:spPr>
         <p:txBody>
-          <a:bodyPr anchorCtr="0" anchor="t" bIns="91425" lIns="91425" spcFirstLastPara="1" rIns="91425" wrap="square" tIns="91425">
+          <a:bodyPr spcFirstLastPara="1" wrap="square" lIns="91425" tIns="91425" rIns="91425" bIns="91425" anchor="t" anchorCtr="0">
             <a:normAutofit/>
           </a:bodyPr>
           <a:lstStyle>
-            <a:lvl1pPr indent="-342900" lvl="0" marL="457200" algn="ctr">
+            <a:lvl1pPr marL="457200" lvl="0" indent="-342900" algn="ctr">
               <a:spcBef>
                 <a:spcPts val="0"/>
               </a:spcBef>
@@ -1943,7 +2169,7 @@
               <a:buChar char="●"/>
               <a:defRPr/>
             </a:lvl1pPr>
-            <a:lvl2pPr indent="-317500" lvl="1" marL="914400" algn="ctr">
+            <a:lvl2pPr marL="914400" lvl="1" indent="-317500" algn="ctr">
               <a:spcBef>
                 <a:spcPts val="0"/>
               </a:spcBef>
@@ -1954,7 +2180,7 @@
               <a:buChar char="○"/>
               <a:defRPr/>
             </a:lvl2pPr>
-            <a:lvl3pPr indent="-317500" lvl="2" marL="1371600" algn="ctr">
+            <a:lvl3pPr marL="1371600" lvl="2" indent="-317500" algn="ctr">
               <a:spcBef>
                 <a:spcPts val="0"/>
               </a:spcBef>
@@ -1965,7 +2191,7 @@
               <a:buChar char="■"/>
               <a:defRPr/>
             </a:lvl3pPr>
-            <a:lvl4pPr indent="-317500" lvl="3" marL="1828800" algn="ctr">
+            <a:lvl4pPr marL="1828800" lvl="3" indent="-317500" algn="ctr">
               <a:spcBef>
                 <a:spcPts val="0"/>
               </a:spcBef>
@@ -1976,7 +2202,7 @@
               <a:buChar char="●"/>
               <a:defRPr/>
             </a:lvl4pPr>
-            <a:lvl5pPr indent="-317500" lvl="4" marL="2286000" algn="ctr">
+            <a:lvl5pPr marL="2286000" lvl="4" indent="-317500" algn="ctr">
               <a:spcBef>
                 <a:spcPts val="0"/>
               </a:spcBef>
@@ -1987,7 +2213,7 @@
               <a:buChar char="○"/>
               <a:defRPr/>
             </a:lvl5pPr>
-            <a:lvl6pPr indent="-317500" lvl="5" marL="2743200" algn="ctr">
+            <a:lvl6pPr marL="2743200" lvl="5" indent="-317500" algn="ctr">
               <a:spcBef>
                 <a:spcPts val="0"/>
               </a:spcBef>
@@ -1998,7 +2224,7 @@
               <a:buChar char="■"/>
               <a:defRPr/>
             </a:lvl6pPr>
-            <a:lvl7pPr indent="-317500" lvl="6" marL="3200400" algn="ctr">
+            <a:lvl7pPr marL="3200400" lvl="6" indent="-317500" algn="ctr">
               <a:spcBef>
                 <a:spcPts val="0"/>
               </a:spcBef>
@@ -2009,7 +2235,7 @@
               <a:buChar char="●"/>
               <a:defRPr/>
             </a:lvl7pPr>
-            <a:lvl8pPr indent="-317500" lvl="7" marL="3657600" algn="ctr">
+            <a:lvl8pPr marL="3657600" lvl="7" indent="-317500" algn="ctr">
               <a:spcBef>
                 <a:spcPts val="0"/>
               </a:spcBef>
@@ -2020,7 +2246,7 @@
               <a:buChar char="○"/>
               <a:defRPr/>
             </a:lvl8pPr>
-            <a:lvl9pPr indent="-317500" lvl="8" marL="4114800" algn="ctr">
+            <a:lvl9pPr marL="4114800" lvl="8" indent="-317500" algn="ctr">
               <a:spcBef>
                 <a:spcPts val="0"/>
               </a:spcBef>
@@ -2032,28 +2258,32 @@
               <a:defRPr/>
             </a:lvl9pPr>
           </a:lstStyle>
-          <a:p/>
+          <a:p>
+            <a:endParaRPr/>
+          </a:p>
         </p:txBody>
       </p:sp>
       <p:sp>
         <p:nvSpPr>
           <p:cNvPr id="47" name="Google Shape;47;p11"/>
-          <p:cNvSpPr txBox="1"/>
+          <p:cNvSpPr txBox="1">
+            <a:spLocks noGrp="1"/>
+          </p:cNvSpPr>
           <p:nvPr>
-            <p:ph idx="12" type="sldNum"/>
+            <p:ph type="sldNum" idx="12"/>
           </p:nvPr>
         </p:nvSpPr>
         <p:spPr>
           <a:xfrm>
-            <a:off x="8472458" y="6217622"/>
-            <a:ext cx="548700" cy="524700"/>
+            <a:off x="11296611" y="6217622"/>
+            <a:ext cx="731600" cy="524700"/>
           </a:xfrm>
           <a:prstGeom prst="rect">
             <a:avLst/>
           </a:prstGeom>
         </p:spPr>
         <p:txBody>
-          <a:bodyPr anchorCtr="0" anchor="ctr" bIns="91425" lIns="91425" spcFirstLastPara="1" rIns="91425" wrap="square" tIns="91425">
+          <a:bodyPr spcFirstLastPara="1" wrap="square" lIns="91425" tIns="91425" rIns="91425" bIns="91425" anchor="ctr" anchorCtr="0">
             <a:normAutofit/>
           </a:bodyPr>
           <a:lstStyle>
@@ -2095,20 +2325,12 @@
             </a:lvl9pPr>
           </a:lstStyle>
           <a:p>
-            <a:pPr indent="0" lvl="0" marL="0" rtl="0" algn="r">
-              <a:spcBef>
-                <a:spcPts val="0"/>
-              </a:spcBef>
-              <a:spcAft>
-                <a:spcPts val="0"/>
-              </a:spcAft>
-              <a:buNone/>
-            </a:pPr>
             <a:fld id="{00000000-1234-1234-1234-123412341234}" type="slidenum">
-              <a:rPr lang="en"/>
+              <a:rPr lang="en" smtClean="0"/>
+              <a:pPr/>
               <a:t>‹#›</a:t>
             </a:fld>
-            <a:endParaRPr/>
+            <a:endParaRPr lang="en"/>
           </a:p>
         </p:txBody>
       </p:sp>
@@ -2120,12 +2342,12 @@
 </p:sldLayout>
 </file>
 
-<file path=ppt/slideLayouts/slideLayout11.xml><?xml version="1.0" encoding="utf-8"?>
-<p:sldLayout xmlns:a="http://schemas.openxmlformats.org/drawingml/2006/main" xmlns:r="http://schemas.openxmlformats.org/officeDocument/2006/relationships" xmlns:mc="http://schemas.openxmlformats.org/markup-compatibility/2006" xmlns:mv="urn:schemas-microsoft-com:mac:vml" xmlns:p="http://schemas.openxmlformats.org/presentationml/2006/main" xmlns:c="http://schemas.openxmlformats.org/drawingml/2006/chart" xmlns:dgm="http://schemas.openxmlformats.org/drawingml/2006/diagram" xmlns:o="urn:schemas-microsoft-com:office:office" xmlns:v="urn:schemas-microsoft-com:vml" xmlns:pvml="urn:schemas-microsoft-com:office:powerpoint" xmlns:com="http://schemas.openxmlformats.org/drawingml/2006/compatibility" xmlns:p14="http://schemas.microsoft.com/office/powerpoint/2010/main" xmlns:p15="http://schemas.microsoft.com/office/powerpoint/2012/main" xmlns:ahyp="http://schemas.microsoft.com/office/drawing/2018/hyperlinkcolor" matchingName="Blank" type="blank">
+<file path=ppt/slideLayouts/slideLayout12.xml><?xml version="1.0" encoding="utf-8"?>
+<p:sldLayout xmlns:a="http://schemas.openxmlformats.org/drawingml/2006/main" xmlns:r="http://schemas.openxmlformats.org/officeDocument/2006/relationships" xmlns:p="http://schemas.openxmlformats.org/presentationml/2006/main" matchingName="Blank" type="blank">
   <p:cSld name="BLANK">
     <p:spTree>
       <p:nvGrpSpPr>
-        <p:cNvPr id="48" name="Shape 48"/>
+        <p:cNvPr id="1" name="Shape 48"/>
         <p:cNvGrpSpPr/>
         <p:nvPr/>
       </p:nvGrpSpPr>
@@ -2140,22 +2362,24 @@
       <p:sp>
         <p:nvSpPr>
           <p:cNvPr id="49" name="Google Shape;49;p12"/>
-          <p:cNvSpPr txBox="1"/>
+          <p:cNvSpPr txBox="1">
+            <a:spLocks noGrp="1"/>
+          </p:cNvSpPr>
           <p:nvPr>
-            <p:ph idx="12" type="sldNum"/>
+            <p:ph type="sldNum" idx="12"/>
           </p:nvPr>
         </p:nvSpPr>
         <p:spPr>
           <a:xfrm>
-            <a:off x="8472458" y="6217622"/>
-            <a:ext cx="548700" cy="524700"/>
+            <a:off x="11296611" y="6217622"/>
+            <a:ext cx="731600" cy="524700"/>
           </a:xfrm>
           <a:prstGeom prst="rect">
             <a:avLst/>
           </a:prstGeom>
         </p:spPr>
         <p:txBody>
-          <a:bodyPr anchorCtr="0" anchor="ctr" bIns="91425" lIns="91425" spcFirstLastPara="1" rIns="91425" wrap="square" tIns="91425">
+          <a:bodyPr spcFirstLastPara="1" wrap="square" lIns="91425" tIns="91425" rIns="91425" bIns="91425" anchor="ctr" anchorCtr="0">
             <a:normAutofit/>
           </a:bodyPr>
           <a:lstStyle>
@@ -2197,20 +2421,12 @@
             </a:lvl9pPr>
           </a:lstStyle>
           <a:p>
-            <a:pPr indent="0" lvl="0" marL="0" rtl="0" algn="r">
-              <a:spcBef>
-                <a:spcPts val="0"/>
-              </a:spcBef>
-              <a:spcAft>
-                <a:spcPts val="0"/>
-              </a:spcAft>
-              <a:buNone/>
-            </a:pPr>
             <a:fld id="{00000000-1234-1234-1234-123412341234}" type="slidenum">
-              <a:rPr lang="en"/>
+              <a:rPr lang="en" smtClean="0"/>
+              <a:pPr/>
               <a:t>‹#›</a:t>
             </a:fld>
-            <a:endParaRPr/>
+            <a:endParaRPr lang="en"/>
           </a:p>
         </p:txBody>
       </p:sp>
@@ -2223,11 +2439,427 @@
 </file>
 
 <file path=ppt/slideLayouts/slideLayout2.xml><?xml version="1.0" encoding="utf-8"?>
-<p:sldLayout xmlns:a="http://schemas.openxmlformats.org/drawingml/2006/main" xmlns:r="http://schemas.openxmlformats.org/officeDocument/2006/relationships" xmlns:mc="http://schemas.openxmlformats.org/markup-compatibility/2006" xmlns:mv="urn:schemas-microsoft-com:mac:vml" xmlns:p="http://schemas.openxmlformats.org/presentationml/2006/main" xmlns:c="http://schemas.openxmlformats.org/drawingml/2006/chart" xmlns:dgm="http://schemas.openxmlformats.org/drawingml/2006/diagram" xmlns:o="urn:schemas-microsoft-com:office:office" xmlns:v="urn:schemas-microsoft-com:vml" xmlns:pvml="urn:schemas-microsoft-com:office:powerpoint" xmlns:com="http://schemas.openxmlformats.org/drawingml/2006/compatibility" xmlns:p14="http://schemas.microsoft.com/office/powerpoint/2010/main" xmlns:p15="http://schemas.microsoft.com/office/powerpoint/2012/main" xmlns:ahyp="http://schemas.microsoft.com/office/drawing/2018/hyperlinkcolor" matchingName="Section header" type="secHead">
+<p:sldLayout xmlns:a="http://schemas.openxmlformats.org/drawingml/2006/main" xmlns:r="http://schemas.openxmlformats.org/officeDocument/2006/relationships" xmlns:p="http://schemas.openxmlformats.org/presentationml/2006/main" matchingName="Title slide" type="title" preserve="1">
+  <p:cSld name="1_Title slide">
+    <p:spTree>
+      <p:nvGrpSpPr>
+        <p:cNvPr id="1" name="Shape 9"/>
+        <p:cNvGrpSpPr/>
+        <p:nvPr/>
+      </p:nvGrpSpPr>
+      <p:grpSpPr>
+        <a:xfrm>
+          <a:off x="0" y="0"/>
+          <a:ext cx="0" cy="0"/>
+          <a:chOff x="0" y="0"/>
+          <a:chExt cx="0" cy="0"/>
+        </a:xfrm>
+      </p:grpSpPr>
+      <p:sp>
+        <p:nvSpPr>
+          <p:cNvPr id="10" name="Google Shape;10;p2"/>
+          <p:cNvSpPr txBox="1">
+            <a:spLocks noGrp="1"/>
+          </p:cNvSpPr>
+          <p:nvPr>
+            <p:ph type="ctrTitle"/>
+          </p:nvPr>
+        </p:nvSpPr>
+        <p:spPr>
+          <a:xfrm>
+            <a:off x="415611" y="992767"/>
+            <a:ext cx="11360800" cy="2736900"/>
+          </a:xfrm>
+          <a:prstGeom prst="rect">
+            <a:avLst/>
+          </a:prstGeom>
+        </p:spPr>
+        <p:txBody>
+          <a:bodyPr spcFirstLastPara="1" wrap="square" lIns="91425" tIns="91425" rIns="91425" bIns="91425" anchor="b" anchorCtr="0">
+            <a:normAutofit/>
+          </a:bodyPr>
+          <a:lstStyle>
+            <a:lvl1pPr lvl="0" algn="ctr">
+              <a:spcBef>
+                <a:spcPts val="0"/>
+              </a:spcBef>
+              <a:spcAft>
+                <a:spcPts val="0"/>
+              </a:spcAft>
+              <a:buSzPts val="5200"/>
+              <a:buNone/>
+              <a:defRPr sz="5200"/>
+            </a:lvl1pPr>
+            <a:lvl2pPr lvl="1" algn="ctr">
+              <a:spcBef>
+                <a:spcPts val="0"/>
+              </a:spcBef>
+              <a:spcAft>
+                <a:spcPts val="0"/>
+              </a:spcAft>
+              <a:buSzPts val="5200"/>
+              <a:buNone/>
+              <a:defRPr sz="5200"/>
+            </a:lvl2pPr>
+            <a:lvl3pPr lvl="2" algn="ctr">
+              <a:spcBef>
+                <a:spcPts val="0"/>
+              </a:spcBef>
+              <a:spcAft>
+                <a:spcPts val="0"/>
+              </a:spcAft>
+              <a:buSzPts val="5200"/>
+              <a:buNone/>
+              <a:defRPr sz="5200"/>
+            </a:lvl3pPr>
+            <a:lvl4pPr lvl="3" algn="ctr">
+              <a:spcBef>
+                <a:spcPts val="0"/>
+              </a:spcBef>
+              <a:spcAft>
+                <a:spcPts val="0"/>
+              </a:spcAft>
+              <a:buSzPts val="5200"/>
+              <a:buNone/>
+              <a:defRPr sz="5200"/>
+            </a:lvl4pPr>
+            <a:lvl5pPr lvl="4" algn="ctr">
+              <a:spcBef>
+                <a:spcPts val="0"/>
+              </a:spcBef>
+              <a:spcAft>
+                <a:spcPts val="0"/>
+              </a:spcAft>
+              <a:buSzPts val="5200"/>
+              <a:buNone/>
+              <a:defRPr sz="5200"/>
+            </a:lvl5pPr>
+            <a:lvl6pPr lvl="5" algn="ctr">
+              <a:spcBef>
+                <a:spcPts val="0"/>
+              </a:spcBef>
+              <a:spcAft>
+                <a:spcPts val="0"/>
+              </a:spcAft>
+              <a:buSzPts val="5200"/>
+              <a:buNone/>
+              <a:defRPr sz="5200"/>
+            </a:lvl6pPr>
+            <a:lvl7pPr lvl="6" algn="ctr">
+              <a:spcBef>
+                <a:spcPts val="0"/>
+              </a:spcBef>
+              <a:spcAft>
+                <a:spcPts val="0"/>
+              </a:spcAft>
+              <a:buSzPts val="5200"/>
+              <a:buNone/>
+              <a:defRPr sz="5200"/>
+            </a:lvl7pPr>
+            <a:lvl8pPr lvl="7" algn="ctr">
+              <a:spcBef>
+                <a:spcPts val="0"/>
+              </a:spcBef>
+              <a:spcAft>
+                <a:spcPts val="0"/>
+              </a:spcAft>
+              <a:buSzPts val="5200"/>
+              <a:buNone/>
+              <a:defRPr sz="5200"/>
+            </a:lvl8pPr>
+            <a:lvl9pPr lvl="8" algn="ctr">
+              <a:spcBef>
+                <a:spcPts val="0"/>
+              </a:spcBef>
+              <a:spcAft>
+                <a:spcPts val="0"/>
+              </a:spcAft>
+              <a:buSzPts val="5200"/>
+              <a:buNone/>
+              <a:defRPr sz="5200"/>
+            </a:lvl9pPr>
+          </a:lstStyle>
+          <a:p>
+            <a:endParaRPr/>
+          </a:p>
+        </p:txBody>
+      </p:sp>
+      <p:sp>
+        <p:nvSpPr>
+          <p:cNvPr id="11" name="Google Shape;11;p2"/>
+          <p:cNvSpPr txBox="1">
+            <a:spLocks noGrp="1"/>
+          </p:cNvSpPr>
+          <p:nvPr>
+            <p:ph type="subTitle" idx="1"/>
+          </p:nvPr>
+        </p:nvSpPr>
+        <p:spPr>
+          <a:xfrm>
+            <a:off x="415600" y="3778833"/>
+            <a:ext cx="11360800" cy="1056900"/>
+          </a:xfrm>
+          <a:prstGeom prst="rect">
+            <a:avLst/>
+          </a:prstGeom>
+        </p:spPr>
+        <p:txBody>
+          <a:bodyPr spcFirstLastPara="1" wrap="square" lIns="91425" tIns="91425" rIns="91425" bIns="91425" anchor="t" anchorCtr="0">
+            <a:normAutofit/>
+          </a:bodyPr>
+          <a:lstStyle>
+            <a:lvl1pPr lvl="0" algn="ctr">
+              <a:lnSpc>
+                <a:spcPct val="100000"/>
+              </a:lnSpc>
+              <a:spcBef>
+                <a:spcPts val="0"/>
+              </a:spcBef>
+              <a:spcAft>
+                <a:spcPts val="0"/>
+              </a:spcAft>
+              <a:buSzPts val="2800"/>
+              <a:buNone/>
+              <a:defRPr sz="2800"/>
+            </a:lvl1pPr>
+            <a:lvl2pPr lvl="1" algn="ctr">
+              <a:lnSpc>
+                <a:spcPct val="100000"/>
+              </a:lnSpc>
+              <a:spcBef>
+                <a:spcPts val="0"/>
+              </a:spcBef>
+              <a:spcAft>
+                <a:spcPts val="0"/>
+              </a:spcAft>
+              <a:buSzPts val="2800"/>
+              <a:buNone/>
+              <a:defRPr sz="2800"/>
+            </a:lvl2pPr>
+            <a:lvl3pPr lvl="2" algn="ctr">
+              <a:lnSpc>
+                <a:spcPct val="100000"/>
+              </a:lnSpc>
+              <a:spcBef>
+                <a:spcPts val="0"/>
+              </a:spcBef>
+              <a:spcAft>
+                <a:spcPts val="0"/>
+              </a:spcAft>
+              <a:buSzPts val="2800"/>
+              <a:buNone/>
+              <a:defRPr sz="2800"/>
+            </a:lvl3pPr>
+            <a:lvl4pPr lvl="3" algn="ctr">
+              <a:lnSpc>
+                <a:spcPct val="100000"/>
+              </a:lnSpc>
+              <a:spcBef>
+                <a:spcPts val="0"/>
+              </a:spcBef>
+              <a:spcAft>
+                <a:spcPts val="0"/>
+              </a:spcAft>
+              <a:buSzPts val="2800"/>
+              <a:buNone/>
+              <a:defRPr sz="2800"/>
+            </a:lvl4pPr>
+            <a:lvl5pPr lvl="4" algn="ctr">
+              <a:lnSpc>
+                <a:spcPct val="100000"/>
+              </a:lnSpc>
+              <a:spcBef>
+                <a:spcPts val="0"/>
+              </a:spcBef>
+              <a:spcAft>
+                <a:spcPts val="0"/>
+              </a:spcAft>
+              <a:buSzPts val="2800"/>
+              <a:buNone/>
+              <a:defRPr sz="2800"/>
+            </a:lvl5pPr>
+            <a:lvl6pPr lvl="5" algn="ctr">
+              <a:lnSpc>
+                <a:spcPct val="100000"/>
+              </a:lnSpc>
+              <a:spcBef>
+                <a:spcPts val="0"/>
+              </a:spcBef>
+              <a:spcAft>
+                <a:spcPts val="0"/>
+              </a:spcAft>
+              <a:buSzPts val="2800"/>
+              <a:buNone/>
+              <a:defRPr sz="2800"/>
+            </a:lvl6pPr>
+            <a:lvl7pPr lvl="6" algn="ctr">
+              <a:lnSpc>
+                <a:spcPct val="100000"/>
+              </a:lnSpc>
+              <a:spcBef>
+                <a:spcPts val="0"/>
+              </a:spcBef>
+              <a:spcAft>
+                <a:spcPts val="0"/>
+              </a:spcAft>
+              <a:buSzPts val="2800"/>
+              <a:buNone/>
+              <a:defRPr sz="2800"/>
+            </a:lvl7pPr>
+            <a:lvl8pPr lvl="7" algn="ctr">
+              <a:lnSpc>
+                <a:spcPct val="100000"/>
+              </a:lnSpc>
+              <a:spcBef>
+                <a:spcPts val="0"/>
+              </a:spcBef>
+              <a:spcAft>
+                <a:spcPts val="0"/>
+              </a:spcAft>
+              <a:buSzPts val="2800"/>
+              <a:buNone/>
+              <a:defRPr sz="2800"/>
+            </a:lvl8pPr>
+            <a:lvl9pPr lvl="8" algn="ctr">
+              <a:lnSpc>
+                <a:spcPct val="100000"/>
+              </a:lnSpc>
+              <a:spcBef>
+                <a:spcPts val="0"/>
+              </a:spcBef>
+              <a:spcAft>
+                <a:spcPts val="0"/>
+              </a:spcAft>
+              <a:buSzPts val="2800"/>
+              <a:buNone/>
+              <a:defRPr sz="2800"/>
+            </a:lvl9pPr>
+          </a:lstStyle>
+          <a:p>
+            <a:endParaRPr/>
+          </a:p>
+        </p:txBody>
+      </p:sp>
+      <p:sp>
+        <p:nvSpPr>
+          <p:cNvPr id="12" name="Google Shape;12;p2"/>
+          <p:cNvSpPr txBox="1">
+            <a:spLocks noGrp="1"/>
+          </p:cNvSpPr>
+          <p:nvPr>
+            <p:ph type="sldNum" idx="12"/>
+          </p:nvPr>
+        </p:nvSpPr>
+        <p:spPr>
+          <a:xfrm>
+            <a:off x="11296611" y="6217622"/>
+            <a:ext cx="731600" cy="524700"/>
+          </a:xfrm>
+          <a:prstGeom prst="rect">
+            <a:avLst/>
+          </a:prstGeom>
+        </p:spPr>
+        <p:txBody>
+          <a:bodyPr spcFirstLastPara="1" wrap="square" lIns="91425" tIns="91425" rIns="91425" bIns="91425" anchor="ctr" anchorCtr="0">
+            <a:normAutofit/>
+          </a:bodyPr>
+          <a:lstStyle>
+            <a:lvl1pPr lvl="0">
+              <a:buNone/>
+              <a:defRPr/>
+            </a:lvl1pPr>
+            <a:lvl2pPr lvl="1">
+              <a:buNone/>
+              <a:defRPr/>
+            </a:lvl2pPr>
+            <a:lvl3pPr lvl="2">
+              <a:buNone/>
+              <a:defRPr/>
+            </a:lvl3pPr>
+            <a:lvl4pPr lvl="3">
+              <a:buNone/>
+              <a:defRPr/>
+            </a:lvl4pPr>
+            <a:lvl5pPr lvl="4">
+              <a:buNone/>
+              <a:defRPr/>
+            </a:lvl5pPr>
+            <a:lvl6pPr lvl="5">
+              <a:buNone/>
+              <a:defRPr/>
+            </a:lvl6pPr>
+            <a:lvl7pPr lvl="6">
+              <a:buNone/>
+              <a:defRPr/>
+            </a:lvl7pPr>
+            <a:lvl8pPr lvl="7">
+              <a:buNone/>
+              <a:defRPr/>
+            </a:lvl8pPr>
+            <a:lvl9pPr lvl="8">
+              <a:buNone/>
+              <a:defRPr/>
+            </a:lvl9pPr>
+          </a:lstStyle>
+          <a:p>
+            <a:fld id="{00000000-1234-1234-1234-123412341234}" type="slidenum">
+              <a:rPr lang="en" smtClean="0"/>
+              <a:pPr/>
+              <a:t>‹#›</a:t>
+            </a:fld>
+            <a:endParaRPr lang="en"/>
+          </a:p>
+        </p:txBody>
+      </p:sp>
+      <p:pic>
+        <p:nvPicPr>
+          <p:cNvPr id="2" name="그림 1">
+            <a:extLst>
+              <a:ext uri="{FF2B5EF4-FFF2-40B4-BE49-F238E27FC236}">
+                <a16:creationId xmlns:a16="http://schemas.microsoft.com/office/drawing/2014/main" id="{F451D1B0-76AE-1707-C842-56DCE07EACDC}"/>
+              </a:ext>
+            </a:extLst>
+          </p:cNvPr>
+          <p:cNvPicPr>
+            <a:picLocks noChangeAspect="1"/>
+          </p:cNvPicPr>
+          <p:nvPr userDrawn="1"/>
+        </p:nvPicPr>
+        <p:blipFill>
+          <a:blip r:embed="rId2"/>
+          <a:stretch>
+            <a:fillRect/>
+          </a:stretch>
+        </p:blipFill>
+        <p:spPr>
+          <a:xfrm>
+            <a:off x="4772910" y="4688868"/>
+            <a:ext cx="2646180" cy="1046769"/>
+          </a:xfrm>
+          <a:prstGeom prst="rect">
+            <a:avLst/>
+          </a:prstGeom>
+        </p:spPr>
+      </p:pic>
+    </p:spTree>
+    <p:extLst>
+      <p:ext uri="{BB962C8B-B14F-4D97-AF65-F5344CB8AC3E}">
+        <p14:creationId xmlns:p14="http://schemas.microsoft.com/office/powerpoint/2010/main" val="562258490"/>
+      </p:ext>
+    </p:extLst>
+  </p:cSld>
+  <p:clrMapOvr>
+    <a:masterClrMapping/>
+  </p:clrMapOvr>
+</p:sldLayout>
+</file>
+
+<file path=ppt/slideLayouts/slideLayout3.xml><?xml version="1.0" encoding="utf-8"?>
+<p:sldLayout xmlns:a="http://schemas.openxmlformats.org/drawingml/2006/main" xmlns:r="http://schemas.openxmlformats.org/officeDocument/2006/relationships" xmlns:p="http://schemas.openxmlformats.org/presentationml/2006/main" matchingName="Section header" type="secHead">
   <p:cSld name="SECTION_HEADER">
     <p:spTree>
       <p:nvGrpSpPr>
-        <p:cNvPr id="13" name="Shape 13"/>
+        <p:cNvPr id="1" name="Shape 13"/>
         <p:cNvGrpSpPr/>
         <p:nvPr/>
       </p:nvGrpSpPr>
@@ -2242,22 +2874,24 @@
       <p:sp>
         <p:nvSpPr>
           <p:cNvPr id="14" name="Google Shape;14;p3"/>
-          <p:cNvSpPr txBox="1"/>
+          <p:cNvSpPr txBox="1">
+            <a:spLocks noGrp="1"/>
+          </p:cNvSpPr>
           <p:nvPr>
             <p:ph type="title"/>
           </p:nvPr>
         </p:nvSpPr>
         <p:spPr>
           <a:xfrm>
-            <a:off x="311700" y="2867800"/>
-            <a:ext cx="8520600" cy="1122300"/>
+            <a:off x="415600" y="2867800"/>
+            <a:ext cx="11360800" cy="1122300"/>
           </a:xfrm>
           <a:prstGeom prst="rect">
             <a:avLst/>
           </a:prstGeom>
         </p:spPr>
         <p:txBody>
-          <a:bodyPr anchorCtr="0" anchor="ctr" bIns="91425" lIns="91425" spcFirstLastPara="1" rIns="91425" wrap="square" tIns="91425">
+          <a:bodyPr spcFirstLastPara="1" wrap="square" lIns="91425" tIns="91425" rIns="91425" bIns="91425" anchor="ctr" anchorCtr="0">
             <a:normAutofit/>
           </a:bodyPr>
           <a:lstStyle>
@@ -2361,28 +2995,32 @@
               <a:defRPr sz="3600"/>
             </a:lvl9pPr>
           </a:lstStyle>
-          <a:p/>
+          <a:p>
+            <a:endParaRPr/>
+          </a:p>
         </p:txBody>
       </p:sp>
       <p:sp>
         <p:nvSpPr>
           <p:cNvPr id="15" name="Google Shape;15;p3"/>
-          <p:cNvSpPr txBox="1"/>
+          <p:cNvSpPr txBox="1">
+            <a:spLocks noGrp="1"/>
+          </p:cNvSpPr>
           <p:nvPr>
-            <p:ph idx="12" type="sldNum"/>
+            <p:ph type="sldNum" idx="12"/>
           </p:nvPr>
         </p:nvSpPr>
         <p:spPr>
           <a:xfrm>
-            <a:off x="8472458" y="6217622"/>
-            <a:ext cx="548700" cy="524700"/>
+            <a:off x="11296611" y="6217622"/>
+            <a:ext cx="731600" cy="524700"/>
           </a:xfrm>
           <a:prstGeom prst="rect">
             <a:avLst/>
           </a:prstGeom>
         </p:spPr>
         <p:txBody>
-          <a:bodyPr anchorCtr="0" anchor="ctr" bIns="91425" lIns="91425" spcFirstLastPara="1" rIns="91425" wrap="square" tIns="91425">
+          <a:bodyPr spcFirstLastPara="1" wrap="square" lIns="91425" tIns="91425" rIns="91425" bIns="91425" anchor="ctr" anchorCtr="0">
             <a:normAutofit/>
           </a:bodyPr>
           <a:lstStyle>
@@ -2424,23 +3062,45 @@
             </a:lvl9pPr>
           </a:lstStyle>
           <a:p>
-            <a:pPr indent="0" lvl="0" marL="0" rtl="0" algn="r">
-              <a:spcBef>
-                <a:spcPts val="0"/>
-              </a:spcBef>
-              <a:spcAft>
-                <a:spcPts val="0"/>
-              </a:spcAft>
-              <a:buNone/>
-            </a:pPr>
             <a:fld id="{00000000-1234-1234-1234-123412341234}" type="slidenum">
-              <a:rPr lang="en"/>
+              <a:rPr lang="en" smtClean="0"/>
+              <a:pPr/>
               <a:t>‹#›</a:t>
             </a:fld>
-            <a:endParaRPr/>
+            <a:endParaRPr lang="en"/>
           </a:p>
         </p:txBody>
       </p:sp>
+      <p:pic>
+        <p:nvPicPr>
+          <p:cNvPr id="2" name="그림 1">
+            <a:extLst>
+              <a:ext uri="{FF2B5EF4-FFF2-40B4-BE49-F238E27FC236}">
+                <a16:creationId xmlns:a16="http://schemas.microsoft.com/office/drawing/2014/main" id="{2481FC1C-29D2-21D0-D645-AFA29740A76F}"/>
+              </a:ext>
+            </a:extLst>
+          </p:cNvPr>
+          <p:cNvPicPr>
+            <a:picLocks noChangeAspect="1"/>
+          </p:cNvPicPr>
+          <p:nvPr userDrawn="1"/>
+        </p:nvPicPr>
+        <p:blipFill>
+          <a:blip r:embed="rId2"/>
+          <a:stretch>
+            <a:fillRect/>
+          </a:stretch>
+        </p:blipFill>
+        <p:spPr>
+          <a:xfrm>
+            <a:off x="4772910" y="4688868"/>
+            <a:ext cx="2646180" cy="1046769"/>
+          </a:xfrm>
+          <a:prstGeom prst="rect">
+            <a:avLst/>
+          </a:prstGeom>
+        </p:spPr>
+      </p:pic>
     </p:spTree>
   </p:cSld>
   <p:clrMapOvr>
@@ -2449,12 +3109,12 @@
 </p:sldLayout>
 </file>
 
-<file path=ppt/slideLayouts/slideLayout3.xml><?xml version="1.0" encoding="utf-8"?>
-<p:sldLayout xmlns:a="http://schemas.openxmlformats.org/drawingml/2006/main" xmlns:r="http://schemas.openxmlformats.org/officeDocument/2006/relationships" xmlns:mc="http://schemas.openxmlformats.org/markup-compatibility/2006" xmlns:mv="urn:schemas-microsoft-com:mac:vml" xmlns:p="http://schemas.openxmlformats.org/presentationml/2006/main" xmlns:c="http://schemas.openxmlformats.org/drawingml/2006/chart" xmlns:dgm="http://schemas.openxmlformats.org/drawingml/2006/diagram" xmlns:o="urn:schemas-microsoft-com:office:office" xmlns:v="urn:schemas-microsoft-com:vml" xmlns:pvml="urn:schemas-microsoft-com:office:powerpoint" xmlns:com="http://schemas.openxmlformats.org/drawingml/2006/compatibility" xmlns:p14="http://schemas.microsoft.com/office/powerpoint/2010/main" xmlns:p15="http://schemas.microsoft.com/office/powerpoint/2012/main" xmlns:ahyp="http://schemas.microsoft.com/office/drawing/2018/hyperlinkcolor" matchingName="Title and body" type="tx">
+<file path=ppt/slideLayouts/slideLayout4.xml><?xml version="1.0" encoding="utf-8"?>
+<p:sldLayout xmlns:a="http://schemas.openxmlformats.org/drawingml/2006/main" xmlns:r="http://schemas.openxmlformats.org/officeDocument/2006/relationships" xmlns:p="http://schemas.openxmlformats.org/presentationml/2006/main" matchingName="Title and body" type="tx">
   <p:cSld name="TITLE_AND_BODY">
     <p:spTree>
       <p:nvGrpSpPr>
-        <p:cNvPr id="16" name="Shape 16"/>
+        <p:cNvPr id="1" name="Shape 16"/>
         <p:cNvGrpSpPr/>
         <p:nvPr/>
       </p:nvGrpSpPr>
@@ -2469,22 +3129,24 @@
       <p:sp>
         <p:nvSpPr>
           <p:cNvPr id="17" name="Google Shape;17;p4"/>
-          <p:cNvSpPr txBox="1"/>
+          <p:cNvSpPr txBox="1">
+            <a:spLocks noGrp="1"/>
+          </p:cNvSpPr>
           <p:nvPr>
             <p:ph type="title"/>
           </p:nvPr>
         </p:nvSpPr>
         <p:spPr>
           <a:xfrm>
-            <a:off x="311700" y="593367"/>
-            <a:ext cx="8520600" cy="763500"/>
+            <a:off x="415600" y="593367"/>
+            <a:ext cx="11360800" cy="763500"/>
           </a:xfrm>
           <a:prstGeom prst="rect">
             <a:avLst/>
           </a:prstGeom>
         </p:spPr>
         <p:txBody>
-          <a:bodyPr anchorCtr="0" anchor="t" bIns="91425" lIns="91425" spcFirstLastPara="1" rIns="91425" wrap="square" tIns="91425">
+          <a:bodyPr spcFirstLastPara="1" wrap="square" lIns="91425" tIns="91425" rIns="91425" bIns="91425" anchor="t" anchorCtr="0">
             <a:normAutofit/>
           </a:bodyPr>
           <a:lstStyle>
@@ -2588,32 +3250,36 @@
               <a:defRPr/>
             </a:lvl9pPr>
           </a:lstStyle>
-          <a:p/>
+          <a:p>
+            <a:endParaRPr/>
+          </a:p>
         </p:txBody>
       </p:sp>
       <p:sp>
         <p:nvSpPr>
           <p:cNvPr id="18" name="Google Shape;18;p4"/>
-          <p:cNvSpPr txBox="1"/>
+          <p:cNvSpPr txBox="1">
+            <a:spLocks noGrp="1"/>
+          </p:cNvSpPr>
           <p:nvPr>
-            <p:ph idx="1" type="body"/>
+            <p:ph type="body" idx="1"/>
           </p:nvPr>
         </p:nvSpPr>
         <p:spPr>
           <a:xfrm>
-            <a:off x="311700" y="1536633"/>
-            <a:ext cx="8520600" cy="4555200"/>
+            <a:off x="415600" y="1536633"/>
+            <a:ext cx="11360800" cy="4555200"/>
           </a:xfrm>
           <a:prstGeom prst="rect">
             <a:avLst/>
           </a:prstGeom>
         </p:spPr>
         <p:txBody>
-          <a:bodyPr anchorCtr="0" anchor="t" bIns="91425" lIns="91425" spcFirstLastPara="1" rIns="91425" wrap="square" tIns="91425">
+          <a:bodyPr spcFirstLastPara="1" wrap="square" lIns="91425" tIns="91425" rIns="91425" bIns="91425" anchor="t" anchorCtr="0">
             <a:normAutofit/>
           </a:bodyPr>
           <a:lstStyle>
-            <a:lvl1pPr indent="-342900" lvl="0" marL="457200">
+            <a:lvl1pPr marL="457200" lvl="0" indent="-342900">
               <a:spcBef>
                 <a:spcPts val="0"/>
               </a:spcBef>
@@ -2624,7 +3290,7 @@
               <a:buChar char="●"/>
               <a:defRPr/>
             </a:lvl1pPr>
-            <a:lvl2pPr indent="-317500" lvl="1" marL="914400">
+            <a:lvl2pPr marL="914400" lvl="1" indent="-317500">
               <a:spcBef>
                 <a:spcPts val="0"/>
               </a:spcBef>
@@ -2635,7 +3301,7 @@
               <a:buChar char="○"/>
               <a:defRPr/>
             </a:lvl2pPr>
-            <a:lvl3pPr indent="-317500" lvl="2" marL="1371600">
+            <a:lvl3pPr marL="1371600" lvl="2" indent="-317500">
               <a:spcBef>
                 <a:spcPts val="0"/>
               </a:spcBef>
@@ -2646,7 +3312,7 @@
               <a:buChar char="■"/>
               <a:defRPr/>
             </a:lvl3pPr>
-            <a:lvl4pPr indent="-317500" lvl="3" marL="1828800">
+            <a:lvl4pPr marL="1828800" lvl="3" indent="-317500">
               <a:spcBef>
                 <a:spcPts val="0"/>
               </a:spcBef>
@@ -2657,7 +3323,7 @@
               <a:buChar char="●"/>
               <a:defRPr/>
             </a:lvl4pPr>
-            <a:lvl5pPr indent="-317500" lvl="4" marL="2286000">
+            <a:lvl5pPr marL="2286000" lvl="4" indent="-317500">
               <a:spcBef>
                 <a:spcPts val="0"/>
               </a:spcBef>
@@ -2668,7 +3334,7 @@
               <a:buChar char="○"/>
               <a:defRPr/>
             </a:lvl5pPr>
-            <a:lvl6pPr indent="-317500" lvl="5" marL="2743200">
+            <a:lvl6pPr marL="2743200" lvl="5" indent="-317500">
               <a:spcBef>
                 <a:spcPts val="0"/>
               </a:spcBef>
@@ -2679,7 +3345,7 @@
               <a:buChar char="■"/>
               <a:defRPr/>
             </a:lvl6pPr>
-            <a:lvl7pPr indent="-317500" lvl="6" marL="3200400">
+            <a:lvl7pPr marL="3200400" lvl="6" indent="-317500">
               <a:spcBef>
                 <a:spcPts val="0"/>
               </a:spcBef>
@@ -2690,7 +3356,7 @@
               <a:buChar char="●"/>
               <a:defRPr/>
             </a:lvl7pPr>
-            <a:lvl8pPr indent="-317500" lvl="7" marL="3657600">
+            <a:lvl8pPr marL="3657600" lvl="7" indent="-317500">
               <a:spcBef>
                 <a:spcPts val="0"/>
               </a:spcBef>
@@ -2701,7 +3367,7 @@
               <a:buChar char="○"/>
               <a:defRPr/>
             </a:lvl8pPr>
-            <a:lvl9pPr indent="-317500" lvl="8" marL="4114800">
+            <a:lvl9pPr marL="4114800" lvl="8" indent="-317500">
               <a:spcBef>
                 <a:spcPts val="0"/>
               </a:spcBef>
@@ -2713,28 +3379,32 @@
               <a:defRPr/>
             </a:lvl9pPr>
           </a:lstStyle>
-          <a:p/>
+          <a:p>
+            <a:endParaRPr/>
+          </a:p>
         </p:txBody>
       </p:sp>
       <p:sp>
         <p:nvSpPr>
           <p:cNvPr id="19" name="Google Shape;19;p4"/>
-          <p:cNvSpPr txBox="1"/>
+          <p:cNvSpPr txBox="1">
+            <a:spLocks noGrp="1"/>
+          </p:cNvSpPr>
           <p:nvPr>
-            <p:ph idx="12" type="sldNum"/>
+            <p:ph type="sldNum" idx="12"/>
           </p:nvPr>
         </p:nvSpPr>
         <p:spPr>
           <a:xfrm>
-            <a:off x="8472458" y="6217622"/>
-            <a:ext cx="548700" cy="524700"/>
+            <a:off x="11296611" y="6217622"/>
+            <a:ext cx="731600" cy="524700"/>
           </a:xfrm>
           <a:prstGeom prst="rect">
             <a:avLst/>
           </a:prstGeom>
         </p:spPr>
         <p:txBody>
-          <a:bodyPr anchorCtr="0" anchor="ctr" bIns="91425" lIns="91425" spcFirstLastPara="1" rIns="91425" wrap="square" tIns="91425">
+          <a:bodyPr spcFirstLastPara="1" wrap="square" lIns="91425" tIns="91425" rIns="91425" bIns="91425" anchor="ctr" anchorCtr="0">
             <a:normAutofit/>
           </a:bodyPr>
           <a:lstStyle>
@@ -2776,20 +3446,12 @@
             </a:lvl9pPr>
           </a:lstStyle>
           <a:p>
-            <a:pPr indent="0" lvl="0" marL="0" rtl="0" algn="r">
-              <a:spcBef>
-                <a:spcPts val="0"/>
-              </a:spcBef>
-              <a:spcAft>
-                <a:spcPts val="0"/>
-              </a:spcAft>
-              <a:buNone/>
-            </a:pPr>
             <a:fld id="{00000000-1234-1234-1234-123412341234}" type="slidenum">
-              <a:rPr lang="en"/>
+              <a:rPr lang="en" smtClean="0"/>
+              <a:pPr/>
               <a:t>‹#›</a:t>
             </a:fld>
-            <a:endParaRPr/>
+            <a:endParaRPr lang="en"/>
           </a:p>
         </p:txBody>
       </p:sp>
@@ -2801,12 +3463,12 @@
 </p:sldLayout>
 </file>
 
-<file path=ppt/slideLayouts/slideLayout4.xml><?xml version="1.0" encoding="utf-8"?>
-<p:sldLayout xmlns:a="http://schemas.openxmlformats.org/drawingml/2006/main" xmlns:r="http://schemas.openxmlformats.org/officeDocument/2006/relationships" xmlns:mc="http://schemas.openxmlformats.org/markup-compatibility/2006" xmlns:mv="urn:schemas-microsoft-com:mac:vml" xmlns:p="http://schemas.openxmlformats.org/presentationml/2006/main" xmlns:c="http://schemas.openxmlformats.org/drawingml/2006/chart" xmlns:dgm="http://schemas.openxmlformats.org/drawingml/2006/diagram" xmlns:o="urn:schemas-microsoft-com:office:office" xmlns:v="urn:schemas-microsoft-com:vml" xmlns:pvml="urn:schemas-microsoft-com:office:powerpoint" xmlns:com="http://schemas.openxmlformats.org/drawingml/2006/compatibility" xmlns:p14="http://schemas.microsoft.com/office/powerpoint/2010/main" xmlns:p15="http://schemas.microsoft.com/office/powerpoint/2012/main" xmlns:ahyp="http://schemas.microsoft.com/office/drawing/2018/hyperlinkcolor" matchingName="Title and two columns" type="twoColTx">
+<file path=ppt/slideLayouts/slideLayout5.xml><?xml version="1.0" encoding="utf-8"?>
+<p:sldLayout xmlns:a="http://schemas.openxmlformats.org/drawingml/2006/main" xmlns:r="http://schemas.openxmlformats.org/officeDocument/2006/relationships" xmlns:p="http://schemas.openxmlformats.org/presentationml/2006/main" matchingName="Title and two columns" type="twoColTx">
   <p:cSld name="TITLE_AND_TWO_COLUMNS">
     <p:spTree>
       <p:nvGrpSpPr>
-        <p:cNvPr id="20" name="Shape 20"/>
+        <p:cNvPr id="1" name="Shape 20"/>
         <p:cNvGrpSpPr/>
         <p:nvPr/>
       </p:nvGrpSpPr>
@@ -2821,22 +3483,24 @@
       <p:sp>
         <p:nvSpPr>
           <p:cNvPr id="21" name="Google Shape;21;p5"/>
-          <p:cNvSpPr txBox="1"/>
+          <p:cNvSpPr txBox="1">
+            <a:spLocks noGrp="1"/>
+          </p:cNvSpPr>
           <p:nvPr>
             <p:ph type="title"/>
           </p:nvPr>
         </p:nvSpPr>
         <p:spPr>
           <a:xfrm>
-            <a:off x="311700" y="593367"/>
-            <a:ext cx="8520600" cy="763500"/>
+            <a:off x="415600" y="593367"/>
+            <a:ext cx="11360800" cy="763500"/>
           </a:xfrm>
           <a:prstGeom prst="rect">
             <a:avLst/>
           </a:prstGeom>
         </p:spPr>
         <p:txBody>
-          <a:bodyPr anchorCtr="0" anchor="t" bIns="91425" lIns="91425" spcFirstLastPara="1" rIns="91425" wrap="square" tIns="91425">
+          <a:bodyPr spcFirstLastPara="1" wrap="square" lIns="91425" tIns="91425" rIns="91425" bIns="91425" anchor="t" anchorCtr="0">
             <a:normAutofit/>
           </a:bodyPr>
           <a:lstStyle>
@@ -2940,32 +3604,36 @@
               <a:defRPr/>
             </a:lvl9pPr>
           </a:lstStyle>
-          <a:p/>
+          <a:p>
+            <a:endParaRPr/>
+          </a:p>
         </p:txBody>
       </p:sp>
       <p:sp>
         <p:nvSpPr>
           <p:cNvPr id="22" name="Google Shape;22;p5"/>
-          <p:cNvSpPr txBox="1"/>
+          <p:cNvSpPr txBox="1">
+            <a:spLocks noGrp="1"/>
+          </p:cNvSpPr>
           <p:nvPr>
-            <p:ph idx="1" type="body"/>
+            <p:ph type="body" idx="1"/>
           </p:nvPr>
         </p:nvSpPr>
         <p:spPr>
           <a:xfrm>
-            <a:off x="311700" y="1536633"/>
-            <a:ext cx="3999900" cy="4555200"/>
+            <a:off x="415600" y="1536633"/>
+            <a:ext cx="5333200" cy="4555200"/>
           </a:xfrm>
           <a:prstGeom prst="rect">
             <a:avLst/>
           </a:prstGeom>
         </p:spPr>
         <p:txBody>
-          <a:bodyPr anchorCtr="0" anchor="t" bIns="91425" lIns="91425" spcFirstLastPara="1" rIns="91425" wrap="square" tIns="91425">
+          <a:bodyPr spcFirstLastPara="1" wrap="square" lIns="91425" tIns="91425" rIns="91425" bIns="91425" anchor="t" anchorCtr="0">
             <a:normAutofit/>
           </a:bodyPr>
           <a:lstStyle>
-            <a:lvl1pPr indent="-317500" lvl="0" marL="457200">
+            <a:lvl1pPr marL="457200" lvl="0" indent="-317500">
               <a:spcBef>
                 <a:spcPts val="0"/>
               </a:spcBef>
@@ -2976,7 +3644,7 @@
               <a:buChar char="●"/>
               <a:defRPr sz="1400"/>
             </a:lvl1pPr>
-            <a:lvl2pPr indent="-304800" lvl="1" marL="914400">
+            <a:lvl2pPr marL="914400" lvl="1" indent="-304800">
               <a:spcBef>
                 <a:spcPts val="0"/>
               </a:spcBef>
@@ -2987,7 +3655,7 @@
               <a:buChar char="○"/>
               <a:defRPr sz="1200"/>
             </a:lvl2pPr>
-            <a:lvl3pPr indent="-304800" lvl="2" marL="1371600">
+            <a:lvl3pPr marL="1371600" lvl="2" indent="-304800">
               <a:spcBef>
                 <a:spcPts val="0"/>
               </a:spcBef>
@@ -2998,7 +3666,7 @@
               <a:buChar char="■"/>
               <a:defRPr sz="1200"/>
             </a:lvl3pPr>
-            <a:lvl4pPr indent="-304800" lvl="3" marL="1828800">
+            <a:lvl4pPr marL="1828800" lvl="3" indent="-304800">
               <a:spcBef>
                 <a:spcPts val="0"/>
               </a:spcBef>
@@ -3009,7 +3677,7 @@
               <a:buChar char="●"/>
               <a:defRPr sz="1200"/>
             </a:lvl4pPr>
-            <a:lvl5pPr indent="-304800" lvl="4" marL="2286000">
+            <a:lvl5pPr marL="2286000" lvl="4" indent="-304800">
               <a:spcBef>
                 <a:spcPts val="0"/>
               </a:spcBef>
@@ -3020,7 +3688,7 @@
               <a:buChar char="○"/>
               <a:defRPr sz="1200"/>
             </a:lvl5pPr>
-            <a:lvl6pPr indent="-304800" lvl="5" marL="2743200">
+            <a:lvl6pPr marL="2743200" lvl="5" indent="-304800">
               <a:spcBef>
                 <a:spcPts val="0"/>
               </a:spcBef>
@@ -3031,7 +3699,7 @@
               <a:buChar char="■"/>
               <a:defRPr sz="1200"/>
             </a:lvl6pPr>
-            <a:lvl7pPr indent="-304800" lvl="6" marL="3200400">
+            <a:lvl7pPr marL="3200400" lvl="6" indent="-304800">
               <a:spcBef>
                 <a:spcPts val="0"/>
               </a:spcBef>
@@ -3042,7 +3710,7 @@
               <a:buChar char="●"/>
               <a:defRPr sz="1200"/>
             </a:lvl7pPr>
-            <a:lvl8pPr indent="-304800" lvl="7" marL="3657600">
+            <a:lvl8pPr marL="3657600" lvl="7" indent="-304800">
               <a:spcBef>
                 <a:spcPts val="0"/>
               </a:spcBef>
@@ -3053,7 +3721,7 @@
               <a:buChar char="○"/>
               <a:defRPr sz="1200"/>
             </a:lvl8pPr>
-            <a:lvl9pPr indent="-304800" lvl="8" marL="4114800">
+            <a:lvl9pPr marL="4114800" lvl="8" indent="-304800">
               <a:spcBef>
                 <a:spcPts val="0"/>
               </a:spcBef>
@@ -3065,32 +3733,36 @@
               <a:defRPr sz="1200"/>
             </a:lvl9pPr>
           </a:lstStyle>
-          <a:p/>
+          <a:p>
+            <a:endParaRPr/>
+          </a:p>
         </p:txBody>
       </p:sp>
       <p:sp>
         <p:nvSpPr>
           <p:cNvPr id="23" name="Google Shape;23;p5"/>
-          <p:cNvSpPr txBox="1"/>
+          <p:cNvSpPr txBox="1">
+            <a:spLocks noGrp="1"/>
+          </p:cNvSpPr>
           <p:nvPr>
-            <p:ph idx="2" type="body"/>
+            <p:ph type="body" idx="2"/>
           </p:nvPr>
         </p:nvSpPr>
         <p:spPr>
           <a:xfrm>
-            <a:off x="4832400" y="1536633"/>
-            <a:ext cx="3999900" cy="4555200"/>
+            <a:off x="6443200" y="1536633"/>
+            <a:ext cx="5333200" cy="4555200"/>
           </a:xfrm>
           <a:prstGeom prst="rect">
             <a:avLst/>
           </a:prstGeom>
         </p:spPr>
         <p:txBody>
-          <a:bodyPr anchorCtr="0" anchor="t" bIns="91425" lIns="91425" spcFirstLastPara="1" rIns="91425" wrap="square" tIns="91425">
+          <a:bodyPr spcFirstLastPara="1" wrap="square" lIns="91425" tIns="91425" rIns="91425" bIns="91425" anchor="t" anchorCtr="0">
             <a:normAutofit/>
           </a:bodyPr>
           <a:lstStyle>
-            <a:lvl1pPr indent="-317500" lvl="0" marL="457200">
+            <a:lvl1pPr marL="457200" lvl="0" indent="-317500">
               <a:spcBef>
                 <a:spcPts val="0"/>
               </a:spcBef>
@@ -3101,7 +3773,7 @@
               <a:buChar char="●"/>
               <a:defRPr sz="1400"/>
             </a:lvl1pPr>
-            <a:lvl2pPr indent="-304800" lvl="1" marL="914400">
+            <a:lvl2pPr marL="914400" lvl="1" indent="-304800">
               <a:spcBef>
                 <a:spcPts val="0"/>
               </a:spcBef>
@@ -3112,7 +3784,7 @@
               <a:buChar char="○"/>
               <a:defRPr sz="1200"/>
             </a:lvl2pPr>
-            <a:lvl3pPr indent="-304800" lvl="2" marL="1371600">
+            <a:lvl3pPr marL="1371600" lvl="2" indent="-304800">
               <a:spcBef>
                 <a:spcPts val="0"/>
               </a:spcBef>
@@ -3123,7 +3795,7 @@
               <a:buChar char="■"/>
               <a:defRPr sz="1200"/>
             </a:lvl3pPr>
-            <a:lvl4pPr indent="-304800" lvl="3" marL="1828800">
+            <a:lvl4pPr marL="1828800" lvl="3" indent="-304800">
               <a:spcBef>
                 <a:spcPts val="0"/>
               </a:spcBef>
@@ -3134,7 +3806,7 @@
               <a:buChar char="●"/>
               <a:defRPr sz="1200"/>
             </a:lvl4pPr>
-            <a:lvl5pPr indent="-304800" lvl="4" marL="2286000">
+            <a:lvl5pPr marL="2286000" lvl="4" indent="-304800">
               <a:spcBef>
                 <a:spcPts val="0"/>
               </a:spcBef>
@@ -3145,7 +3817,7 @@
               <a:buChar char="○"/>
               <a:defRPr sz="1200"/>
             </a:lvl5pPr>
-            <a:lvl6pPr indent="-304800" lvl="5" marL="2743200">
+            <a:lvl6pPr marL="2743200" lvl="5" indent="-304800">
               <a:spcBef>
                 <a:spcPts val="0"/>
               </a:spcBef>
@@ -3156,7 +3828,7 @@
               <a:buChar char="■"/>
               <a:defRPr sz="1200"/>
             </a:lvl6pPr>
-            <a:lvl7pPr indent="-304800" lvl="6" marL="3200400">
+            <a:lvl7pPr marL="3200400" lvl="6" indent="-304800">
               <a:spcBef>
                 <a:spcPts val="0"/>
               </a:spcBef>
@@ -3167,7 +3839,7 @@
               <a:buChar char="●"/>
               <a:defRPr sz="1200"/>
             </a:lvl7pPr>
-            <a:lvl8pPr indent="-304800" lvl="7" marL="3657600">
+            <a:lvl8pPr marL="3657600" lvl="7" indent="-304800">
               <a:spcBef>
                 <a:spcPts val="0"/>
               </a:spcBef>
@@ -3178,7 +3850,7 @@
               <a:buChar char="○"/>
               <a:defRPr sz="1200"/>
             </a:lvl8pPr>
-            <a:lvl9pPr indent="-304800" lvl="8" marL="4114800">
+            <a:lvl9pPr marL="4114800" lvl="8" indent="-304800">
               <a:spcBef>
                 <a:spcPts val="0"/>
               </a:spcBef>
@@ -3190,28 +3862,32 @@
               <a:defRPr sz="1200"/>
             </a:lvl9pPr>
           </a:lstStyle>
-          <a:p/>
+          <a:p>
+            <a:endParaRPr/>
+          </a:p>
         </p:txBody>
       </p:sp>
       <p:sp>
         <p:nvSpPr>
           <p:cNvPr id="24" name="Google Shape;24;p5"/>
-          <p:cNvSpPr txBox="1"/>
+          <p:cNvSpPr txBox="1">
+            <a:spLocks noGrp="1"/>
+          </p:cNvSpPr>
           <p:nvPr>
-            <p:ph idx="12" type="sldNum"/>
+            <p:ph type="sldNum" idx="12"/>
           </p:nvPr>
         </p:nvSpPr>
         <p:spPr>
           <a:xfrm>
-            <a:off x="8472458" y="6217622"/>
-            <a:ext cx="548700" cy="524700"/>
+            <a:off x="11296611" y="6217622"/>
+            <a:ext cx="731600" cy="524700"/>
           </a:xfrm>
           <a:prstGeom prst="rect">
             <a:avLst/>
           </a:prstGeom>
         </p:spPr>
         <p:txBody>
-          <a:bodyPr anchorCtr="0" anchor="ctr" bIns="91425" lIns="91425" spcFirstLastPara="1" rIns="91425" wrap="square" tIns="91425">
+          <a:bodyPr spcFirstLastPara="1" wrap="square" lIns="91425" tIns="91425" rIns="91425" bIns="91425" anchor="ctr" anchorCtr="0">
             <a:normAutofit/>
           </a:bodyPr>
           <a:lstStyle>
@@ -3253,20 +3929,12 @@
             </a:lvl9pPr>
           </a:lstStyle>
           <a:p>
-            <a:pPr indent="0" lvl="0" marL="0" rtl="0" algn="r">
-              <a:spcBef>
-                <a:spcPts val="0"/>
-              </a:spcBef>
-              <a:spcAft>
-                <a:spcPts val="0"/>
-              </a:spcAft>
-              <a:buNone/>
-            </a:pPr>
             <a:fld id="{00000000-1234-1234-1234-123412341234}" type="slidenum">
-              <a:rPr lang="en"/>
+              <a:rPr lang="en" smtClean="0"/>
+              <a:pPr/>
               <a:t>‹#›</a:t>
             </a:fld>
-            <a:endParaRPr/>
+            <a:endParaRPr lang="en"/>
           </a:p>
         </p:txBody>
       </p:sp>
@@ -3278,12 +3946,12 @@
 </p:sldLayout>
 </file>
 
-<file path=ppt/slideLayouts/slideLayout5.xml><?xml version="1.0" encoding="utf-8"?>
-<p:sldLayout xmlns:a="http://schemas.openxmlformats.org/drawingml/2006/main" xmlns:r="http://schemas.openxmlformats.org/officeDocument/2006/relationships" xmlns:mc="http://schemas.openxmlformats.org/markup-compatibility/2006" xmlns:mv="urn:schemas-microsoft-com:mac:vml" xmlns:p="http://schemas.openxmlformats.org/presentationml/2006/main" xmlns:c="http://schemas.openxmlformats.org/drawingml/2006/chart" xmlns:dgm="http://schemas.openxmlformats.org/drawingml/2006/diagram" xmlns:o="urn:schemas-microsoft-com:office:office" xmlns:v="urn:schemas-microsoft-com:vml" xmlns:pvml="urn:schemas-microsoft-com:office:powerpoint" xmlns:com="http://schemas.openxmlformats.org/drawingml/2006/compatibility" xmlns:p14="http://schemas.microsoft.com/office/powerpoint/2010/main" xmlns:p15="http://schemas.microsoft.com/office/powerpoint/2012/main" xmlns:ahyp="http://schemas.microsoft.com/office/drawing/2018/hyperlinkcolor" matchingName="Title only" type="titleOnly">
+<file path=ppt/slideLayouts/slideLayout6.xml><?xml version="1.0" encoding="utf-8"?>
+<p:sldLayout xmlns:a="http://schemas.openxmlformats.org/drawingml/2006/main" xmlns:r="http://schemas.openxmlformats.org/officeDocument/2006/relationships" xmlns:p="http://schemas.openxmlformats.org/presentationml/2006/main" matchingName="Title only" type="titleOnly">
   <p:cSld name="TITLE_ONLY">
     <p:spTree>
       <p:nvGrpSpPr>
-        <p:cNvPr id="25" name="Shape 25"/>
+        <p:cNvPr id="1" name="Shape 25"/>
         <p:cNvGrpSpPr/>
         <p:nvPr/>
       </p:nvGrpSpPr>
@@ -3298,22 +3966,24 @@
       <p:sp>
         <p:nvSpPr>
           <p:cNvPr id="26" name="Google Shape;26;p6"/>
-          <p:cNvSpPr txBox="1"/>
+          <p:cNvSpPr txBox="1">
+            <a:spLocks noGrp="1"/>
+          </p:cNvSpPr>
           <p:nvPr>
             <p:ph type="title"/>
           </p:nvPr>
         </p:nvSpPr>
         <p:spPr>
           <a:xfrm>
-            <a:off x="311700" y="593367"/>
-            <a:ext cx="8520600" cy="763500"/>
+            <a:off x="415600" y="593367"/>
+            <a:ext cx="11360800" cy="763500"/>
           </a:xfrm>
           <a:prstGeom prst="rect">
             <a:avLst/>
           </a:prstGeom>
         </p:spPr>
         <p:txBody>
-          <a:bodyPr anchorCtr="0" anchor="t" bIns="91425" lIns="91425" spcFirstLastPara="1" rIns="91425" wrap="square" tIns="91425">
+          <a:bodyPr spcFirstLastPara="1" wrap="square" lIns="91425" tIns="91425" rIns="91425" bIns="91425" anchor="t" anchorCtr="0">
             <a:normAutofit/>
           </a:bodyPr>
           <a:lstStyle>
@@ -3417,28 +4087,32 @@
               <a:defRPr/>
             </a:lvl9pPr>
           </a:lstStyle>
-          <a:p/>
+          <a:p>
+            <a:endParaRPr/>
+          </a:p>
         </p:txBody>
       </p:sp>
       <p:sp>
         <p:nvSpPr>
           <p:cNvPr id="27" name="Google Shape;27;p6"/>
-          <p:cNvSpPr txBox="1"/>
+          <p:cNvSpPr txBox="1">
+            <a:spLocks noGrp="1"/>
+          </p:cNvSpPr>
           <p:nvPr>
-            <p:ph idx="12" type="sldNum"/>
+            <p:ph type="sldNum" idx="12"/>
           </p:nvPr>
         </p:nvSpPr>
         <p:spPr>
           <a:xfrm>
-            <a:off x="8472458" y="6217622"/>
-            <a:ext cx="548700" cy="524700"/>
+            <a:off x="11296611" y="6217622"/>
+            <a:ext cx="731600" cy="524700"/>
           </a:xfrm>
           <a:prstGeom prst="rect">
             <a:avLst/>
           </a:prstGeom>
         </p:spPr>
         <p:txBody>
-          <a:bodyPr anchorCtr="0" anchor="ctr" bIns="91425" lIns="91425" spcFirstLastPara="1" rIns="91425" wrap="square" tIns="91425">
+          <a:bodyPr spcFirstLastPara="1" wrap="square" lIns="91425" tIns="91425" rIns="91425" bIns="91425" anchor="ctr" anchorCtr="0">
             <a:normAutofit/>
           </a:bodyPr>
           <a:lstStyle>
@@ -3480,20 +4154,12 @@
             </a:lvl9pPr>
           </a:lstStyle>
           <a:p>
-            <a:pPr indent="0" lvl="0" marL="0" rtl="0" algn="r">
-              <a:spcBef>
-                <a:spcPts val="0"/>
-              </a:spcBef>
-              <a:spcAft>
-                <a:spcPts val="0"/>
-              </a:spcAft>
-              <a:buNone/>
-            </a:pPr>
             <a:fld id="{00000000-1234-1234-1234-123412341234}" type="slidenum">
-              <a:rPr lang="en"/>
+              <a:rPr lang="en" smtClean="0"/>
+              <a:pPr/>
               <a:t>‹#›</a:t>
             </a:fld>
-            <a:endParaRPr/>
+            <a:endParaRPr lang="en"/>
           </a:p>
         </p:txBody>
       </p:sp>
@@ -3505,12 +4171,12 @@
 </p:sldLayout>
 </file>
 
-<file path=ppt/slideLayouts/slideLayout6.xml><?xml version="1.0" encoding="utf-8"?>
-<p:sldLayout xmlns:a="http://schemas.openxmlformats.org/drawingml/2006/main" xmlns:r="http://schemas.openxmlformats.org/officeDocument/2006/relationships" xmlns:mc="http://schemas.openxmlformats.org/markup-compatibility/2006" xmlns:mv="urn:schemas-microsoft-com:mac:vml" xmlns:p="http://schemas.openxmlformats.org/presentationml/2006/main" xmlns:c="http://schemas.openxmlformats.org/drawingml/2006/chart" xmlns:dgm="http://schemas.openxmlformats.org/drawingml/2006/diagram" xmlns:o="urn:schemas-microsoft-com:office:office" xmlns:v="urn:schemas-microsoft-com:vml" xmlns:pvml="urn:schemas-microsoft-com:office:powerpoint" xmlns:com="http://schemas.openxmlformats.org/drawingml/2006/compatibility" xmlns:p14="http://schemas.microsoft.com/office/powerpoint/2010/main" xmlns:p15="http://schemas.microsoft.com/office/powerpoint/2012/main" xmlns:ahyp="http://schemas.microsoft.com/office/drawing/2018/hyperlinkcolor" matchingName="One column text">
+<file path=ppt/slideLayouts/slideLayout7.xml><?xml version="1.0" encoding="utf-8"?>
+<p:sldLayout xmlns:a="http://schemas.openxmlformats.org/drawingml/2006/main" xmlns:r="http://schemas.openxmlformats.org/officeDocument/2006/relationships" xmlns:p="http://schemas.openxmlformats.org/presentationml/2006/main" matchingName="One column text">
   <p:cSld name="ONE_COLUMN_TEXT">
     <p:spTree>
       <p:nvGrpSpPr>
-        <p:cNvPr id="28" name="Shape 28"/>
+        <p:cNvPr id="1" name="Shape 28"/>
         <p:cNvGrpSpPr/>
         <p:nvPr/>
       </p:nvGrpSpPr>
@@ -3525,22 +4191,24 @@
       <p:sp>
         <p:nvSpPr>
           <p:cNvPr id="29" name="Google Shape;29;p7"/>
-          <p:cNvSpPr txBox="1"/>
+          <p:cNvSpPr txBox="1">
+            <a:spLocks noGrp="1"/>
+          </p:cNvSpPr>
           <p:nvPr>
             <p:ph type="title"/>
           </p:nvPr>
         </p:nvSpPr>
         <p:spPr>
           <a:xfrm>
-            <a:off x="311700" y="740800"/>
-            <a:ext cx="2808000" cy="1007700"/>
+            <a:off x="415600" y="740800"/>
+            <a:ext cx="3744000" cy="1007700"/>
           </a:xfrm>
           <a:prstGeom prst="rect">
             <a:avLst/>
           </a:prstGeom>
         </p:spPr>
         <p:txBody>
-          <a:bodyPr anchorCtr="0" anchor="b" bIns="91425" lIns="91425" spcFirstLastPara="1" rIns="91425" wrap="square" tIns="91425">
+          <a:bodyPr spcFirstLastPara="1" wrap="square" lIns="91425" tIns="91425" rIns="91425" bIns="91425" anchor="b" anchorCtr="0">
             <a:normAutofit/>
           </a:bodyPr>
           <a:lstStyle>
@@ -3644,32 +4312,36 @@
               <a:defRPr sz="2400"/>
             </a:lvl9pPr>
           </a:lstStyle>
-          <a:p/>
+          <a:p>
+            <a:endParaRPr/>
+          </a:p>
         </p:txBody>
       </p:sp>
       <p:sp>
         <p:nvSpPr>
           <p:cNvPr id="30" name="Google Shape;30;p7"/>
-          <p:cNvSpPr txBox="1"/>
+          <p:cNvSpPr txBox="1">
+            <a:spLocks noGrp="1"/>
+          </p:cNvSpPr>
           <p:nvPr>
-            <p:ph idx="1" type="body"/>
+            <p:ph type="body" idx="1"/>
           </p:nvPr>
         </p:nvSpPr>
         <p:spPr>
           <a:xfrm>
-            <a:off x="311700" y="1852800"/>
-            <a:ext cx="2808000" cy="4239300"/>
+            <a:off x="415600" y="1852800"/>
+            <a:ext cx="3744000" cy="4239300"/>
           </a:xfrm>
           <a:prstGeom prst="rect">
             <a:avLst/>
           </a:prstGeom>
         </p:spPr>
         <p:txBody>
-          <a:bodyPr anchorCtr="0" anchor="t" bIns="91425" lIns="91425" spcFirstLastPara="1" rIns="91425" wrap="square" tIns="91425">
+          <a:bodyPr spcFirstLastPara="1" wrap="square" lIns="91425" tIns="91425" rIns="91425" bIns="91425" anchor="t" anchorCtr="0">
             <a:normAutofit/>
           </a:bodyPr>
           <a:lstStyle>
-            <a:lvl1pPr indent="-304800" lvl="0" marL="457200">
+            <a:lvl1pPr marL="457200" lvl="0" indent="-304800">
               <a:spcBef>
                 <a:spcPts val="0"/>
               </a:spcBef>
@@ -3680,7 +4352,7 @@
               <a:buChar char="●"/>
               <a:defRPr sz="1200"/>
             </a:lvl1pPr>
-            <a:lvl2pPr indent="-304800" lvl="1" marL="914400">
+            <a:lvl2pPr marL="914400" lvl="1" indent="-304800">
               <a:spcBef>
                 <a:spcPts val="0"/>
               </a:spcBef>
@@ -3691,7 +4363,7 @@
               <a:buChar char="○"/>
               <a:defRPr sz="1200"/>
             </a:lvl2pPr>
-            <a:lvl3pPr indent="-304800" lvl="2" marL="1371600">
+            <a:lvl3pPr marL="1371600" lvl="2" indent="-304800">
               <a:spcBef>
                 <a:spcPts val="0"/>
               </a:spcBef>
@@ -3702,7 +4374,7 @@
               <a:buChar char="■"/>
               <a:defRPr sz="1200"/>
             </a:lvl3pPr>
-            <a:lvl4pPr indent="-304800" lvl="3" marL="1828800">
+            <a:lvl4pPr marL="1828800" lvl="3" indent="-304800">
               <a:spcBef>
                 <a:spcPts val="0"/>
               </a:spcBef>
@@ -3713,7 +4385,7 @@
               <a:buChar char="●"/>
               <a:defRPr sz="1200"/>
             </a:lvl4pPr>
-            <a:lvl5pPr indent="-304800" lvl="4" marL="2286000">
+            <a:lvl5pPr marL="2286000" lvl="4" indent="-304800">
               <a:spcBef>
                 <a:spcPts val="0"/>
               </a:spcBef>
@@ -3724,7 +4396,7 @@
               <a:buChar char="○"/>
               <a:defRPr sz="1200"/>
             </a:lvl5pPr>
-            <a:lvl6pPr indent="-304800" lvl="5" marL="2743200">
+            <a:lvl6pPr marL="2743200" lvl="5" indent="-304800">
               <a:spcBef>
                 <a:spcPts val="0"/>
               </a:spcBef>
@@ -3735,7 +4407,7 @@
               <a:buChar char="■"/>
               <a:defRPr sz="1200"/>
             </a:lvl6pPr>
-            <a:lvl7pPr indent="-304800" lvl="6" marL="3200400">
+            <a:lvl7pPr marL="3200400" lvl="6" indent="-304800">
               <a:spcBef>
                 <a:spcPts val="0"/>
               </a:spcBef>
@@ -3746,7 +4418,7 @@
               <a:buChar char="●"/>
               <a:defRPr sz="1200"/>
             </a:lvl7pPr>
-            <a:lvl8pPr indent="-304800" lvl="7" marL="3657600">
+            <a:lvl8pPr marL="3657600" lvl="7" indent="-304800">
               <a:spcBef>
                 <a:spcPts val="0"/>
               </a:spcBef>
@@ -3757,7 +4429,7 @@
               <a:buChar char="○"/>
               <a:defRPr sz="1200"/>
             </a:lvl8pPr>
-            <a:lvl9pPr indent="-304800" lvl="8" marL="4114800">
+            <a:lvl9pPr marL="4114800" lvl="8" indent="-304800">
               <a:spcBef>
                 <a:spcPts val="0"/>
               </a:spcBef>
@@ -3769,28 +4441,32 @@
               <a:defRPr sz="1200"/>
             </a:lvl9pPr>
           </a:lstStyle>
-          <a:p/>
+          <a:p>
+            <a:endParaRPr/>
+          </a:p>
         </p:txBody>
       </p:sp>
       <p:sp>
         <p:nvSpPr>
           <p:cNvPr id="31" name="Google Shape;31;p7"/>
-          <p:cNvSpPr txBox="1"/>
+          <p:cNvSpPr txBox="1">
+            <a:spLocks noGrp="1"/>
+          </p:cNvSpPr>
           <p:nvPr>
-            <p:ph idx="12" type="sldNum"/>
+            <p:ph type="sldNum" idx="12"/>
           </p:nvPr>
         </p:nvSpPr>
         <p:spPr>
           <a:xfrm>
-            <a:off x="8472458" y="6217622"/>
-            <a:ext cx="548700" cy="524700"/>
+            <a:off x="11296611" y="6217622"/>
+            <a:ext cx="731600" cy="524700"/>
           </a:xfrm>
           <a:prstGeom prst="rect">
             <a:avLst/>
           </a:prstGeom>
         </p:spPr>
         <p:txBody>
-          <a:bodyPr anchorCtr="0" anchor="ctr" bIns="91425" lIns="91425" spcFirstLastPara="1" rIns="91425" wrap="square" tIns="91425">
+          <a:bodyPr spcFirstLastPara="1" wrap="square" lIns="91425" tIns="91425" rIns="91425" bIns="91425" anchor="ctr" anchorCtr="0">
             <a:normAutofit/>
           </a:bodyPr>
           <a:lstStyle>
@@ -3832,20 +4508,12 @@
             </a:lvl9pPr>
           </a:lstStyle>
           <a:p>
-            <a:pPr indent="0" lvl="0" marL="0" rtl="0" algn="r">
-              <a:spcBef>
-                <a:spcPts val="0"/>
-              </a:spcBef>
-              <a:spcAft>
-                <a:spcPts val="0"/>
-              </a:spcAft>
-              <a:buNone/>
-            </a:pPr>
             <a:fld id="{00000000-1234-1234-1234-123412341234}" type="slidenum">
-              <a:rPr lang="en"/>
+              <a:rPr lang="en" smtClean="0"/>
+              <a:pPr/>
               <a:t>‹#›</a:t>
             </a:fld>
-            <a:endParaRPr/>
+            <a:endParaRPr lang="en"/>
           </a:p>
         </p:txBody>
       </p:sp>
@@ -3857,12 +4525,12 @@
 </p:sldLayout>
 </file>
 
-<file path=ppt/slideLayouts/slideLayout7.xml><?xml version="1.0" encoding="utf-8"?>
-<p:sldLayout xmlns:a="http://schemas.openxmlformats.org/drawingml/2006/main" xmlns:r="http://schemas.openxmlformats.org/officeDocument/2006/relationships" xmlns:mc="http://schemas.openxmlformats.org/markup-compatibility/2006" xmlns:mv="urn:schemas-microsoft-com:mac:vml" xmlns:p="http://schemas.openxmlformats.org/presentationml/2006/main" xmlns:c="http://schemas.openxmlformats.org/drawingml/2006/chart" xmlns:dgm="http://schemas.openxmlformats.org/drawingml/2006/diagram" xmlns:o="urn:schemas-microsoft-com:office:office" xmlns:v="urn:schemas-microsoft-com:vml" xmlns:pvml="urn:schemas-microsoft-com:office:powerpoint" xmlns:com="http://schemas.openxmlformats.org/drawingml/2006/compatibility" xmlns:p14="http://schemas.microsoft.com/office/powerpoint/2010/main" xmlns:p15="http://schemas.microsoft.com/office/powerpoint/2012/main" xmlns:ahyp="http://schemas.microsoft.com/office/drawing/2018/hyperlinkcolor" matchingName="Main point">
+<file path=ppt/slideLayouts/slideLayout8.xml><?xml version="1.0" encoding="utf-8"?>
+<p:sldLayout xmlns:a="http://schemas.openxmlformats.org/drawingml/2006/main" xmlns:r="http://schemas.openxmlformats.org/officeDocument/2006/relationships" xmlns:p="http://schemas.openxmlformats.org/presentationml/2006/main" matchingName="Main point">
   <p:cSld name="MAIN_POINT">
     <p:spTree>
       <p:nvGrpSpPr>
-        <p:cNvPr id="32" name="Shape 32"/>
+        <p:cNvPr id="1" name="Shape 32"/>
         <p:cNvGrpSpPr/>
         <p:nvPr/>
       </p:nvGrpSpPr>
@@ -3877,22 +4545,24 @@
       <p:sp>
         <p:nvSpPr>
           <p:cNvPr id="33" name="Google Shape;33;p8"/>
-          <p:cNvSpPr txBox="1"/>
+          <p:cNvSpPr txBox="1">
+            <a:spLocks noGrp="1"/>
+          </p:cNvSpPr>
           <p:nvPr>
             <p:ph type="title"/>
           </p:nvPr>
         </p:nvSpPr>
         <p:spPr>
           <a:xfrm>
-            <a:off x="490250" y="600200"/>
-            <a:ext cx="6367800" cy="5454300"/>
+            <a:off x="653667" y="600200"/>
+            <a:ext cx="8490400" cy="5454300"/>
           </a:xfrm>
           <a:prstGeom prst="rect">
             <a:avLst/>
           </a:prstGeom>
         </p:spPr>
         <p:txBody>
-          <a:bodyPr anchorCtr="0" anchor="ctr" bIns="91425" lIns="91425" spcFirstLastPara="1" rIns="91425" wrap="square" tIns="91425">
+          <a:bodyPr spcFirstLastPara="1" wrap="square" lIns="91425" tIns="91425" rIns="91425" bIns="91425" anchor="ctr" anchorCtr="0">
             <a:normAutofit/>
           </a:bodyPr>
           <a:lstStyle>
@@ -3996,28 +4666,32 @@
               <a:defRPr sz="4800"/>
             </a:lvl9pPr>
           </a:lstStyle>
-          <a:p/>
+          <a:p>
+            <a:endParaRPr/>
+          </a:p>
         </p:txBody>
       </p:sp>
       <p:sp>
         <p:nvSpPr>
           <p:cNvPr id="34" name="Google Shape;34;p8"/>
-          <p:cNvSpPr txBox="1"/>
+          <p:cNvSpPr txBox="1">
+            <a:spLocks noGrp="1"/>
+          </p:cNvSpPr>
           <p:nvPr>
-            <p:ph idx="12" type="sldNum"/>
+            <p:ph type="sldNum" idx="12"/>
           </p:nvPr>
         </p:nvSpPr>
         <p:spPr>
           <a:xfrm>
-            <a:off x="8472458" y="6217622"/>
-            <a:ext cx="548700" cy="524700"/>
+            <a:off x="11296611" y="6217622"/>
+            <a:ext cx="731600" cy="524700"/>
           </a:xfrm>
           <a:prstGeom prst="rect">
             <a:avLst/>
           </a:prstGeom>
         </p:spPr>
         <p:txBody>
-          <a:bodyPr anchorCtr="0" anchor="ctr" bIns="91425" lIns="91425" spcFirstLastPara="1" rIns="91425" wrap="square" tIns="91425">
+          <a:bodyPr spcFirstLastPara="1" wrap="square" lIns="91425" tIns="91425" rIns="91425" bIns="91425" anchor="ctr" anchorCtr="0">
             <a:normAutofit/>
           </a:bodyPr>
           <a:lstStyle>
@@ -4059,20 +4733,12 @@
             </a:lvl9pPr>
           </a:lstStyle>
           <a:p>
-            <a:pPr indent="0" lvl="0" marL="0" rtl="0" algn="r">
-              <a:spcBef>
-                <a:spcPts val="0"/>
-              </a:spcBef>
-              <a:spcAft>
-                <a:spcPts val="0"/>
-              </a:spcAft>
-              <a:buNone/>
-            </a:pPr>
             <a:fld id="{00000000-1234-1234-1234-123412341234}" type="slidenum">
-              <a:rPr lang="en"/>
+              <a:rPr lang="en" smtClean="0"/>
+              <a:pPr/>
               <a:t>‹#›</a:t>
             </a:fld>
-            <a:endParaRPr/>
+            <a:endParaRPr lang="en"/>
           </a:p>
         </p:txBody>
       </p:sp>
@@ -4084,12 +4750,12 @@
 </p:sldLayout>
 </file>
 
-<file path=ppt/slideLayouts/slideLayout8.xml><?xml version="1.0" encoding="utf-8"?>
-<p:sldLayout xmlns:a="http://schemas.openxmlformats.org/drawingml/2006/main" xmlns:r="http://schemas.openxmlformats.org/officeDocument/2006/relationships" xmlns:mc="http://schemas.openxmlformats.org/markup-compatibility/2006" xmlns:mv="urn:schemas-microsoft-com:mac:vml" xmlns:p="http://schemas.openxmlformats.org/presentationml/2006/main" xmlns:c="http://schemas.openxmlformats.org/drawingml/2006/chart" xmlns:dgm="http://schemas.openxmlformats.org/drawingml/2006/diagram" xmlns:o="urn:schemas-microsoft-com:office:office" xmlns:v="urn:schemas-microsoft-com:vml" xmlns:pvml="urn:schemas-microsoft-com:office:powerpoint" xmlns:com="http://schemas.openxmlformats.org/drawingml/2006/compatibility" xmlns:p14="http://schemas.microsoft.com/office/powerpoint/2010/main" xmlns:p15="http://schemas.microsoft.com/office/powerpoint/2012/main" xmlns:ahyp="http://schemas.microsoft.com/office/drawing/2018/hyperlinkcolor" matchingName="Section title and description">
+<file path=ppt/slideLayouts/slideLayout9.xml><?xml version="1.0" encoding="utf-8"?>
+<p:sldLayout xmlns:a="http://schemas.openxmlformats.org/drawingml/2006/main" xmlns:r="http://schemas.openxmlformats.org/officeDocument/2006/relationships" xmlns:p="http://schemas.openxmlformats.org/presentationml/2006/main" matchingName="Section title and description">
   <p:cSld name="SECTION_TITLE_AND_DESCRIPTION">
     <p:spTree>
       <p:nvGrpSpPr>
-        <p:cNvPr id="35" name="Shape 35"/>
+        <p:cNvPr id="1" name="Shape 35"/>
         <p:cNvGrpSpPr/>
         <p:nvPr/>
       </p:nvGrpSpPr>
@@ -4109,8 +4775,8 @@
         </p:nvSpPr>
         <p:spPr>
           <a:xfrm>
-            <a:off x="4572000" y="-167"/>
-            <a:ext cx="4572000" cy="6858000"/>
+            <a:off x="6096000" y="-167"/>
+            <a:ext cx="6096000" cy="6858000"/>
           </a:xfrm>
           <a:prstGeom prst="rect">
             <a:avLst/>
@@ -4123,12 +4789,12 @@
           </a:ln>
         </p:spPr>
         <p:txBody>
-          <a:bodyPr anchorCtr="0" anchor="ctr" bIns="91425" lIns="91425" spcFirstLastPara="1" rIns="91425" wrap="square" tIns="91425">
+          <a:bodyPr spcFirstLastPara="1" wrap="square" lIns="91425" tIns="91425" rIns="91425" bIns="91425" anchor="ctr" anchorCtr="0">
             <a:noAutofit/>
           </a:bodyPr>
           <a:lstStyle/>
           <a:p>
-            <a:pPr indent="0" lvl="0" marL="0" rtl="0" algn="l">
+            <a:pPr marL="0" lvl="0" indent="0" algn="l" rtl="0">
               <a:spcBef>
                 <a:spcPts val="0"/>
               </a:spcBef>
@@ -4137,32 +4803,31 @@
               </a:spcAft>
               <a:buNone/>
             </a:pPr>
-            <a:r>
-              <a:t/>
-            </a:r>
-            <a:endParaRPr/>
+            <a:endParaRPr sz="1400"/>
           </a:p>
         </p:txBody>
       </p:sp>
       <p:sp>
         <p:nvSpPr>
           <p:cNvPr id="37" name="Google Shape;37;p9"/>
-          <p:cNvSpPr txBox="1"/>
+          <p:cNvSpPr txBox="1">
+            <a:spLocks noGrp="1"/>
+          </p:cNvSpPr>
           <p:nvPr>
             <p:ph type="title"/>
           </p:nvPr>
         </p:nvSpPr>
         <p:spPr>
           <a:xfrm>
-            <a:off x="265500" y="1644233"/>
-            <a:ext cx="4045200" cy="1976400"/>
+            <a:off x="354000" y="1644233"/>
+            <a:ext cx="5393600" cy="1976400"/>
           </a:xfrm>
           <a:prstGeom prst="rect">
             <a:avLst/>
           </a:prstGeom>
         </p:spPr>
         <p:txBody>
-          <a:bodyPr anchorCtr="0" anchor="b" bIns="91425" lIns="91425" spcFirstLastPara="1" rIns="91425" wrap="square" tIns="91425">
+          <a:bodyPr spcFirstLastPara="1" wrap="square" lIns="91425" tIns="91425" rIns="91425" bIns="91425" anchor="b" anchorCtr="0">
             <a:normAutofit/>
           </a:bodyPr>
           <a:lstStyle>
@@ -4266,28 +4931,32 @@
               <a:defRPr sz="4200"/>
             </a:lvl9pPr>
           </a:lstStyle>
-          <a:p/>
+          <a:p>
+            <a:endParaRPr/>
+          </a:p>
         </p:txBody>
       </p:sp>
       <p:sp>
         <p:nvSpPr>
           <p:cNvPr id="38" name="Google Shape;38;p9"/>
-          <p:cNvSpPr txBox="1"/>
+          <p:cNvSpPr txBox="1">
+            <a:spLocks noGrp="1"/>
+          </p:cNvSpPr>
           <p:nvPr>
-            <p:ph idx="1" type="subTitle"/>
+            <p:ph type="subTitle" idx="1"/>
           </p:nvPr>
         </p:nvSpPr>
         <p:spPr>
           <a:xfrm>
-            <a:off x="265500" y="3737433"/>
-            <a:ext cx="4045200" cy="1646700"/>
+            <a:off x="354000" y="3737433"/>
+            <a:ext cx="5393600" cy="1646700"/>
           </a:xfrm>
           <a:prstGeom prst="rect">
             <a:avLst/>
           </a:prstGeom>
         </p:spPr>
         <p:txBody>
-          <a:bodyPr anchorCtr="0" anchor="t" bIns="91425" lIns="91425" spcFirstLastPara="1" rIns="91425" wrap="square" tIns="91425">
+          <a:bodyPr spcFirstLastPara="1" wrap="square" lIns="91425" tIns="91425" rIns="91425" bIns="91425" anchor="t" anchorCtr="0">
             <a:normAutofit/>
           </a:bodyPr>
           <a:lstStyle>
@@ -4418,32 +5087,36 @@
               <a:defRPr sz="2100"/>
             </a:lvl9pPr>
           </a:lstStyle>
-          <a:p/>
+          <a:p>
+            <a:endParaRPr/>
+          </a:p>
         </p:txBody>
       </p:sp>
       <p:sp>
         <p:nvSpPr>
           <p:cNvPr id="39" name="Google Shape;39;p9"/>
-          <p:cNvSpPr txBox="1"/>
+          <p:cNvSpPr txBox="1">
+            <a:spLocks noGrp="1"/>
+          </p:cNvSpPr>
           <p:nvPr>
-            <p:ph idx="2" type="body"/>
+            <p:ph type="body" idx="2"/>
           </p:nvPr>
         </p:nvSpPr>
         <p:spPr>
           <a:xfrm>
-            <a:off x="4939500" y="965433"/>
-            <a:ext cx="3837000" cy="4926900"/>
+            <a:off x="6586000" y="965433"/>
+            <a:ext cx="5116000" cy="4926900"/>
           </a:xfrm>
           <a:prstGeom prst="rect">
             <a:avLst/>
           </a:prstGeom>
         </p:spPr>
         <p:txBody>
-          <a:bodyPr anchorCtr="0" anchor="ctr" bIns="91425" lIns="91425" spcFirstLastPara="1" rIns="91425" wrap="square" tIns="91425">
+          <a:bodyPr spcFirstLastPara="1" wrap="square" lIns="91425" tIns="91425" rIns="91425" bIns="91425" anchor="ctr" anchorCtr="0">
             <a:normAutofit/>
           </a:bodyPr>
           <a:lstStyle>
-            <a:lvl1pPr indent="-342900" lvl="0" marL="457200">
+            <a:lvl1pPr marL="457200" lvl="0" indent="-342900">
               <a:spcBef>
                 <a:spcPts val="0"/>
               </a:spcBef>
@@ -4454,7 +5127,7 @@
               <a:buChar char="●"/>
               <a:defRPr/>
             </a:lvl1pPr>
-            <a:lvl2pPr indent="-317500" lvl="1" marL="914400">
+            <a:lvl2pPr marL="914400" lvl="1" indent="-317500">
               <a:spcBef>
                 <a:spcPts val="0"/>
               </a:spcBef>
@@ -4465,7 +5138,7 @@
               <a:buChar char="○"/>
               <a:defRPr/>
             </a:lvl2pPr>
-            <a:lvl3pPr indent="-317500" lvl="2" marL="1371600">
+            <a:lvl3pPr marL="1371600" lvl="2" indent="-317500">
               <a:spcBef>
                 <a:spcPts val="0"/>
               </a:spcBef>
@@ -4476,7 +5149,7 @@
               <a:buChar char="■"/>
               <a:defRPr/>
             </a:lvl3pPr>
-            <a:lvl4pPr indent="-317500" lvl="3" marL="1828800">
+            <a:lvl4pPr marL="1828800" lvl="3" indent="-317500">
               <a:spcBef>
                 <a:spcPts val="0"/>
               </a:spcBef>
@@ -4487,7 +5160,7 @@
               <a:buChar char="●"/>
               <a:defRPr/>
             </a:lvl4pPr>
-            <a:lvl5pPr indent="-317500" lvl="4" marL="2286000">
+            <a:lvl5pPr marL="2286000" lvl="4" indent="-317500">
               <a:spcBef>
                 <a:spcPts val="0"/>
               </a:spcBef>
@@ -4498,7 +5171,7 @@
               <a:buChar char="○"/>
               <a:defRPr/>
             </a:lvl5pPr>
-            <a:lvl6pPr indent="-317500" lvl="5" marL="2743200">
+            <a:lvl6pPr marL="2743200" lvl="5" indent="-317500">
               <a:spcBef>
                 <a:spcPts val="0"/>
               </a:spcBef>
@@ -4509,7 +5182,7 @@
               <a:buChar char="■"/>
               <a:defRPr/>
             </a:lvl6pPr>
-            <a:lvl7pPr indent="-317500" lvl="6" marL="3200400">
+            <a:lvl7pPr marL="3200400" lvl="6" indent="-317500">
               <a:spcBef>
                 <a:spcPts val="0"/>
               </a:spcBef>
@@ -4520,7 +5193,7 @@
               <a:buChar char="●"/>
               <a:defRPr/>
             </a:lvl7pPr>
-            <a:lvl8pPr indent="-317500" lvl="7" marL="3657600">
+            <a:lvl8pPr marL="3657600" lvl="7" indent="-317500">
               <a:spcBef>
                 <a:spcPts val="0"/>
               </a:spcBef>
@@ -4531,7 +5204,7 @@
               <a:buChar char="○"/>
               <a:defRPr/>
             </a:lvl8pPr>
-            <a:lvl9pPr indent="-317500" lvl="8" marL="4114800">
+            <a:lvl9pPr marL="4114800" lvl="8" indent="-317500">
               <a:spcBef>
                 <a:spcPts val="0"/>
               </a:spcBef>
@@ -4543,28 +5216,32 @@
               <a:defRPr/>
             </a:lvl9pPr>
           </a:lstStyle>
-          <a:p/>
+          <a:p>
+            <a:endParaRPr/>
+          </a:p>
         </p:txBody>
       </p:sp>
       <p:sp>
         <p:nvSpPr>
           <p:cNvPr id="40" name="Google Shape;40;p9"/>
-          <p:cNvSpPr txBox="1"/>
+          <p:cNvSpPr txBox="1">
+            <a:spLocks noGrp="1"/>
+          </p:cNvSpPr>
           <p:nvPr>
-            <p:ph idx="12" type="sldNum"/>
+            <p:ph type="sldNum" idx="12"/>
           </p:nvPr>
         </p:nvSpPr>
         <p:spPr>
           <a:xfrm>
-            <a:off x="8472458" y="6217622"/>
-            <a:ext cx="548700" cy="524700"/>
+            <a:off x="11296611" y="6217622"/>
+            <a:ext cx="731600" cy="524700"/>
           </a:xfrm>
           <a:prstGeom prst="rect">
             <a:avLst/>
           </a:prstGeom>
         </p:spPr>
         <p:txBody>
-          <a:bodyPr anchorCtr="0" anchor="ctr" bIns="91425" lIns="91425" spcFirstLastPara="1" rIns="91425" wrap="square" tIns="91425">
+          <a:bodyPr spcFirstLastPara="1" wrap="square" lIns="91425" tIns="91425" rIns="91425" bIns="91425" anchor="ctr" anchorCtr="0">
             <a:normAutofit/>
           </a:bodyPr>
           <a:lstStyle>
@@ -4606,162 +5283,12 @@
             </a:lvl9pPr>
           </a:lstStyle>
           <a:p>
-            <a:pPr indent="0" lvl="0" marL="0" rtl="0" algn="r">
-              <a:spcBef>
-                <a:spcPts val="0"/>
-              </a:spcBef>
-              <a:spcAft>
-                <a:spcPts val="0"/>
-              </a:spcAft>
-              <a:buNone/>
-            </a:pPr>
             <a:fld id="{00000000-1234-1234-1234-123412341234}" type="slidenum">
-              <a:rPr lang="en"/>
+              <a:rPr lang="en" smtClean="0"/>
+              <a:pPr/>
               <a:t>‹#›</a:t>
             </a:fld>
-            <a:endParaRPr/>
-          </a:p>
-        </p:txBody>
-      </p:sp>
-    </p:spTree>
-  </p:cSld>
-  <p:clrMapOvr>
-    <a:masterClrMapping/>
-  </p:clrMapOvr>
-</p:sldLayout>
-</file>
-
-<file path=ppt/slideLayouts/slideLayout9.xml><?xml version="1.0" encoding="utf-8"?>
-<p:sldLayout xmlns:a="http://schemas.openxmlformats.org/drawingml/2006/main" xmlns:r="http://schemas.openxmlformats.org/officeDocument/2006/relationships" xmlns:mc="http://schemas.openxmlformats.org/markup-compatibility/2006" xmlns:mv="urn:schemas-microsoft-com:mac:vml" xmlns:p="http://schemas.openxmlformats.org/presentationml/2006/main" xmlns:c="http://schemas.openxmlformats.org/drawingml/2006/chart" xmlns:dgm="http://schemas.openxmlformats.org/drawingml/2006/diagram" xmlns:o="urn:schemas-microsoft-com:office:office" xmlns:v="urn:schemas-microsoft-com:vml" xmlns:pvml="urn:schemas-microsoft-com:office:powerpoint" xmlns:com="http://schemas.openxmlformats.org/drawingml/2006/compatibility" xmlns:p14="http://schemas.microsoft.com/office/powerpoint/2010/main" xmlns:p15="http://schemas.microsoft.com/office/powerpoint/2012/main" xmlns:ahyp="http://schemas.microsoft.com/office/drawing/2018/hyperlinkcolor" matchingName="Caption">
-  <p:cSld name="CAPTION_ONLY">
-    <p:spTree>
-      <p:nvGrpSpPr>
-        <p:cNvPr id="41" name="Shape 41"/>
-        <p:cNvGrpSpPr/>
-        <p:nvPr/>
-      </p:nvGrpSpPr>
-      <p:grpSpPr>
-        <a:xfrm>
-          <a:off x="0" y="0"/>
-          <a:ext cx="0" cy="0"/>
-          <a:chOff x="0" y="0"/>
-          <a:chExt cx="0" cy="0"/>
-        </a:xfrm>
-      </p:grpSpPr>
-      <p:sp>
-        <p:nvSpPr>
-          <p:cNvPr id="42" name="Google Shape;42;p10"/>
-          <p:cNvSpPr txBox="1"/>
-          <p:nvPr>
-            <p:ph idx="1" type="body"/>
-          </p:nvPr>
-        </p:nvSpPr>
-        <p:spPr>
-          <a:xfrm>
-            <a:off x="311700" y="5640767"/>
-            <a:ext cx="5998800" cy="806700"/>
-          </a:xfrm>
-          <a:prstGeom prst="rect">
-            <a:avLst/>
-          </a:prstGeom>
-        </p:spPr>
-        <p:txBody>
-          <a:bodyPr anchorCtr="0" anchor="ctr" bIns="91425" lIns="91425" spcFirstLastPara="1" rIns="91425" wrap="square" tIns="91425">
-            <a:normAutofit/>
-          </a:bodyPr>
-          <a:lstStyle>
-            <a:lvl1pPr indent="-228600" lvl="0" marL="457200">
-              <a:lnSpc>
-                <a:spcPct val="100000"/>
-              </a:lnSpc>
-              <a:spcBef>
-                <a:spcPts val="0"/>
-              </a:spcBef>
-              <a:spcAft>
-                <a:spcPts val="0"/>
-              </a:spcAft>
-              <a:buSzPts val="1800"/>
-              <a:buNone/>
-              <a:defRPr/>
-            </a:lvl1pPr>
-          </a:lstStyle>
-          <a:p/>
-        </p:txBody>
-      </p:sp>
-      <p:sp>
-        <p:nvSpPr>
-          <p:cNvPr id="43" name="Google Shape;43;p10"/>
-          <p:cNvSpPr txBox="1"/>
-          <p:nvPr>
-            <p:ph idx="12" type="sldNum"/>
-          </p:nvPr>
-        </p:nvSpPr>
-        <p:spPr>
-          <a:xfrm>
-            <a:off x="8472458" y="6217622"/>
-            <a:ext cx="548700" cy="524700"/>
-          </a:xfrm>
-          <a:prstGeom prst="rect">
-            <a:avLst/>
-          </a:prstGeom>
-        </p:spPr>
-        <p:txBody>
-          <a:bodyPr anchorCtr="0" anchor="ctr" bIns="91425" lIns="91425" spcFirstLastPara="1" rIns="91425" wrap="square" tIns="91425">
-            <a:normAutofit/>
-          </a:bodyPr>
-          <a:lstStyle>
-            <a:lvl1pPr lvl="0">
-              <a:buNone/>
-              <a:defRPr/>
-            </a:lvl1pPr>
-            <a:lvl2pPr lvl="1">
-              <a:buNone/>
-              <a:defRPr/>
-            </a:lvl2pPr>
-            <a:lvl3pPr lvl="2">
-              <a:buNone/>
-              <a:defRPr/>
-            </a:lvl3pPr>
-            <a:lvl4pPr lvl="3">
-              <a:buNone/>
-              <a:defRPr/>
-            </a:lvl4pPr>
-            <a:lvl5pPr lvl="4">
-              <a:buNone/>
-              <a:defRPr/>
-            </a:lvl5pPr>
-            <a:lvl6pPr lvl="5">
-              <a:buNone/>
-              <a:defRPr/>
-            </a:lvl6pPr>
-            <a:lvl7pPr lvl="6">
-              <a:buNone/>
-              <a:defRPr/>
-            </a:lvl7pPr>
-            <a:lvl8pPr lvl="7">
-              <a:buNone/>
-              <a:defRPr/>
-            </a:lvl8pPr>
-            <a:lvl9pPr lvl="8">
-              <a:buNone/>
-              <a:defRPr/>
-            </a:lvl9pPr>
-          </a:lstStyle>
-          <a:p>
-            <a:pPr indent="0" lvl="0" marL="0" rtl="0" algn="r">
-              <a:spcBef>
-                <a:spcPts val="0"/>
-              </a:spcBef>
-              <a:spcAft>
-                <a:spcPts val="0"/>
-              </a:spcAft>
-              <a:buNone/>
-            </a:pPr>
-            <a:fld id="{00000000-1234-1234-1234-123412341234}" type="slidenum">
-              <a:rPr lang="en"/>
-              <a:t>‹#›</a:t>
-            </a:fld>
-            <a:endParaRPr/>
+            <a:endParaRPr lang="en"/>
           </a:p>
         </p:txBody>
       </p:sp>
@@ -4774,18 +5301,19 @@
 </file>
 
 <file path=ppt/slideMasters/slideMaster1.xml><?xml version="1.0" encoding="utf-8"?>
-<p:sldMaster xmlns:a="http://schemas.openxmlformats.org/drawingml/2006/main" xmlns:r="http://schemas.openxmlformats.org/officeDocument/2006/relationships" xmlns:mc="http://schemas.openxmlformats.org/markup-compatibility/2006" xmlns:mv="urn:schemas-microsoft-com:mac:vml" xmlns:p="http://schemas.openxmlformats.org/presentationml/2006/main" xmlns:c="http://schemas.openxmlformats.org/drawingml/2006/chart" xmlns:dgm="http://schemas.openxmlformats.org/drawingml/2006/diagram" xmlns:o="urn:schemas-microsoft-com:office:office" xmlns:v="urn:schemas-microsoft-com:vml" xmlns:pvml="urn:schemas-microsoft-com:office:powerpoint" xmlns:com="http://schemas.openxmlformats.org/drawingml/2006/compatibility" xmlns:p14="http://schemas.microsoft.com/office/powerpoint/2010/main" xmlns:p15="http://schemas.microsoft.com/office/powerpoint/2012/main" xmlns:ahyp="http://schemas.microsoft.com/office/drawing/2018/hyperlinkcolor">
+<p:sldMaster xmlns:a="http://schemas.openxmlformats.org/drawingml/2006/main" xmlns:r="http://schemas.openxmlformats.org/officeDocument/2006/relationships" xmlns:p="http://schemas.openxmlformats.org/presentationml/2006/main">
   <p:cSld name="simple-light-2">
     <p:bg>
       <p:bgPr>
         <a:solidFill>
           <a:schemeClr val="lt1"/>
         </a:solidFill>
+        <a:effectLst/>
       </p:bgPr>
     </p:bg>
     <p:spTree>
       <p:nvGrpSpPr>
-        <p:cNvPr id="5" name="Shape 5"/>
+        <p:cNvPr id="1" name="Shape 5"/>
         <p:cNvGrpSpPr/>
         <p:nvPr/>
       </p:nvGrpSpPr>
@@ -4800,15 +5328,17 @@
       <p:sp>
         <p:nvSpPr>
           <p:cNvPr id="6" name="Google Shape;6;p1"/>
-          <p:cNvSpPr txBox="1"/>
+          <p:cNvSpPr txBox="1">
+            <a:spLocks noGrp="1"/>
+          </p:cNvSpPr>
           <p:nvPr>
             <p:ph type="title"/>
           </p:nvPr>
         </p:nvSpPr>
         <p:spPr>
           <a:xfrm>
-            <a:off x="311700" y="593367"/>
-            <a:ext cx="8520600" cy="763500"/>
+            <a:off x="415600" y="593367"/>
+            <a:ext cx="11360800" cy="763500"/>
           </a:xfrm>
           <a:prstGeom prst="rect">
             <a:avLst/>
@@ -4819,7 +5349,7 @@
           </a:ln>
         </p:spPr>
         <p:txBody>
-          <a:bodyPr anchorCtr="0" anchor="t" bIns="91425" lIns="91425" spcFirstLastPara="1" rIns="91425" wrap="square" tIns="91425">
+          <a:bodyPr spcFirstLastPara="1" wrap="square" lIns="91425" tIns="91425" rIns="91425" bIns="91425" anchor="t" anchorCtr="0">
             <a:normAutofit/>
           </a:bodyPr>
           <a:lstStyle>
@@ -4986,21 +5516,25 @@
               </a:defRPr>
             </a:lvl9pPr>
           </a:lstStyle>
-          <a:p/>
+          <a:p>
+            <a:endParaRPr/>
+          </a:p>
         </p:txBody>
       </p:sp>
       <p:sp>
         <p:nvSpPr>
           <p:cNvPr id="7" name="Google Shape;7;p1"/>
-          <p:cNvSpPr txBox="1"/>
+          <p:cNvSpPr txBox="1">
+            <a:spLocks noGrp="1"/>
+          </p:cNvSpPr>
           <p:nvPr>
-            <p:ph idx="1" type="body"/>
+            <p:ph type="body" idx="1"/>
           </p:nvPr>
         </p:nvSpPr>
         <p:spPr>
           <a:xfrm>
-            <a:off x="311700" y="1536633"/>
-            <a:ext cx="8520600" cy="4555200"/>
+            <a:off x="415600" y="1536633"/>
+            <a:ext cx="11360800" cy="4555200"/>
           </a:xfrm>
           <a:prstGeom prst="rect">
             <a:avLst/>
@@ -5011,11 +5545,11 @@
           </a:ln>
         </p:spPr>
         <p:txBody>
-          <a:bodyPr anchorCtr="0" anchor="t" bIns="91425" lIns="91425" spcFirstLastPara="1" rIns="91425" wrap="square" tIns="91425">
+          <a:bodyPr spcFirstLastPara="1" wrap="square" lIns="91425" tIns="91425" rIns="91425" bIns="91425" anchor="t" anchorCtr="0">
             <a:normAutofit/>
           </a:bodyPr>
           <a:lstStyle>
-            <a:lvl1pPr indent="-342900" lvl="0" marL="457200">
+            <a:lvl1pPr marL="457200" lvl="0" indent="-342900">
               <a:lnSpc>
                 <a:spcPct val="115000"/>
               </a:lnSpc>
@@ -5036,7 +5570,7 @@
                 </a:solidFill>
               </a:defRPr>
             </a:lvl1pPr>
-            <a:lvl2pPr indent="-317500" lvl="1" marL="914400">
+            <a:lvl2pPr marL="914400" lvl="1" indent="-317500">
               <a:lnSpc>
                 <a:spcPct val="115000"/>
               </a:lnSpc>
@@ -5057,7 +5591,7 @@
                 </a:solidFill>
               </a:defRPr>
             </a:lvl2pPr>
-            <a:lvl3pPr indent="-317500" lvl="2" marL="1371600">
+            <a:lvl3pPr marL="1371600" lvl="2" indent="-317500">
               <a:lnSpc>
                 <a:spcPct val="115000"/>
               </a:lnSpc>
@@ -5078,7 +5612,7 @@
                 </a:solidFill>
               </a:defRPr>
             </a:lvl3pPr>
-            <a:lvl4pPr indent="-317500" lvl="3" marL="1828800">
+            <a:lvl4pPr marL="1828800" lvl="3" indent="-317500">
               <a:lnSpc>
                 <a:spcPct val="115000"/>
               </a:lnSpc>
@@ -5099,7 +5633,7 @@
                 </a:solidFill>
               </a:defRPr>
             </a:lvl4pPr>
-            <a:lvl5pPr indent="-317500" lvl="4" marL="2286000">
+            <a:lvl5pPr marL="2286000" lvl="4" indent="-317500">
               <a:lnSpc>
                 <a:spcPct val="115000"/>
               </a:lnSpc>
@@ -5120,7 +5654,7 @@
                 </a:solidFill>
               </a:defRPr>
             </a:lvl5pPr>
-            <a:lvl6pPr indent="-317500" lvl="5" marL="2743200">
+            <a:lvl6pPr marL="2743200" lvl="5" indent="-317500">
               <a:lnSpc>
                 <a:spcPct val="115000"/>
               </a:lnSpc>
@@ -5141,7 +5675,7 @@
                 </a:solidFill>
               </a:defRPr>
             </a:lvl6pPr>
-            <a:lvl7pPr indent="-317500" lvl="6" marL="3200400">
+            <a:lvl7pPr marL="3200400" lvl="6" indent="-317500">
               <a:lnSpc>
                 <a:spcPct val="115000"/>
               </a:lnSpc>
@@ -5162,7 +5696,7 @@
                 </a:solidFill>
               </a:defRPr>
             </a:lvl7pPr>
-            <a:lvl8pPr indent="-317500" lvl="7" marL="3657600">
+            <a:lvl8pPr marL="3657600" lvl="7" indent="-317500">
               <a:lnSpc>
                 <a:spcPct val="115000"/>
               </a:lnSpc>
@@ -5183,7 +5717,7 @@
                 </a:solidFill>
               </a:defRPr>
             </a:lvl8pPr>
-            <a:lvl9pPr indent="-317500" lvl="8" marL="4114800">
+            <a:lvl9pPr marL="4114800" lvl="8" indent="-317500">
               <a:lnSpc>
                 <a:spcPct val="115000"/>
               </a:lnSpc>
@@ -5205,21 +5739,25 @@
               </a:defRPr>
             </a:lvl9pPr>
           </a:lstStyle>
-          <a:p/>
+          <a:p>
+            <a:endParaRPr/>
+          </a:p>
         </p:txBody>
       </p:sp>
       <p:sp>
         <p:nvSpPr>
           <p:cNvPr id="8" name="Google Shape;8;p1"/>
-          <p:cNvSpPr txBox="1"/>
+          <p:cNvSpPr txBox="1">
+            <a:spLocks noGrp="1"/>
+          </p:cNvSpPr>
           <p:nvPr>
-            <p:ph idx="12" type="sldNum"/>
+            <p:ph type="sldNum" idx="12"/>
           </p:nvPr>
         </p:nvSpPr>
         <p:spPr>
           <a:xfrm>
-            <a:off x="8472458" y="6217622"/>
-            <a:ext cx="548700" cy="524700"/>
+            <a:off x="11296611" y="6217622"/>
+            <a:ext cx="731600" cy="524700"/>
           </a:xfrm>
           <a:prstGeom prst="rect">
             <a:avLst/>
@@ -5230,7 +5768,7 @@
           </a:ln>
         </p:spPr>
         <p:txBody>
-          <a:bodyPr anchorCtr="0" anchor="ctr" bIns="91425" lIns="91425" spcFirstLastPara="1" rIns="91425" wrap="square" tIns="91425">
+          <a:bodyPr spcFirstLastPara="1" wrap="square" lIns="91425" tIns="91425" rIns="91425" bIns="91425" anchor="ctr" anchorCtr="0">
             <a:normAutofit/>
           </a:bodyPr>
           <a:lstStyle>
@@ -5308,43 +5846,145 @@
             </a:lvl9pPr>
           </a:lstStyle>
           <a:p>
-            <a:pPr indent="0" lvl="0" marL="0" rtl="0" algn="r">
-              <a:spcBef>
-                <a:spcPts val="0"/>
-              </a:spcBef>
-              <a:spcAft>
-                <a:spcPts val="0"/>
-              </a:spcAft>
-              <a:buNone/>
-            </a:pPr>
             <a:fld id="{00000000-1234-1234-1234-123412341234}" type="slidenum">
-              <a:rPr lang="en"/>
+              <a:rPr lang="en" smtClean="0"/>
+              <a:pPr/>
               <a:t>‹#›</a:t>
             </a:fld>
-            <a:endParaRPr/>
+            <a:endParaRPr lang="en"/>
+          </a:p>
+        </p:txBody>
+      </p:sp>
+      <p:cxnSp>
+        <p:nvCxnSpPr>
+          <p:cNvPr id="2" name="직선 연결선 1">
+            <a:extLst>
+              <a:ext uri="{FF2B5EF4-FFF2-40B4-BE49-F238E27FC236}">
+                <a16:creationId xmlns:a16="http://schemas.microsoft.com/office/drawing/2014/main" id="{41E22D22-13F0-9233-FF77-3C5F176E54CB}"/>
+              </a:ext>
+            </a:extLst>
+          </p:cNvPr>
+          <p:cNvCxnSpPr>
+            <a:cxnSpLocks/>
+          </p:cNvCxnSpPr>
+          <p:nvPr userDrawn="1"/>
+        </p:nvCxnSpPr>
+        <p:spPr>
+          <a:xfrm>
+            <a:off x="0" y="365125"/>
+            <a:ext cx="10582183" cy="0"/>
+          </a:xfrm>
+          <a:prstGeom prst="line">
+            <a:avLst/>
+          </a:prstGeom>
+          <a:ln w="38100"/>
+        </p:spPr>
+        <p:style>
+          <a:lnRef idx="1">
+            <a:schemeClr val="accent1"/>
+          </a:lnRef>
+          <a:fillRef idx="0">
+            <a:schemeClr val="accent1"/>
+          </a:fillRef>
+          <a:effectRef idx="0">
+            <a:schemeClr val="accent1"/>
+          </a:effectRef>
+          <a:fontRef idx="minor">
+            <a:schemeClr val="tx1"/>
+          </a:fontRef>
+        </p:style>
+      </p:cxnSp>
+      <p:pic>
+        <p:nvPicPr>
+          <p:cNvPr id="3" name="그림 2">
+            <a:extLst>
+              <a:ext uri="{FF2B5EF4-FFF2-40B4-BE49-F238E27FC236}">
+                <a16:creationId xmlns:a16="http://schemas.microsoft.com/office/drawing/2014/main" id="{14D71186-D7DF-2687-D076-7209817752AD}"/>
+              </a:ext>
+            </a:extLst>
+          </p:cNvPr>
+          <p:cNvPicPr>
+            <a:picLocks noChangeAspect="1"/>
+          </p:cNvPicPr>
+          <p:nvPr userDrawn="1"/>
+        </p:nvPicPr>
+        <p:blipFill>
+          <a:blip r:embed="rId14"/>
+          <a:stretch>
+            <a:fillRect/>
+          </a:stretch>
+        </p:blipFill>
+        <p:spPr>
+          <a:xfrm>
+            <a:off x="10758910" y="129799"/>
+            <a:ext cx="1189780" cy="470650"/>
+          </a:xfrm>
+          <a:prstGeom prst="rect">
+            <a:avLst/>
+          </a:prstGeom>
+        </p:spPr>
+      </p:pic>
+      <p:sp>
+        <p:nvSpPr>
+          <p:cNvPr id="4" name="TextBox 3">
+            <a:extLst>
+              <a:ext uri="{FF2B5EF4-FFF2-40B4-BE49-F238E27FC236}">
+                <a16:creationId xmlns:a16="http://schemas.microsoft.com/office/drawing/2014/main" id="{4ED860D5-E3CD-EDC4-F584-44BC9AC1E4DF}"/>
+              </a:ext>
+            </a:extLst>
+          </p:cNvPr>
+          <p:cNvSpPr txBox="1"/>
+          <p:nvPr userDrawn="1"/>
+        </p:nvSpPr>
+        <p:spPr>
+          <a:xfrm>
+            <a:off x="5112397" y="6409678"/>
+            <a:ext cx="1967205" cy="307777"/>
+          </a:xfrm>
+          <a:prstGeom prst="rect">
+            <a:avLst/>
+          </a:prstGeom>
+          <a:noFill/>
+        </p:spPr>
+        <p:txBody>
+          <a:bodyPr wrap="none" rtlCol="0">
+            <a:spAutoFit/>
+          </a:bodyPr>
+          <a:lstStyle/>
+          <a:p>
+            <a:r>
+              <a:rPr lang="en-US" altLang="ko-KR" sz="1400" b="0" dirty="0"/>
+              <a:t>Copyright 2022 </a:t>
+            </a:r>
+            <a:r>
+              <a:rPr lang="en-US" altLang="ko-KR" sz="1400" b="0" dirty="0" err="1"/>
+              <a:t>jdedu</a:t>
+            </a:r>
+            <a:endParaRPr lang="ko-KR" altLang="en-US" sz="1400" b="0" dirty="0"/>
           </a:p>
         </p:txBody>
       </p:sp>
     </p:spTree>
   </p:cSld>
-  <p:clrMap accent1="accent1" accent2="accent2" accent3="accent3" accent4="accent4" accent5="accent5" accent6="accent6" bg1="lt1" bg2="dk2" tx1="dk1" tx2="lt2" folHlink="folHlink" hlink="hlink"/>
+  <p:clrMap bg1="lt1" tx1="dk1" bg2="dk2" tx2="lt2" accent1="accent1" accent2="accent2" accent3="accent3" accent4="accent4" accent5="accent5" accent6="accent6" hlink="hlink" folHlink="folHlink"/>
   <p:sldLayoutIdLst>
     <p:sldLayoutId id="2147483648" r:id="rId1"/>
-    <p:sldLayoutId id="2147483649" r:id="rId2"/>
-    <p:sldLayoutId id="2147483650" r:id="rId3"/>
-    <p:sldLayoutId id="2147483651" r:id="rId4"/>
-    <p:sldLayoutId id="2147483652" r:id="rId5"/>
-    <p:sldLayoutId id="2147483653" r:id="rId6"/>
-    <p:sldLayoutId id="2147483654" r:id="rId7"/>
-    <p:sldLayoutId id="2147483655" r:id="rId8"/>
-    <p:sldLayoutId id="2147483656" r:id="rId9"/>
-    <p:sldLayoutId id="2147483657" r:id="rId10"/>
-    <p:sldLayoutId id="2147483658" r:id="rId11"/>
+    <p:sldLayoutId id="2147483660" r:id="rId2"/>
+    <p:sldLayoutId id="2147483649" r:id="rId3"/>
+    <p:sldLayoutId id="2147483650" r:id="rId4"/>
+    <p:sldLayoutId id="2147483651" r:id="rId5"/>
+    <p:sldLayoutId id="2147483652" r:id="rId6"/>
+    <p:sldLayoutId id="2147483653" r:id="rId7"/>
+    <p:sldLayoutId id="2147483654" r:id="rId8"/>
+    <p:sldLayoutId id="2147483655" r:id="rId9"/>
+    <p:sldLayoutId id="2147483656" r:id="rId10"/>
+    <p:sldLayoutId id="2147483657" r:id="rId11"/>
+    <p:sldLayoutId id="2147483658" r:id="rId12"/>
   </p:sldLayoutIdLst>
-  <p:hf dt="0" ftr="0" hdr="0" sldNum="0"/>
+  <p:hf sldNum="0" hdr="0" ftr="0" dt="0"/>
   <p:txStyles>
     <p:titleStyle>
-      <a:defPPr lvl="0" marR="0" rtl="0" algn="l">
+      <a:defPPr marR="0" lvl="0" algn="l" rtl="0">
         <a:lnSpc>
           <a:spcPct val="100000"/>
         </a:lnSpc>
@@ -5355,7 +5995,7 @@
           <a:spcPts val="0"/>
         </a:spcAft>
       </a:defPPr>
-      <a:lvl1pPr lvl="0" marR="0" rtl="0" algn="l">
+      <a:lvl1pPr marR="0" lvl="0" algn="l" rtl="0">
         <a:lnSpc>
           <a:spcPct val="100000"/>
         </a:lnSpc>
@@ -5369,7 +6009,7 @@
           <a:srgbClr val="000000"/>
         </a:buClr>
         <a:buFont typeface="Arial"/>
-        <a:defRPr b="0" i="0" sz="1400" u="none" cap="none" strike="noStrike">
+        <a:defRPr sz="1400" b="0" i="0" u="none" strike="noStrike" cap="none">
           <a:solidFill>
             <a:srgbClr val="000000"/>
           </a:solidFill>
@@ -5379,7 +6019,7 @@
           <a:sym typeface="Arial"/>
         </a:defRPr>
       </a:lvl1pPr>
-      <a:lvl2pPr lvl="1" marR="0" rtl="0" algn="l">
+      <a:lvl2pPr marR="0" lvl="1" algn="l" rtl="0">
         <a:lnSpc>
           <a:spcPct val="100000"/>
         </a:lnSpc>
@@ -5393,7 +6033,7 @@
           <a:srgbClr val="000000"/>
         </a:buClr>
         <a:buFont typeface="Arial"/>
-        <a:defRPr b="0" i="0" sz="1400" u="none" cap="none" strike="noStrike">
+        <a:defRPr sz="1400" b="0" i="0" u="none" strike="noStrike" cap="none">
           <a:solidFill>
             <a:srgbClr val="000000"/>
           </a:solidFill>
@@ -5403,7 +6043,7 @@
           <a:sym typeface="Arial"/>
         </a:defRPr>
       </a:lvl2pPr>
-      <a:lvl3pPr lvl="2" marR="0" rtl="0" algn="l">
+      <a:lvl3pPr marR="0" lvl="2" algn="l" rtl="0">
         <a:lnSpc>
           <a:spcPct val="100000"/>
         </a:lnSpc>
@@ -5417,7 +6057,7 @@
           <a:srgbClr val="000000"/>
         </a:buClr>
         <a:buFont typeface="Arial"/>
-        <a:defRPr b="0" i="0" sz="1400" u="none" cap="none" strike="noStrike">
+        <a:defRPr sz="1400" b="0" i="0" u="none" strike="noStrike" cap="none">
           <a:solidFill>
             <a:srgbClr val="000000"/>
           </a:solidFill>
@@ -5427,7 +6067,7 @@
           <a:sym typeface="Arial"/>
         </a:defRPr>
       </a:lvl3pPr>
-      <a:lvl4pPr lvl="3" marR="0" rtl="0" algn="l">
+      <a:lvl4pPr marR="0" lvl="3" algn="l" rtl="0">
         <a:lnSpc>
           <a:spcPct val="100000"/>
         </a:lnSpc>
@@ -5441,7 +6081,7 @@
           <a:srgbClr val="000000"/>
         </a:buClr>
         <a:buFont typeface="Arial"/>
-        <a:defRPr b="0" i="0" sz="1400" u="none" cap="none" strike="noStrike">
+        <a:defRPr sz="1400" b="0" i="0" u="none" strike="noStrike" cap="none">
           <a:solidFill>
             <a:srgbClr val="000000"/>
           </a:solidFill>
@@ -5451,7 +6091,7 @@
           <a:sym typeface="Arial"/>
         </a:defRPr>
       </a:lvl4pPr>
-      <a:lvl5pPr lvl="4" marR="0" rtl="0" algn="l">
+      <a:lvl5pPr marR="0" lvl="4" algn="l" rtl="0">
         <a:lnSpc>
           <a:spcPct val="100000"/>
         </a:lnSpc>
@@ -5465,7 +6105,7 @@
           <a:srgbClr val="000000"/>
         </a:buClr>
         <a:buFont typeface="Arial"/>
-        <a:defRPr b="0" i="0" sz="1400" u="none" cap="none" strike="noStrike">
+        <a:defRPr sz="1400" b="0" i="0" u="none" strike="noStrike" cap="none">
           <a:solidFill>
             <a:srgbClr val="000000"/>
           </a:solidFill>
@@ -5475,7 +6115,7 @@
           <a:sym typeface="Arial"/>
         </a:defRPr>
       </a:lvl5pPr>
-      <a:lvl6pPr lvl="5" marR="0" rtl="0" algn="l">
+      <a:lvl6pPr marR="0" lvl="5" algn="l" rtl="0">
         <a:lnSpc>
           <a:spcPct val="100000"/>
         </a:lnSpc>
@@ -5489,7 +6129,7 @@
           <a:srgbClr val="000000"/>
         </a:buClr>
         <a:buFont typeface="Arial"/>
-        <a:defRPr b="0" i="0" sz="1400" u="none" cap="none" strike="noStrike">
+        <a:defRPr sz="1400" b="0" i="0" u="none" strike="noStrike" cap="none">
           <a:solidFill>
             <a:srgbClr val="000000"/>
           </a:solidFill>
@@ -5499,7 +6139,7 @@
           <a:sym typeface="Arial"/>
         </a:defRPr>
       </a:lvl6pPr>
-      <a:lvl7pPr lvl="6" marR="0" rtl="0" algn="l">
+      <a:lvl7pPr marR="0" lvl="6" algn="l" rtl="0">
         <a:lnSpc>
           <a:spcPct val="100000"/>
         </a:lnSpc>
@@ -5513,7 +6153,7 @@
           <a:srgbClr val="000000"/>
         </a:buClr>
         <a:buFont typeface="Arial"/>
-        <a:defRPr b="0" i="0" sz="1400" u="none" cap="none" strike="noStrike">
+        <a:defRPr sz="1400" b="0" i="0" u="none" strike="noStrike" cap="none">
           <a:solidFill>
             <a:srgbClr val="000000"/>
           </a:solidFill>
@@ -5523,7 +6163,7 @@
           <a:sym typeface="Arial"/>
         </a:defRPr>
       </a:lvl7pPr>
-      <a:lvl8pPr lvl="7" marR="0" rtl="0" algn="l">
+      <a:lvl8pPr marR="0" lvl="7" algn="l" rtl="0">
         <a:lnSpc>
           <a:spcPct val="100000"/>
         </a:lnSpc>
@@ -5537,7 +6177,7 @@
           <a:srgbClr val="000000"/>
         </a:buClr>
         <a:buFont typeface="Arial"/>
-        <a:defRPr b="0" i="0" sz="1400" u="none" cap="none" strike="noStrike">
+        <a:defRPr sz="1400" b="0" i="0" u="none" strike="noStrike" cap="none">
           <a:solidFill>
             <a:srgbClr val="000000"/>
           </a:solidFill>
@@ -5547,7 +6187,7 @@
           <a:sym typeface="Arial"/>
         </a:defRPr>
       </a:lvl8pPr>
-      <a:lvl9pPr lvl="8" marR="0" rtl="0" algn="l">
+      <a:lvl9pPr marR="0" lvl="8" algn="l" rtl="0">
         <a:lnSpc>
           <a:spcPct val="100000"/>
         </a:lnSpc>
@@ -5561,7 +6201,7 @@
           <a:srgbClr val="000000"/>
         </a:buClr>
         <a:buFont typeface="Arial"/>
-        <a:defRPr b="0" i="0" sz="1400" u="none" cap="none" strike="noStrike">
+        <a:defRPr sz="1400" b="0" i="0" u="none" strike="noStrike" cap="none">
           <a:solidFill>
             <a:srgbClr val="000000"/>
           </a:solidFill>
@@ -5573,7 +6213,7 @@
       </a:lvl9pPr>
     </p:titleStyle>
     <p:bodyStyle>
-      <a:defPPr lvl="0" marR="0" rtl="0" algn="l">
+      <a:defPPr marR="0" lvl="0" algn="l" rtl="0">
         <a:lnSpc>
           <a:spcPct val="100000"/>
         </a:lnSpc>
@@ -5584,7 +6224,7 @@
           <a:spcPts val="0"/>
         </a:spcAft>
       </a:defPPr>
-      <a:lvl1pPr lvl="0" marR="0" rtl="0" algn="l">
+      <a:lvl1pPr marR="0" lvl="0" algn="l" rtl="0">
         <a:lnSpc>
           <a:spcPct val="100000"/>
         </a:lnSpc>
@@ -5598,7 +6238,7 @@
           <a:srgbClr val="000000"/>
         </a:buClr>
         <a:buFont typeface="Arial"/>
-        <a:defRPr b="0" i="0" sz="1400" u="none" cap="none" strike="noStrike">
+        <a:defRPr sz="1400" b="0" i="0" u="none" strike="noStrike" cap="none">
           <a:solidFill>
             <a:srgbClr val="000000"/>
           </a:solidFill>
@@ -5608,7 +6248,7 @@
           <a:sym typeface="Arial"/>
         </a:defRPr>
       </a:lvl1pPr>
-      <a:lvl2pPr lvl="1" marR="0" rtl="0" algn="l">
+      <a:lvl2pPr marR="0" lvl="1" algn="l" rtl="0">
         <a:lnSpc>
           <a:spcPct val="100000"/>
         </a:lnSpc>
@@ -5622,7 +6262,7 @@
           <a:srgbClr val="000000"/>
         </a:buClr>
         <a:buFont typeface="Arial"/>
-        <a:defRPr b="0" i="0" sz="1400" u="none" cap="none" strike="noStrike">
+        <a:defRPr sz="1400" b="0" i="0" u="none" strike="noStrike" cap="none">
           <a:solidFill>
             <a:srgbClr val="000000"/>
           </a:solidFill>
@@ -5632,7 +6272,7 @@
           <a:sym typeface="Arial"/>
         </a:defRPr>
       </a:lvl2pPr>
-      <a:lvl3pPr lvl="2" marR="0" rtl="0" algn="l">
+      <a:lvl3pPr marR="0" lvl="2" algn="l" rtl="0">
         <a:lnSpc>
           <a:spcPct val="100000"/>
         </a:lnSpc>
@@ -5646,7 +6286,7 @@
           <a:srgbClr val="000000"/>
         </a:buClr>
         <a:buFont typeface="Arial"/>
-        <a:defRPr b="0" i="0" sz="1400" u="none" cap="none" strike="noStrike">
+        <a:defRPr sz="1400" b="0" i="0" u="none" strike="noStrike" cap="none">
           <a:solidFill>
             <a:srgbClr val="000000"/>
           </a:solidFill>
@@ -5656,7 +6296,7 @@
           <a:sym typeface="Arial"/>
         </a:defRPr>
       </a:lvl3pPr>
-      <a:lvl4pPr lvl="3" marR="0" rtl="0" algn="l">
+      <a:lvl4pPr marR="0" lvl="3" algn="l" rtl="0">
         <a:lnSpc>
           <a:spcPct val="100000"/>
         </a:lnSpc>
@@ -5670,7 +6310,7 @@
           <a:srgbClr val="000000"/>
         </a:buClr>
         <a:buFont typeface="Arial"/>
-        <a:defRPr b="0" i="0" sz="1400" u="none" cap="none" strike="noStrike">
+        <a:defRPr sz="1400" b="0" i="0" u="none" strike="noStrike" cap="none">
           <a:solidFill>
             <a:srgbClr val="000000"/>
           </a:solidFill>
@@ -5680,7 +6320,7 @@
           <a:sym typeface="Arial"/>
         </a:defRPr>
       </a:lvl4pPr>
-      <a:lvl5pPr lvl="4" marR="0" rtl="0" algn="l">
+      <a:lvl5pPr marR="0" lvl="4" algn="l" rtl="0">
         <a:lnSpc>
           <a:spcPct val="100000"/>
         </a:lnSpc>
@@ -5694,7 +6334,7 @@
           <a:srgbClr val="000000"/>
         </a:buClr>
         <a:buFont typeface="Arial"/>
-        <a:defRPr b="0" i="0" sz="1400" u="none" cap="none" strike="noStrike">
+        <a:defRPr sz="1400" b="0" i="0" u="none" strike="noStrike" cap="none">
           <a:solidFill>
             <a:srgbClr val="000000"/>
           </a:solidFill>
@@ -5704,7 +6344,7 @@
           <a:sym typeface="Arial"/>
         </a:defRPr>
       </a:lvl5pPr>
-      <a:lvl6pPr lvl="5" marR="0" rtl="0" algn="l">
+      <a:lvl6pPr marR="0" lvl="5" algn="l" rtl="0">
         <a:lnSpc>
           <a:spcPct val="100000"/>
         </a:lnSpc>
@@ -5718,7 +6358,7 @@
           <a:srgbClr val="000000"/>
         </a:buClr>
         <a:buFont typeface="Arial"/>
-        <a:defRPr b="0" i="0" sz="1400" u="none" cap="none" strike="noStrike">
+        <a:defRPr sz="1400" b="0" i="0" u="none" strike="noStrike" cap="none">
           <a:solidFill>
             <a:srgbClr val="000000"/>
           </a:solidFill>
@@ -5728,7 +6368,7 @@
           <a:sym typeface="Arial"/>
         </a:defRPr>
       </a:lvl6pPr>
-      <a:lvl7pPr lvl="6" marR="0" rtl="0" algn="l">
+      <a:lvl7pPr marR="0" lvl="6" algn="l" rtl="0">
         <a:lnSpc>
           <a:spcPct val="100000"/>
         </a:lnSpc>
@@ -5742,7 +6382,7 @@
           <a:srgbClr val="000000"/>
         </a:buClr>
         <a:buFont typeface="Arial"/>
-        <a:defRPr b="0" i="0" sz="1400" u="none" cap="none" strike="noStrike">
+        <a:defRPr sz="1400" b="0" i="0" u="none" strike="noStrike" cap="none">
           <a:solidFill>
             <a:srgbClr val="000000"/>
           </a:solidFill>
@@ -5752,7 +6392,7 @@
           <a:sym typeface="Arial"/>
         </a:defRPr>
       </a:lvl7pPr>
-      <a:lvl8pPr lvl="7" marR="0" rtl="0" algn="l">
+      <a:lvl8pPr marR="0" lvl="7" algn="l" rtl="0">
         <a:lnSpc>
           <a:spcPct val="100000"/>
         </a:lnSpc>
@@ -5766,7 +6406,7 @@
           <a:srgbClr val="000000"/>
         </a:buClr>
         <a:buFont typeface="Arial"/>
-        <a:defRPr b="0" i="0" sz="1400" u="none" cap="none" strike="noStrike">
+        <a:defRPr sz="1400" b="0" i="0" u="none" strike="noStrike" cap="none">
           <a:solidFill>
             <a:srgbClr val="000000"/>
           </a:solidFill>
@@ -5776,7 +6416,7 @@
           <a:sym typeface="Arial"/>
         </a:defRPr>
       </a:lvl8pPr>
-      <a:lvl9pPr lvl="8" marR="0" rtl="0" algn="l">
+      <a:lvl9pPr marR="0" lvl="8" algn="l" rtl="0">
         <a:lnSpc>
           <a:spcPct val="100000"/>
         </a:lnSpc>
@@ -5790,7 +6430,7 @@
           <a:srgbClr val="000000"/>
         </a:buClr>
         <a:buFont typeface="Arial"/>
-        <a:defRPr b="0" i="0" sz="1400" u="none" cap="none" strike="noStrike">
+        <a:defRPr sz="1400" b="0" i="0" u="none" strike="noStrike" cap="none">
           <a:solidFill>
             <a:srgbClr val="000000"/>
           </a:solidFill>
@@ -5802,7 +6442,7 @@
       </a:lvl9pPr>
     </p:bodyStyle>
     <p:otherStyle>
-      <a:defPPr lvl="0" marR="0" rtl="0" algn="l">
+      <a:defPPr marR="0" lvl="0" algn="l" rtl="0">
         <a:lnSpc>
           <a:spcPct val="100000"/>
         </a:lnSpc>
@@ -5813,7 +6453,7 @@
           <a:spcPts val="0"/>
         </a:spcAft>
       </a:defPPr>
-      <a:lvl1pPr lvl="0" marR="0" rtl="0" algn="l">
+      <a:lvl1pPr marR="0" lvl="0" algn="l" rtl="0">
         <a:lnSpc>
           <a:spcPct val="100000"/>
         </a:lnSpc>
@@ -5827,7 +6467,7 @@
           <a:srgbClr val="000000"/>
         </a:buClr>
         <a:buFont typeface="Arial"/>
-        <a:defRPr b="0" i="0" sz="1400" u="none" cap="none" strike="noStrike">
+        <a:defRPr sz="1400" b="0" i="0" u="none" strike="noStrike" cap="none">
           <a:solidFill>
             <a:srgbClr val="000000"/>
           </a:solidFill>
@@ -5837,7 +6477,7 @@
           <a:sym typeface="Arial"/>
         </a:defRPr>
       </a:lvl1pPr>
-      <a:lvl2pPr lvl="1" marR="0" rtl="0" algn="l">
+      <a:lvl2pPr marR="0" lvl="1" algn="l" rtl="0">
         <a:lnSpc>
           <a:spcPct val="100000"/>
         </a:lnSpc>
@@ -5851,7 +6491,7 @@
           <a:srgbClr val="000000"/>
         </a:buClr>
         <a:buFont typeface="Arial"/>
-        <a:defRPr b="0" i="0" sz="1400" u="none" cap="none" strike="noStrike">
+        <a:defRPr sz="1400" b="0" i="0" u="none" strike="noStrike" cap="none">
           <a:solidFill>
             <a:srgbClr val="000000"/>
           </a:solidFill>
@@ -5861,7 +6501,7 @@
           <a:sym typeface="Arial"/>
         </a:defRPr>
       </a:lvl2pPr>
-      <a:lvl3pPr lvl="2" marR="0" rtl="0" algn="l">
+      <a:lvl3pPr marR="0" lvl="2" algn="l" rtl="0">
         <a:lnSpc>
           <a:spcPct val="100000"/>
         </a:lnSpc>
@@ -5875,7 +6515,7 @@
           <a:srgbClr val="000000"/>
         </a:buClr>
         <a:buFont typeface="Arial"/>
-        <a:defRPr b="0" i="0" sz="1400" u="none" cap="none" strike="noStrike">
+        <a:defRPr sz="1400" b="0" i="0" u="none" strike="noStrike" cap="none">
           <a:solidFill>
             <a:srgbClr val="000000"/>
           </a:solidFill>
@@ -5885,7 +6525,7 @@
           <a:sym typeface="Arial"/>
         </a:defRPr>
       </a:lvl3pPr>
-      <a:lvl4pPr lvl="3" marR="0" rtl="0" algn="l">
+      <a:lvl4pPr marR="0" lvl="3" algn="l" rtl="0">
         <a:lnSpc>
           <a:spcPct val="100000"/>
         </a:lnSpc>
@@ -5899,7 +6539,7 @@
           <a:srgbClr val="000000"/>
         </a:buClr>
         <a:buFont typeface="Arial"/>
-        <a:defRPr b="0" i="0" sz="1400" u="none" cap="none" strike="noStrike">
+        <a:defRPr sz="1400" b="0" i="0" u="none" strike="noStrike" cap="none">
           <a:solidFill>
             <a:srgbClr val="000000"/>
           </a:solidFill>
@@ -5909,7 +6549,7 @@
           <a:sym typeface="Arial"/>
         </a:defRPr>
       </a:lvl4pPr>
-      <a:lvl5pPr lvl="4" marR="0" rtl="0" algn="l">
+      <a:lvl5pPr marR="0" lvl="4" algn="l" rtl="0">
         <a:lnSpc>
           <a:spcPct val="100000"/>
         </a:lnSpc>
@@ -5923,7 +6563,7 @@
           <a:srgbClr val="000000"/>
         </a:buClr>
         <a:buFont typeface="Arial"/>
-        <a:defRPr b="0" i="0" sz="1400" u="none" cap="none" strike="noStrike">
+        <a:defRPr sz="1400" b="0" i="0" u="none" strike="noStrike" cap="none">
           <a:solidFill>
             <a:srgbClr val="000000"/>
           </a:solidFill>
@@ -5933,7 +6573,7 @@
           <a:sym typeface="Arial"/>
         </a:defRPr>
       </a:lvl5pPr>
-      <a:lvl6pPr lvl="5" marR="0" rtl="0" algn="l">
+      <a:lvl6pPr marR="0" lvl="5" algn="l" rtl="0">
         <a:lnSpc>
           <a:spcPct val="100000"/>
         </a:lnSpc>
@@ -5947,7 +6587,7 @@
           <a:srgbClr val="000000"/>
         </a:buClr>
         <a:buFont typeface="Arial"/>
-        <a:defRPr b="0" i="0" sz="1400" u="none" cap="none" strike="noStrike">
+        <a:defRPr sz="1400" b="0" i="0" u="none" strike="noStrike" cap="none">
           <a:solidFill>
             <a:srgbClr val="000000"/>
           </a:solidFill>
@@ -5957,7 +6597,7 @@
           <a:sym typeface="Arial"/>
         </a:defRPr>
       </a:lvl6pPr>
-      <a:lvl7pPr lvl="6" marR="0" rtl="0" algn="l">
+      <a:lvl7pPr marR="0" lvl="6" algn="l" rtl="0">
         <a:lnSpc>
           <a:spcPct val="100000"/>
         </a:lnSpc>
@@ -5971,7 +6611,7 @@
           <a:srgbClr val="000000"/>
         </a:buClr>
         <a:buFont typeface="Arial"/>
-        <a:defRPr b="0" i="0" sz="1400" u="none" cap="none" strike="noStrike">
+        <a:defRPr sz="1400" b="0" i="0" u="none" strike="noStrike" cap="none">
           <a:solidFill>
             <a:srgbClr val="000000"/>
           </a:solidFill>
@@ -5981,7 +6621,7 @@
           <a:sym typeface="Arial"/>
         </a:defRPr>
       </a:lvl7pPr>
-      <a:lvl8pPr lvl="7" marR="0" rtl="0" algn="l">
+      <a:lvl8pPr marR="0" lvl="7" algn="l" rtl="0">
         <a:lnSpc>
           <a:spcPct val="100000"/>
         </a:lnSpc>
@@ -5995,7 +6635,7 @@
           <a:srgbClr val="000000"/>
         </a:buClr>
         <a:buFont typeface="Arial"/>
-        <a:defRPr b="0" i="0" sz="1400" u="none" cap="none" strike="noStrike">
+        <a:defRPr sz="1400" b="0" i="0" u="none" strike="noStrike" cap="none">
           <a:solidFill>
             <a:srgbClr val="000000"/>
           </a:solidFill>
@@ -6005,7 +6645,7 @@
           <a:sym typeface="Arial"/>
         </a:defRPr>
       </a:lvl8pPr>
-      <a:lvl9pPr lvl="8" marR="0" rtl="0" algn="l">
+      <a:lvl9pPr marR="0" lvl="8" algn="l" rtl="0">
         <a:lnSpc>
           <a:spcPct val="100000"/>
         </a:lnSpc>
@@ -6019,7 +6659,7 @@
           <a:srgbClr val="000000"/>
         </a:buClr>
         <a:buFont typeface="Arial"/>
-        <a:defRPr b="0" i="0" sz="1400" u="none" cap="none" strike="noStrike">
+        <a:defRPr sz="1400" b="0" i="0" u="none" strike="noStrike" cap="none">
           <a:solidFill>
             <a:srgbClr val="000000"/>
           </a:solidFill>
@@ -6035,11 +6675,11 @@
 </file>
 
 <file path=ppt/slides/slide1.xml><?xml version="1.0" encoding="utf-8"?>
-<p:sld xmlns:a="http://schemas.openxmlformats.org/drawingml/2006/main" xmlns:r="http://schemas.openxmlformats.org/officeDocument/2006/relationships" xmlns:mc="http://schemas.openxmlformats.org/markup-compatibility/2006" xmlns:mv="urn:schemas-microsoft-com:mac:vml" xmlns:p="http://schemas.openxmlformats.org/presentationml/2006/main" xmlns:c="http://schemas.openxmlformats.org/drawingml/2006/chart" xmlns:dgm="http://schemas.openxmlformats.org/drawingml/2006/diagram" xmlns:o="urn:schemas-microsoft-com:office:office" xmlns:v="urn:schemas-microsoft-com:vml" xmlns:pvml="urn:schemas-microsoft-com:office:powerpoint" xmlns:com="http://schemas.openxmlformats.org/drawingml/2006/compatibility" xmlns:p14="http://schemas.microsoft.com/office/powerpoint/2010/main" xmlns:p15="http://schemas.microsoft.com/office/powerpoint/2012/main" xmlns:ahyp="http://schemas.microsoft.com/office/drawing/2018/hyperlinkcolor">
+<p:sld xmlns:a="http://schemas.openxmlformats.org/drawingml/2006/main" xmlns:r="http://schemas.openxmlformats.org/officeDocument/2006/relationships" xmlns:p="http://schemas.openxmlformats.org/presentationml/2006/main">
   <p:cSld>
     <p:spTree>
       <p:nvGrpSpPr>
-        <p:cNvPr id="53" name="Shape 53"/>
+        <p:cNvPr id="1" name="Shape 53"/>
         <p:cNvGrpSpPr/>
         <p:nvPr/>
       </p:nvGrpSpPr>
@@ -6054,14 +6694,16 @@
       <p:sp>
         <p:nvSpPr>
           <p:cNvPr id="54" name="Google Shape;54;p13"/>
-          <p:cNvSpPr txBox="1"/>
+          <p:cNvSpPr txBox="1">
+            <a:spLocks noGrp="1"/>
+          </p:cNvSpPr>
           <p:nvPr>
             <p:ph type="ctrTitle"/>
           </p:nvPr>
         </p:nvSpPr>
         <p:spPr>
           <a:xfrm>
-            <a:off x="311708" y="992767"/>
+            <a:off x="1835708" y="992767"/>
             <a:ext cx="8520600" cy="2736900"/>
           </a:xfrm>
           <a:prstGeom prst="rect">
@@ -6069,117 +6711,31 @@
           </a:prstGeom>
         </p:spPr>
         <p:txBody>
-          <a:bodyPr anchorCtr="0" anchor="b" bIns="91425" lIns="91425" spcFirstLastPara="1" rIns="91425" wrap="square" tIns="91425">
+          <a:bodyPr spcFirstLastPara="1" wrap="square" lIns="91425" tIns="91425" rIns="91425" bIns="91425" anchor="b" anchorCtr="0">
             <a:normAutofit/>
           </a:bodyPr>
           <a:lstStyle/>
           <a:p>
-            <a:pPr indent="0" lvl="0" marL="0" rtl="0" algn="ctr">
-              <a:spcBef>
-                <a:spcPts val="0"/>
-              </a:spcBef>
-              <a:spcAft>
-                <a:spcPts val="0"/>
-              </a:spcAft>
-              <a:buNone/>
-            </a:pPr>
             <a:r>
-              <a:rPr b="1" lang="en" sz="4700">
+              <a:rPr lang="en" sz="4700" b="1">
                 <a:solidFill>
                   <a:srgbClr val="274E13"/>
                 </a:solidFill>
               </a:rPr>
               <a:t>9. 파이썬 중급</a:t>
             </a:r>
-            <a:endParaRPr b="1" sz="4700">
+            <a:endParaRPr sz="4700" b="1">
               <a:solidFill>
                 <a:srgbClr val="274E13"/>
               </a:solidFill>
             </a:endParaRPr>
           </a:p>
           <a:p>
-            <a:pPr indent="0" lvl="0" marL="0" rtl="0" algn="ctr">
-              <a:spcBef>
-                <a:spcPts val="0"/>
-              </a:spcBef>
-              <a:spcAft>
-                <a:spcPts val="0"/>
-              </a:spcAft>
-              <a:buNone/>
-            </a:pPr>
             <a:r>
-              <a:rPr b="1" lang="en"/>
+              <a:rPr lang="en" b="1"/>
               <a:t> 모듈 </a:t>
             </a:r>
             <a:endParaRPr b="1"/>
-          </a:p>
-        </p:txBody>
-      </p:sp>
-      <p:sp>
-        <p:nvSpPr>
-          <p:cNvPr id="55" name="Google Shape;55;p13"/>
-          <p:cNvSpPr txBox="1"/>
-          <p:nvPr>
-            <p:ph idx="1" type="subTitle"/>
-          </p:nvPr>
-        </p:nvSpPr>
-        <p:spPr>
-          <a:xfrm>
-            <a:off x="311700" y="3778833"/>
-            <a:ext cx="8520600" cy="1056900"/>
-          </a:xfrm>
-          <a:prstGeom prst="rect">
-            <a:avLst/>
-          </a:prstGeom>
-        </p:spPr>
-        <p:txBody>
-          <a:bodyPr anchorCtr="0" anchor="t" bIns="91425" lIns="91425" spcFirstLastPara="1" rIns="91425" wrap="square" tIns="91425">
-            <a:normAutofit/>
-          </a:bodyPr>
-          <a:lstStyle/>
-          <a:p>
-            <a:pPr indent="0" lvl="0" marL="0" rtl="0" algn="ctr">
-              <a:spcBef>
-                <a:spcPts val="0"/>
-              </a:spcBef>
-              <a:spcAft>
-                <a:spcPts val="0"/>
-              </a:spcAft>
-              <a:buClr>
-                <a:schemeClr val="dk1"/>
-              </a:buClr>
-              <a:buSzPts val="1100"/>
-              <a:buFont typeface="Arial"/>
-              <a:buNone/>
-            </a:pPr>
-            <a:r>
-              <a:rPr b="1" lang="en">
-                <a:solidFill>
-                  <a:srgbClr val="0000FF"/>
-                </a:solidFill>
-              </a:rPr>
-              <a:t>JD Edu</a:t>
-            </a:r>
-            <a:endParaRPr b="1">
-              <a:solidFill>
-                <a:srgbClr val="0000FF"/>
-              </a:solidFill>
-            </a:endParaRPr>
-          </a:p>
-          <a:p>
-            <a:pPr indent="0" lvl="0" marL="0" rtl="0" algn="ctr">
-              <a:spcBef>
-                <a:spcPts val="0"/>
-              </a:spcBef>
-              <a:spcAft>
-                <a:spcPts val="0"/>
-              </a:spcAft>
-              <a:buNone/>
-            </a:pPr>
-            <a:r>
-              <a:t/>
-            </a:r>
-            <a:endParaRPr/>
           </a:p>
         </p:txBody>
       </p:sp>
@@ -6192,11 +6748,11 @@
 </file>
 
 <file path=ppt/slides/slide2.xml><?xml version="1.0" encoding="utf-8"?>
-<p:sld xmlns:a="http://schemas.openxmlformats.org/drawingml/2006/main" xmlns:r="http://schemas.openxmlformats.org/officeDocument/2006/relationships" xmlns:mc="http://schemas.openxmlformats.org/markup-compatibility/2006" xmlns:mv="urn:schemas-microsoft-com:mac:vml" xmlns:p="http://schemas.openxmlformats.org/presentationml/2006/main" xmlns:c="http://schemas.openxmlformats.org/drawingml/2006/chart" xmlns:dgm="http://schemas.openxmlformats.org/drawingml/2006/diagram" xmlns:o="urn:schemas-microsoft-com:office:office" xmlns:v="urn:schemas-microsoft-com:vml" xmlns:pvml="urn:schemas-microsoft-com:office:powerpoint" xmlns:com="http://schemas.openxmlformats.org/drawingml/2006/compatibility" xmlns:p14="http://schemas.microsoft.com/office/powerpoint/2010/main" xmlns:p15="http://schemas.microsoft.com/office/powerpoint/2012/main" xmlns:ahyp="http://schemas.microsoft.com/office/drawing/2018/hyperlinkcolor">
+<p:sld xmlns:a="http://schemas.openxmlformats.org/drawingml/2006/main" xmlns:r="http://schemas.openxmlformats.org/officeDocument/2006/relationships" xmlns:p="http://schemas.openxmlformats.org/presentationml/2006/main">
   <p:cSld>
     <p:spTree>
       <p:nvGrpSpPr>
-        <p:cNvPr id="59" name="Shape 59"/>
+        <p:cNvPr id="1" name="Shape 59"/>
         <p:cNvGrpSpPr/>
         <p:nvPr/>
       </p:nvGrpSpPr>
@@ -6211,14 +6767,16 @@
       <p:sp>
         <p:nvSpPr>
           <p:cNvPr id="60" name="Google Shape;60;p14"/>
-          <p:cNvSpPr txBox="1"/>
+          <p:cNvSpPr txBox="1">
+            <a:spLocks noGrp="1"/>
+          </p:cNvSpPr>
           <p:nvPr>
             <p:ph type="title"/>
           </p:nvPr>
         </p:nvSpPr>
         <p:spPr>
           <a:xfrm>
-            <a:off x="311700" y="593367"/>
+            <a:off x="1835700" y="593367"/>
             <a:ext cx="8520600" cy="763500"/>
           </a:xfrm>
           <a:prstGeom prst="rect">
@@ -6226,22 +6784,13 @@
           </a:prstGeom>
         </p:spPr>
         <p:txBody>
-          <a:bodyPr anchorCtr="0" anchor="t" bIns="91425" lIns="91425" spcFirstLastPara="1" rIns="91425" wrap="square" tIns="91425">
+          <a:bodyPr spcFirstLastPara="1" wrap="square" lIns="91425" tIns="91425" rIns="91425" bIns="91425" anchor="t" anchorCtr="0">
             <a:normAutofit/>
           </a:bodyPr>
           <a:lstStyle/>
           <a:p>
-            <a:pPr indent="0" lvl="0" marL="0" rtl="0" algn="l">
-              <a:spcBef>
-                <a:spcPts val="0"/>
-              </a:spcBef>
-              <a:spcAft>
-                <a:spcPts val="0"/>
-              </a:spcAft>
-              <a:buNone/>
-            </a:pPr>
             <a:r>
-              <a:rPr b="1" lang="en"/>
+              <a:rPr lang="en" b="1"/>
               <a:t>파이썬에서 모듈이란 무엇인가?  </a:t>
             </a:r>
             <a:endParaRPr b="1"/>
@@ -6251,14 +6800,16 @@
       <p:sp>
         <p:nvSpPr>
           <p:cNvPr id="61" name="Google Shape;61;p14"/>
-          <p:cNvSpPr txBox="1"/>
+          <p:cNvSpPr txBox="1">
+            <a:spLocks noGrp="1"/>
+          </p:cNvSpPr>
           <p:nvPr>
-            <p:ph idx="1" type="body"/>
+            <p:ph type="body" idx="1"/>
           </p:nvPr>
         </p:nvSpPr>
         <p:spPr>
           <a:xfrm>
-            <a:off x="311700" y="1536629"/>
+            <a:off x="1835700" y="1536629"/>
             <a:ext cx="8520600" cy="2151600"/>
           </a:xfrm>
           <a:prstGeom prst="rect">
@@ -6266,21 +6817,11 @@
           </a:prstGeom>
         </p:spPr>
         <p:txBody>
-          <a:bodyPr anchorCtr="0" anchor="t" bIns="91425" lIns="91425" spcFirstLastPara="1" rIns="91425" wrap="square" tIns="91425">
+          <a:bodyPr spcFirstLastPara="1" wrap="square" lIns="91425" tIns="91425" rIns="91425" bIns="91425" anchor="t" anchorCtr="0">
             <a:normAutofit/>
           </a:bodyPr>
           <a:lstStyle/>
           <a:p>
-            <a:pPr indent="-342900" lvl="0" marL="457200" rtl="0" algn="l">
-              <a:spcBef>
-                <a:spcPts val="0"/>
-              </a:spcBef>
-              <a:spcAft>
-                <a:spcPts val="0"/>
-              </a:spcAft>
-              <a:buSzPts val="1800"/>
-              <a:buChar char="●"/>
-            </a:pPr>
             <a:r>
               <a:rPr lang="en"/>
               <a:t>모듈은 변수, 함수, 클래스 등을 하나의 별도의 파일(***.py)로 만들어 놓은 것 입니다. </a:t>
@@ -6288,16 +6829,6 @@
             <a:endParaRPr/>
           </a:p>
           <a:p>
-            <a:pPr indent="-342900" lvl="0" marL="457200" rtl="0" algn="l">
-              <a:spcBef>
-                <a:spcPts val="0"/>
-              </a:spcBef>
-              <a:spcAft>
-                <a:spcPts val="0"/>
-              </a:spcAft>
-              <a:buSzPts val="1800"/>
-              <a:buChar char="●"/>
-            </a:pPr>
             <a:r>
               <a:rPr lang="en"/>
               <a:t>파이썬 프로그래밍에서는  많은 모듈을 사용하게 됩니다. 내가 만든 모듈도 있고, 다른 사람이 만든 모듈도 있습니다. </a:t>
@@ -6305,16 +6836,6 @@
             <a:endParaRPr/>
           </a:p>
           <a:p>
-            <a:pPr indent="-342900" lvl="0" marL="457200" rtl="0" algn="l">
-              <a:spcBef>
-                <a:spcPts val="0"/>
-              </a:spcBef>
-              <a:spcAft>
-                <a:spcPts val="0"/>
-              </a:spcAft>
-              <a:buSzPts val="1800"/>
-              <a:buChar char="●"/>
-            </a:pPr>
             <a:r>
               <a:rPr lang="en"/>
               <a:t>우리가 직접 모듈을 만들어 사용할 수도 있습니다.  </a:t>
@@ -6339,7 +6860,7 @@
         </p:blipFill>
         <p:spPr>
           <a:xfrm>
-            <a:off x="5098350" y="3688227"/>
+            <a:off x="6622351" y="3688228"/>
             <a:ext cx="1173275" cy="1173275"/>
           </a:xfrm>
           <a:prstGeom prst="rect">
@@ -6367,7 +6888,7 @@
         </p:blipFill>
         <p:spPr>
           <a:xfrm>
-            <a:off x="1358575" y="3984529"/>
+            <a:off x="2882576" y="3984530"/>
             <a:ext cx="2143125" cy="2143125"/>
           </a:xfrm>
           <a:prstGeom prst="rect">
@@ -6395,7 +6916,7 @@
         </p:blipFill>
         <p:spPr>
           <a:xfrm>
-            <a:off x="5115350" y="5208827"/>
+            <a:off x="6639351" y="5208828"/>
             <a:ext cx="1173275" cy="1173275"/>
           </a:xfrm>
           <a:prstGeom prst="rect">
@@ -6415,7 +6936,7 @@
         </p:nvSpPr>
         <p:spPr>
           <a:xfrm>
-            <a:off x="1708125" y="6161150"/>
+            <a:off x="3232125" y="6161150"/>
             <a:ext cx="4894800" cy="400200"/>
           </a:xfrm>
           <a:prstGeom prst="rect">
@@ -6427,20 +6948,11 @@
           </a:ln>
         </p:spPr>
         <p:txBody>
-          <a:bodyPr anchorCtr="0" anchor="t" bIns="91425" lIns="91425" spcFirstLastPara="1" rIns="91425" wrap="square" tIns="91425">
+          <a:bodyPr spcFirstLastPara="1" wrap="square" lIns="91425" tIns="91425" rIns="91425" bIns="91425" anchor="t" anchorCtr="0">
             <a:spAutoFit/>
           </a:bodyPr>
           <a:lstStyle/>
           <a:p>
-            <a:pPr indent="0" lvl="0" marL="0" rtl="0" algn="l">
-              <a:spcBef>
-                <a:spcPts val="0"/>
-              </a:spcBef>
-              <a:spcAft>
-                <a:spcPts val="0"/>
-              </a:spcAft>
-              <a:buNone/>
-            </a:pPr>
             <a:r>
               <a:rPr lang="en"/>
               <a:t>my_python_file.py</a:t>
@@ -6459,21 +6971,21 @@
         </p:nvCxnSpPr>
         <p:spPr>
           <a:xfrm flipH="1">
-            <a:off x="3501700" y="4274892"/>
+            <a:off x="5025700" y="4274892"/>
             <a:ext cx="1596600" cy="781200"/>
           </a:xfrm>
           <a:prstGeom prst="straightConnector1">
             <a:avLst/>
           </a:prstGeom>
           <a:noFill/>
-          <a:ln cap="flat" cmpd="sng" w="28575">
+          <a:ln w="28575" cap="flat" cmpd="sng">
             <a:solidFill>
               <a:srgbClr val="4A86E8"/>
             </a:solidFill>
             <a:prstDash val="solid"/>
             <a:round/>
-            <a:headEnd len="med" w="med" type="none"/>
-            <a:tailEnd len="med" w="med" type="triangle"/>
+            <a:headEnd type="none" w="med" len="med"/>
+            <a:tailEnd type="triangle" w="med" len="med"/>
           </a:ln>
         </p:spPr>
       </p:cxnSp>
@@ -6487,21 +6999,21 @@
         </p:nvCxnSpPr>
         <p:spPr>
           <a:xfrm rot="10800000">
-            <a:off x="3518150" y="5285764"/>
+            <a:off x="5042150" y="5285764"/>
             <a:ext cx="1597200" cy="509700"/>
           </a:xfrm>
           <a:prstGeom prst="straightConnector1">
             <a:avLst/>
           </a:prstGeom>
           <a:noFill/>
-          <a:ln cap="flat" cmpd="sng" w="28575">
+          <a:ln w="28575" cap="flat" cmpd="sng">
             <a:solidFill>
               <a:srgbClr val="4A86E8"/>
             </a:solidFill>
             <a:prstDash val="solid"/>
             <a:round/>
-            <a:headEnd len="med" w="med" type="none"/>
-            <a:tailEnd len="med" w="med" type="triangle"/>
+            <a:headEnd type="none" w="med" len="med"/>
+            <a:tailEnd type="triangle" w="med" len="med"/>
           </a:ln>
         </p:spPr>
       </p:cxnSp>
@@ -6513,7 +7025,7 @@
         </p:nvSpPr>
         <p:spPr>
           <a:xfrm>
-            <a:off x="3178300" y="3781675"/>
+            <a:off x="4702300" y="3781675"/>
             <a:ext cx="2143200" cy="400200"/>
           </a:xfrm>
           <a:prstGeom prst="rect">
@@ -6525,20 +7037,11 @@
           </a:ln>
         </p:spPr>
         <p:txBody>
-          <a:bodyPr anchorCtr="0" anchor="t" bIns="91425" lIns="91425" spcFirstLastPara="1" rIns="91425" wrap="square" tIns="91425">
+          <a:bodyPr spcFirstLastPara="1" wrap="square" lIns="91425" tIns="91425" rIns="91425" bIns="91425" anchor="t" anchorCtr="0">
             <a:spAutoFit/>
           </a:bodyPr>
           <a:lstStyle/>
           <a:p>
-            <a:pPr indent="0" lvl="0" marL="0" rtl="0" algn="l">
-              <a:spcBef>
-                <a:spcPts val="0"/>
-              </a:spcBef>
-              <a:spcAft>
-                <a:spcPts val="0"/>
-              </a:spcAft>
-              <a:buNone/>
-            </a:pPr>
             <a:r>
               <a:rPr lang="en"/>
               <a:t>import my_module </a:t>
@@ -6555,7 +7058,7 @@
         </p:nvSpPr>
         <p:spPr>
           <a:xfrm>
-            <a:off x="3288200" y="5760950"/>
+            <a:off x="4812200" y="5760950"/>
             <a:ext cx="2143200" cy="400200"/>
           </a:xfrm>
           <a:prstGeom prst="rect">
@@ -6567,20 +7070,11 @@
           </a:ln>
         </p:spPr>
         <p:txBody>
-          <a:bodyPr anchorCtr="0" anchor="t" bIns="91425" lIns="91425" spcFirstLastPara="1" rIns="91425" wrap="square" tIns="91425">
+          <a:bodyPr spcFirstLastPara="1" wrap="square" lIns="91425" tIns="91425" rIns="91425" bIns="91425" anchor="t" anchorCtr="0">
             <a:spAutoFit/>
           </a:bodyPr>
           <a:lstStyle/>
           <a:p>
-            <a:pPr indent="0" lvl="0" marL="0" rtl="0" algn="l">
-              <a:spcBef>
-                <a:spcPts val="0"/>
-              </a:spcBef>
-              <a:spcAft>
-                <a:spcPts val="0"/>
-              </a:spcAft>
-              <a:buNone/>
-            </a:pPr>
             <a:r>
               <a:rPr lang="en"/>
               <a:t>import other_module </a:t>
@@ -6597,7 +7091,7 @@
         </p:nvSpPr>
         <p:spPr>
           <a:xfrm>
-            <a:off x="6271675" y="4074763"/>
+            <a:off x="7795675" y="4074763"/>
             <a:ext cx="2143200" cy="400200"/>
           </a:xfrm>
           <a:prstGeom prst="rect">
@@ -6609,20 +7103,11 @@
           </a:ln>
         </p:spPr>
         <p:txBody>
-          <a:bodyPr anchorCtr="0" anchor="t" bIns="91425" lIns="91425" spcFirstLastPara="1" rIns="91425" wrap="square" tIns="91425">
+          <a:bodyPr spcFirstLastPara="1" wrap="square" lIns="91425" tIns="91425" rIns="91425" bIns="91425" anchor="t" anchorCtr="0">
             <a:spAutoFit/>
           </a:bodyPr>
           <a:lstStyle/>
           <a:p>
-            <a:pPr indent="0" lvl="0" marL="0" rtl="0" algn="l">
-              <a:spcBef>
-                <a:spcPts val="0"/>
-              </a:spcBef>
-              <a:spcAft>
-                <a:spcPts val="0"/>
-              </a:spcAft>
-              <a:buNone/>
-            </a:pPr>
             <a:r>
               <a:rPr lang="en"/>
               <a:t>my_module .py</a:t>
@@ -6639,7 +7124,7 @@
         </p:nvSpPr>
         <p:spPr>
           <a:xfrm>
-            <a:off x="6271675" y="5547925"/>
+            <a:off x="7795675" y="5547925"/>
             <a:ext cx="2143200" cy="400200"/>
           </a:xfrm>
           <a:prstGeom prst="rect">
@@ -6651,20 +7136,11 @@
           </a:ln>
         </p:spPr>
         <p:txBody>
-          <a:bodyPr anchorCtr="0" anchor="t" bIns="91425" lIns="91425" spcFirstLastPara="1" rIns="91425" wrap="square" tIns="91425">
+          <a:bodyPr spcFirstLastPara="1" wrap="square" lIns="91425" tIns="91425" rIns="91425" bIns="91425" anchor="t" anchorCtr="0">
             <a:spAutoFit/>
           </a:bodyPr>
           <a:lstStyle/>
           <a:p>
-            <a:pPr indent="0" lvl="0" marL="0" rtl="0" algn="l">
-              <a:spcBef>
-                <a:spcPts val="0"/>
-              </a:spcBef>
-              <a:spcAft>
-                <a:spcPts val="0"/>
-              </a:spcAft>
-              <a:buNone/>
-            </a:pPr>
             <a:r>
               <a:rPr lang="en"/>
               <a:t>other_module.py </a:t>
@@ -6682,11 +7158,11 @@
 </file>
 
 <file path=ppt/slides/slide3.xml><?xml version="1.0" encoding="utf-8"?>
-<p:sld xmlns:a="http://schemas.openxmlformats.org/drawingml/2006/main" xmlns:r="http://schemas.openxmlformats.org/officeDocument/2006/relationships" xmlns:mc="http://schemas.openxmlformats.org/markup-compatibility/2006" xmlns:mv="urn:schemas-microsoft-com:mac:vml" xmlns:p="http://schemas.openxmlformats.org/presentationml/2006/main" xmlns:c="http://schemas.openxmlformats.org/drawingml/2006/chart" xmlns:dgm="http://schemas.openxmlformats.org/drawingml/2006/diagram" xmlns:o="urn:schemas-microsoft-com:office:office" xmlns:v="urn:schemas-microsoft-com:vml" xmlns:pvml="urn:schemas-microsoft-com:office:powerpoint" xmlns:com="http://schemas.openxmlformats.org/drawingml/2006/compatibility" xmlns:p14="http://schemas.microsoft.com/office/powerpoint/2010/main" xmlns:p15="http://schemas.microsoft.com/office/powerpoint/2012/main" xmlns:ahyp="http://schemas.microsoft.com/office/drawing/2018/hyperlinkcolor">
+<p:sld xmlns:a="http://schemas.openxmlformats.org/drawingml/2006/main" xmlns:r="http://schemas.openxmlformats.org/officeDocument/2006/relationships" xmlns:p="http://schemas.openxmlformats.org/presentationml/2006/main">
   <p:cSld>
     <p:spTree>
       <p:nvGrpSpPr>
-        <p:cNvPr id="75" name="Shape 75"/>
+        <p:cNvPr id="1" name="Shape 75"/>
         <p:cNvGrpSpPr/>
         <p:nvPr/>
       </p:nvGrpSpPr>
@@ -6701,14 +7177,16 @@
       <p:sp>
         <p:nvSpPr>
           <p:cNvPr id="76" name="Google Shape;76;p15"/>
-          <p:cNvSpPr txBox="1"/>
+          <p:cNvSpPr txBox="1">
+            <a:spLocks noGrp="1"/>
+          </p:cNvSpPr>
           <p:nvPr>
             <p:ph type="title"/>
           </p:nvPr>
         </p:nvSpPr>
         <p:spPr>
           <a:xfrm>
-            <a:off x="311700" y="593367"/>
+            <a:off x="1835700" y="593367"/>
             <a:ext cx="8520600" cy="763500"/>
           </a:xfrm>
           <a:prstGeom prst="rect">
@@ -6716,22 +7194,13 @@
           </a:prstGeom>
         </p:spPr>
         <p:txBody>
-          <a:bodyPr anchorCtr="0" anchor="t" bIns="91425" lIns="91425" spcFirstLastPara="1" rIns="91425" wrap="square" tIns="91425">
+          <a:bodyPr spcFirstLastPara="1" wrap="square" lIns="91425" tIns="91425" rIns="91425" bIns="91425" anchor="t" anchorCtr="0">
             <a:normAutofit/>
           </a:bodyPr>
           <a:lstStyle/>
           <a:p>
-            <a:pPr indent="0" lvl="0" marL="0" rtl="0" algn="l">
-              <a:spcBef>
-                <a:spcPts val="0"/>
-              </a:spcBef>
-              <a:spcAft>
-                <a:spcPts val="0"/>
-              </a:spcAft>
-              <a:buNone/>
-            </a:pPr>
             <a:r>
-              <a:rPr b="1" lang="en"/>
+              <a:rPr lang="en" b="1"/>
               <a:t>모듈 만들어 보기 </a:t>
             </a:r>
             <a:endParaRPr b="1"/>
@@ -6741,14 +7210,16 @@
       <p:sp>
         <p:nvSpPr>
           <p:cNvPr id="77" name="Google Shape;77;p15"/>
-          <p:cNvSpPr txBox="1"/>
+          <p:cNvSpPr txBox="1">
+            <a:spLocks noGrp="1"/>
+          </p:cNvSpPr>
           <p:nvPr>
-            <p:ph idx="1" type="body"/>
+            <p:ph type="body" idx="1"/>
           </p:nvPr>
         </p:nvSpPr>
         <p:spPr>
           <a:xfrm>
-            <a:off x="311700" y="1536621"/>
+            <a:off x="1835700" y="1536621"/>
             <a:ext cx="8520600" cy="763500"/>
           </a:xfrm>
           <a:prstGeom prst="rect">
@@ -6756,21 +7227,11 @@
           </a:prstGeom>
         </p:spPr>
         <p:txBody>
-          <a:bodyPr anchorCtr="0" anchor="t" bIns="91425" lIns="91425" spcFirstLastPara="1" rIns="91425" wrap="square" tIns="91425">
+          <a:bodyPr spcFirstLastPara="1" wrap="square" lIns="91425" tIns="91425" rIns="91425" bIns="91425" anchor="t" anchorCtr="0">
             <a:normAutofit lnSpcReduction="10000"/>
           </a:bodyPr>
           <a:lstStyle/>
           <a:p>
-            <a:pPr indent="-342900" lvl="0" marL="457200" rtl="0" algn="l">
-              <a:spcBef>
-                <a:spcPts val="0"/>
-              </a:spcBef>
-              <a:spcAft>
-                <a:spcPts val="0"/>
-              </a:spcAft>
-              <a:buSzPts val="1800"/>
-              <a:buChar char="●"/>
-            </a:pPr>
             <a:r>
               <a:rPr lang="en"/>
               <a:t>먼저 모듈을 만들어 봅시다. 두 숫자를 사칙연산하는 모듈을 만들었습니다.</a:t>
@@ -6778,16 +7239,6 @@
             <a:endParaRPr/>
           </a:p>
           <a:p>
-            <a:pPr indent="-342900" lvl="0" marL="457200" rtl="0" algn="l">
-              <a:spcBef>
-                <a:spcPts val="0"/>
-              </a:spcBef>
-              <a:spcAft>
-                <a:spcPts val="0"/>
-              </a:spcAft>
-              <a:buSzPts val="1800"/>
-              <a:buChar char="●"/>
-            </a:pPr>
             <a:r>
               <a:rPr lang="en"/>
               <a:t>이 파일을 사용자 폴더에 저장합니다.   </a:t>
@@ -6812,7 +7263,7 @@
         </p:blipFill>
         <p:spPr>
           <a:xfrm>
-            <a:off x="517825" y="2681121"/>
+            <a:off x="2041826" y="2681121"/>
             <a:ext cx="2981325" cy="3124200"/>
           </a:xfrm>
           <a:prstGeom prst="rect">
@@ -6833,11 +7284,11 @@
 </file>
 
 <file path=ppt/slides/slide4.xml><?xml version="1.0" encoding="utf-8"?>
-<p:sld xmlns:a="http://schemas.openxmlformats.org/drawingml/2006/main" xmlns:r="http://schemas.openxmlformats.org/officeDocument/2006/relationships" xmlns:mc="http://schemas.openxmlformats.org/markup-compatibility/2006" xmlns:mv="urn:schemas-microsoft-com:mac:vml" xmlns:p="http://schemas.openxmlformats.org/presentationml/2006/main" xmlns:c="http://schemas.openxmlformats.org/drawingml/2006/chart" xmlns:dgm="http://schemas.openxmlformats.org/drawingml/2006/diagram" xmlns:o="urn:schemas-microsoft-com:office:office" xmlns:v="urn:schemas-microsoft-com:vml" xmlns:pvml="urn:schemas-microsoft-com:office:powerpoint" xmlns:com="http://schemas.openxmlformats.org/drawingml/2006/compatibility" xmlns:p14="http://schemas.microsoft.com/office/powerpoint/2010/main" xmlns:p15="http://schemas.microsoft.com/office/powerpoint/2012/main" xmlns:ahyp="http://schemas.microsoft.com/office/drawing/2018/hyperlinkcolor">
+<p:sld xmlns:a="http://schemas.openxmlformats.org/drawingml/2006/main" xmlns:r="http://schemas.openxmlformats.org/officeDocument/2006/relationships" xmlns:p="http://schemas.openxmlformats.org/presentationml/2006/main">
   <p:cSld>
     <p:spTree>
       <p:nvGrpSpPr>
-        <p:cNvPr id="82" name="Shape 82"/>
+        <p:cNvPr id="1" name="Shape 82"/>
         <p:cNvGrpSpPr/>
         <p:nvPr/>
       </p:nvGrpSpPr>
@@ -6852,14 +7303,16 @@
       <p:sp>
         <p:nvSpPr>
           <p:cNvPr id="83" name="Google Shape;83;p16"/>
-          <p:cNvSpPr txBox="1"/>
+          <p:cNvSpPr txBox="1">
+            <a:spLocks noGrp="1"/>
+          </p:cNvSpPr>
           <p:nvPr>
             <p:ph type="title"/>
           </p:nvPr>
         </p:nvSpPr>
         <p:spPr>
           <a:xfrm>
-            <a:off x="311700" y="593367"/>
+            <a:off x="1835700" y="593367"/>
             <a:ext cx="8520600" cy="763500"/>
           </a:xfrm>
           <a:prstGeom prst="rect">
@@ -6867,22 +7320,13 @@
           </a:prstGeom>
         </p:spPr>
         <p:txBody>
-          <a:bodyPr anchorCtr="0" anchor="t" bIns="91425" lIns="91425" spcFirstLastPara="1" rIns="91425" wrap="square" tIns="91425">
+          <a:bodyPr spcFirstLastPara="1" wrap="square" lIns="91425" tIns="91425" rIns="91425" bIns="91425" anchor="t" anchorCtr="0">
             <a:normAutofit/>
           </a:bodyPr>
           <a:lstStyle/>
           <a:p>
-            <a:pPr indent="0" lvl="0" marL="0" rtl="0" algn="l">
-              <a:spcBef>
-                <a:spcPts val="0"/>
-              </a:spcBef>
-              <a:spcAft>
-                <a:spcPts val="0"/>
-              </a:spcAft>
-              <a:buNone/>
-            </a:pPr>
             <a:r>
-              <a:rPr b="1" lang="en"/>
+              <a:rPr lang="en" b="1"/>
               <a:t>모듈 불러서 사용해 보기 </a:t>
             </a:r>
             <a:endParaRPr b="1"/>
@@ -6892,14 +7336,16 @@
       <p:sp>
         <p:nvSpPr>
           <p:cNvPr id="84" name="Google Shape;84;p16"/>
-          <p:cNvSpPr txBox="1"/>
+          <p:cNvSpPr txBox="1">
+            <a:spLocks noGrp="1"/>
+          </p:cNvSpPr>
           <p:nvPr>
-            <p:ph idx="1" type="body"/>
+            <p:ph type="body" idx="1"/>
           </p:nvPr>
         </p:nvSpPr>
         <p:spPr>
           <a:xfrm>
-            <a:off x="311700" y="1536628"/>
+            <a:off x="1835700" y="1536628"/>
             <a:ext cx="8520600" cy="4471500"/>
           </a:xfrm>
           <a:prstGeom prst="rect">
@@ -6907,21 +7353,11 @@
           </a:prstGeom>
         </p:spPr>
         <p:txBody>
-          <a:bodyPr anchorCtr="0" anchor="t" bIns="91425" lIns="91425" spcFirstLastPara="1" rIns="91425" wrap="square" tIns="91425">
-            <a:normAutofit lnSpcReduction="10000"/>
+          <a:bodyPr spcFirstLastPara="1" wrap="square" lIns="91425" tIns="91425" rIns="91425" bIns="91425" anchor="t" anchorCtr="0">
+            <a:normAutofit/>
           </a:bodyPr>
           <a:lstStyle/>
           <a:p>
-            <a:pPr indent="-342900" lvl="0" marL="457200" rtl="0" algn="l">
-              <a:spcBef>
-                <a:spcPts val="0"/>
-              </a:spcBef>
-              <a:spcAft>
-                <a:spcPts val="0"/>
-              </a:spcAft>
-              <a:buSzPts val="1800"/>
-              <a:buChar char="●"/>
-            </a:pPr>
             <a:r>
               <a:rPr lang="en"/>
               <a:t>먼저 만들고 저장한 my_calc.py를 먼저 파이썬 쉘에서 사용해 봅시다. 파이썬 쉘은 꼭 my_calc.py를 저장한 폴더에서 열어야 합니다. </a:t>
@@ -6929,17 +7365,14 @@
             <a:endParaRPr/>
           </a:p>
           <a:p>
-            <a:pPr indent="0" lvl="0" marL="457200" rtl="0" algn="l">
+            <a:pPr indent="0">
               <a:spcBef>
                 <a:spcPts val="1200"/>
               </a:spcBef>
-              <a:spcAft>
-                <a:spcPts val="0"/>
-              </a:spcAft>
               <a:buNone/>
             </a:pPr>
             <a:r>
-              <a:rPr b="1" lang="en">
+              <a:rPr lang="en" b="1">
                 <a:solidFill>
                   <a:srgbClr val="0000FF"/>
                 </a:solidFill>
@@ -6953,17 +7386,14 @@
             </a:endParaRPr>
           </a:p>
           <a:p>
-            <a:pPr indent="0" lvl="0" marL="457200" rtl="0" algn="l">
+            <a:pPr indent="0">
               <a:spcBef>
                 <a:spcPts val="1200"/>
               </a:spcBef>
-              <a:spcAft>
-                <a:spcPts val="0"/>
-              </a:spcAft>
               <a:buNone/>
             </a:pPr>
             <a:r>
-              <a:rPr b="1" lang="en">
+              <a:rPr lang="en" b="1">
                 <a:solidFill>
                   <a:srgbClr val="0000FF"/>
                 </a:solidFill>
@@ -6977,17 +7407,14 @@
             </a:endParaRPr>
           </a:p>
           <a:p>
-            <a:pPr indent="0" lvl="0" marL="457200" rtl="0" algn="l">
+            <a:pPr indent="0">
               <a:spcBef>
                 <a:spcPts val="1200"/>
               </a:spcBef>
-              <a:spcAft>
-                <a:spcPts val="0"/>
-              </a:spcAft>
               <a:buNone/>
             </a:pPr>
             <a:r>
-              <a:rPr b="1" lang="en">
+              <a:rPr lang="en" b="1">
                 <a:solidFill>
                   <a:srgbClr val="0000FF"/>
                 </a:solidFill>
@@ -7001,17 +7428,14 @@
             </a:endParaRPr>
           </a:p>
           <a:p>
-            <a:pPr indent="0" lvl="0" marL="457200" rtl="0" algn="l">
+            <a:pPr indent="0">
               <a:spcBef>
                 <a:spcPts val="1200"/>
               </a:spcBef>
-              <a:spcAft>
-                <a:spcPts val="0"/>
-              </a:spcAft>
               <a:buNone/>
             </a:pPr>
             <a:r>
-              <a:rPr b="1" lang="en">
+              <a:rPr lang="en" b="1">
                 <a:solidFill>
                   <a:srgbClr val="0000FF"/>
                 </a:solidFill>
@@ -7025,17 +7449,14 @@
             </a:endParaRPr>
           </a:p>
           <a:p>
-            <a:pPr indent="0" lvl="0" marL="457200" rtl="0" algn="l">
+            <a:pPr indent="0">
               <a:spcBef>
                 <a:spcPts val="1200"/>
               </a:spcBef>
-              <a:spcAft>
-                <a:spcPts val="0"/>
-              </a:spcAft>
               <a:buNone/>
             </a:pPr>
             <a:r>
-              <a:rPr b="1" lang="en">
+              <a:rPr lang="en" b="1">
                 <a:solidFill>
                   <a:srgbClr val="0000FF"/>
                 </a:solidFill>
@@ -7049,18 +7470,13 @@
             </a:endParaRPr>
           </a:p>
           <a:p>
-            <a:pPr indent="-342900" lvl="0" marL="457200" rtl="0" algn="l">
+            <a:pPr>
               <a:spcBef>
                 <a:spcPts val="1200"/>
               </a:spcBef>
-              <a:spcAft>
-                <a:spcPts val="0"/>
-              </a:spcAft>
               <a:buClr>
                 <a:schemeClr val="dk1"/>
               </a:buClr>
-              <a:buSzPts val="1800"/>
-              <a:buChar char="●"/>
             </a:pPr>
             <a:r>
               <a:rPr lang="en">
@@ -7077,13 +7493,10 @@
             </a:endParaRPr>
           </a:p>
           <a:p>
-            <a:pPr indent="0" lvl="0" marL="0" rtl="0" algn="l">
+            <a:pPr marL="0" indent="0">
               <a:spcBef>
                 <a:spcPts val="1200"/>
               </a:spcBef>
-              <a:spcAft>
-                <a:spcPts val="0"/>
-              </a:spcAft>
               <a:buNone/>
             </a:pPr>
             <a:r>
@@ -7095,7 +7508,7 @@
               <a:t>	</a:t>
             </a:r>
             <a:r>
-              <a:rPr b="1" lang="en">
+              <a:rPr lang="en" b="1">
                 <a:solidFill>
                   <a:srgbClr val="0000FF"/>
                 </a:solidFill>
@@ -7117,7 +7530,7 @@
             </a:endParaRPr>
           </a:p>
           <a:p>
-            <a:pPr indent="0" lvl="0" marL="0" rtl="0" algn="l">
+            <a:pPr marL="0" indent="0">
               <a:spcBef>
                 <a:spcPts val="1200"/>
               </a:spcBef>
@@ -7126,9 +7539,6 @@
               </a:spcAft>
               <a:buNone/>
             </a:pPr>
-            <a:r>
-              <a:t/>
-            </a:r>
             <a:endParaRPr>
               <a:solidFill>
                 <a:schemeClr val="dk1"/>
@@ -7146,11 +7556,11 @@
 </file>
 
 <file path=ppt/slides/slide5.xml><?xml version="1.0" encoding="utf-8"?>
-<p:sld xmlns:a="http://schemas.openxmlformats.org/drawingml/2006/main" xmlns:r="http://schemas.openxmlformats.org/officeDocument/2006/relationships" xmlns:mc="http://schemas.openxmlformats.org/markup-compatibility/2006" xmlns:mv="urn:schemas-microsoft-com:mac:vml" xmlns:p="http://schemas.openxmlformats.org/presentationml/2006/main" xmlns:c="http://schemas.openxmlformats.org/drawingml/2006/chart" xmlns:dgm="http://schemas.openxmlformats.org/drawingml/2006/diagram" xmlns:o="urn:schemas-microsoft-com:office:office" xmlns:v="urn:schemas-microsoft-com:vml" xmlns:pvml="urn:schemas-microsoft-com:office:powerpoint" xmlns:com="http://schemas.openxmlformats.org/drawingml/2006/compatibility" xmlns:p14="http://schemas.microsoft.com/office/powerpoint/2010/main" xmlns:p15="http://schemas.microsoft.com/office/powerpoint/2012/main" xmlns:ahyp="http://schemas.microsoft.com/office/drawing/2018/hyperlinkcolor">
+<p:sld xmlns:a="http://schemas.openxmlformats.org/drawingml/2006/main" xmlns:r="http://schemas.openxmlformats.org/officeDocument/2006/relationships" xmlns:p="http://schemas.openxmlformats.org/presentationml/2006/main">
   <p:cSld>
     <p:spTree>
       <p:nvGrpSpPr>
-        <p:cNvPr id="88" name="Shape 88"/>
+        <p:cNvPr id="1" name="Shape 88"/>
         <p:cNvGrpSpPr/>
         <p:nvPr/>
       </p:nvGrpSpPr>
@@ -7165,14 +7575,16 @@
       <p:sp>
         <p:nvSpPr>
           <p:cNvPr id="89" name="Google Shape;89;p17"/>
-          <p:cNvSpPr txBox="1"/>
+          <p:cNvSpPr txBox="1">
+            <a:spLocks noGrp="1"/>
+          </p:cNvSpPr>
           <p:nvPr>
             <p:ph type="title"/>
           </p:nvPr>
         </p:nvSpPr>
         <p:spPr>
           <a:xfrm>
-            <a:off x="311700" y="593367"/>
+            <a:off x="1835700" y="593367"/>
             <a:ext cx="8520600" cy="763500"/>
           </a:xfrm>
           <a:prstGeom prst="rect">
@@ -7180,22 +7592,13 @@
           </a:prstGeom>
         </p:spPr>
         <p:txBody>
-          <a:bodyPr anchorCtr="0" anchor="t" bIns="91425" lIns="91425" spcFirstLastPara="1" rIns="91425" wrap="square" tIns="91425">
+          <a:bodyPr spcFirstLastPara="1" wrap="square" lIns="91425" tIns="91425" rIns="91425" bIns="91425" anchor="t" anchorCtr="0">
             <a:normAutofit/>
           </a:bodyPr>
           <a:lstStyle/>
           <a:p>
-            <a:pPr indent="0" lvl="0" marL="0" rtl="0" algn="l">
-              <a:spcBef>
-                <a:spcPts val="0"/>
-              </a:spcBef>
-              <a:spcAft>
-                <a:spcPts val="0"/>
-              </a:spcAft>
-              <a:buNone/>
-            </a:pPr>
             <a:r>
-              <a:rPr b="1" lang="en"/>
+              <a:rPr lang="en" b="1"/>
               <a:t>모듈을 불러오는 여러 방법 </a:t>
             </a:r>
             <a:endParaRPr b="1"/>
@@ -7205,14 +7608,16 @@
       <p:sp>
         <p:nvSpPr>
           <p:cNvPr id="90" name="Google Shape;90;p17"/>
-          <p:cNvSpPr txBox="1"/>
+          <p:cNvSpPr txBox="1">
+            <a:spLocks noGrp="1"/>
+          </p:cNvSpPr>
           <p:nvPr>
-            <p:ph idx="1" type="body"/>
+            <p:ph type="body" idx="1"/>
           </p:nvPr>
         </p:nvSpPr>
         <p:spPr>
           <a:xfrm>
-            <a:off x="311700" y="1536633"/>
+            <a:off x="1835700" y="1536633"/>
             <a:ext cx="8520600" cy="4555200"/>
           </a:xfrm>
           <a:prstGeom prst="rect">
@@ -7220,21 +7625,11 @@
           </a:prstGeom>
         </p:spPr>
         <p:txBody>
-          <a:bodyPr anchorCtr="0" anchor="t" bIns="91425" lIns="91425" spcFirstLastPara="1" rIns="91425" wrap="square" tIns="91425">
+          <a:bodyPr spcFirstLastPara="1" wrap="square" lIns="91425" tIns="91425" rIns="91425" bIns="91425" anchor="t" anchorCtr="0">
             <a:normAutofit/>
           </a:bodyPr>
           <a:lstStyle/>
           <a:p>
-            <a:pPr indent="-342900" lvl="0" marL="457200" rtl="0" algn="l">
-              <a:spcBef>
-                <a:spcPts val="0"/>
-              </a:spcBef>
-              <a:spcAft>
-                <a:spcPts val="0"/>
-              </a:spcAft>
-              <a:buSzPts val="1800"/>
-              <a:buChar char="●"/>
-            </a:pPr>
             <a:r>
               <a:rPr lang="en"/>
               <a:t>모듈을 불러오는 몇가지 방법이 있습니다. </a:t>
@@ -7242,16 +7637,6 @@
             <a:endParaRPr/>
           </a:p>
           <a:p>
-            <a:pPr indent="-342900" lvl="0" marL="457200" rtl="0" algn="l">
-              <a:spcBef>
-                <a:spcPts val="0"/>
-              </a:spcBef>
-              <a:spcAft>
-                <a:spcPts val="0"/>
-              </a:spcAft>
-              <a:buSzPts val="1800"/>
-              <a:buChar char="●"/>
-            </a:pPr>
             <a:r>
               <a:rPr lang="en"/>
               <a:t>아까 설명한 import를 사용하는 방법 </a:t>
@@ -7259,13 +7644,10 @@
             <a:endParaRPr/>
           </a:p>
           <a:p>
-            <a:pPr indent="0" lvl="0" marL="0" rtl="0" algn="l">
+            <a:pPr marL="0" indent="0">
               <a:spcBef>
                 <a:spcPts val="1200"/>
               </a:spcBef>
-              <a:spcAft>
-                <a:spcPts val="0"/>
-              </a:spcAft>
               <a:buNone/>
             </a:pPr>
             <a:r>
@@ -7273,7 +7655,7 @@
               <a:t>	</a:t>
             </a:r>
             <a:r>
-              <a:rPr b="1" lang="en">
+              <a:rPr lang="en" b="1">
                 <a:solidFill>
                   <a:srgbClr val="0000FF"/>
                 </a:solidFill>
@@ -7287,17 +7669,14 @@
             </a:endParaRPr>
           </a:p>
           <a:p>
-            <a:pPr indent="0" lvl="0" marL="0" rtl="0" algn="l">
+            <a:pPr marL="0" indent="0">
               <a:spcBef>
                 <a:spcPts val="1200"/>
               </a:spcBef>
-              <a:spcAft>
-                <a:spcPts val="0"/>
-              </a:spcAft>
               <a:buNone/>
             </a:pPr>
             <a:r>
-              <a:rPr b="1" lang="en">
+              <a:rPr lang="en" b="1">
                 <a:solidFill>
                   <a:srgbClr val="0000FF"/>
                 </a:solidFill>
@@ -7311,17 +7690,14 @@
             </a:endParaRPr>
           </a:p>
           <a:p>
-            <a:pPr indent="0" lvl="0" marL="0" rtl="0" algn="l">
+            <a:pPr marL="0" indent="0">
               <a:spcBef>
                 <a:spcPts val="1200"/>
               </a:spcBef>
-              <a:spcAft>
-                <a:spcPts val="0"/>
-              </a:spcAft>
               <a:buNone/>
             </a:pPr>
             <a:r>
-              <a:rPr b="1" lang="en">
+              <a:rPr lang="en" b="1">
                 <a:solidFill>
                   <a:srgbClr val="0000FF"/>
                 </a:solidFill>
@@ -7335,15 +7711,10 @@
             </a:endParaRPr>
           </a:p>
           <a:p>
-            <a:pPr indent="-342900" lvl="0" marL="457200" rtl="0" algn="l">
+            <a:pPr>
               <a:spcBef>
                 <a:spcPts val="1200"/>
               </a:spcBef>
-              <a:spcAft>
-                <a:spcPts val="0"/>
-              </a:spcAft>
-              <a:buSzPts val="1800"/>
-              <a:buChar char="●"/>
             </a:pPr>
             <a:r>
               <a:rPr lang="en"/>
@@ -7352,13 +7723,10 @@
             <a:endParaRPr/>
           </a:p>
           <a:p>
-            <a:pPr indent="0" lvl="0" marL="0" rtl="0" algn="l">
+            <a:pPr marL="0" indent="0">
               <a:spcBef>
                 <a:spcPts val="1200"/>
               </a:spcBef>
-              <a:spcAft>
-                <a:spcPts val="0"/>
-              </a:spcAft>
               <a:buNone/>
             </a:pPr>
             <a:r>
@@ -7366,7 +7734,7 @@
               <a:t>	</a:t>
             </a:r>
             <a:r>
-              <a:rPr b="1" lang="en">
+              <a:rPr lang="en" b="1">
                 <a:solidFill>
                   <a:srgbClr val="0000FF"/>
                 </a:solidFill>
@@ -7380,17 +7748,14 @@
             </a:endParaRPr>
           </a:p>
           <a:p>
-            <a:pPr indent="0" lvl="0" marL="0" rtl="0" algn="l">
+            <a:pPr marL="0" indent="0">
               <a:spcBef>
                 <a:spcPts val="1200"/>
               </a:spcBef>
-              <a:spcAft>
-                <a:spcPts val="0"/>
-              </a:spcAft>
               <a:buNone/>
             </a:pPr>
             <a:r>
-              <a:rPr b="1" lang="en">
+              <a:rPr lang="en" b="1">
                 <a:solidFill>
                   <a:srgbClr val="0000FF"/>
                 </a:solidFill>
@@ -7404,17 +7769,14 @@
             </a:endParaRPr>
           </a:p>
           <a:p>
-            <a:pPr indent="0" lvl="0" marL="0" rtl="0" algn="l">
+            <a:pPr marL="0" indent="0">
               <a:spcBef>
                 <a:spcPts val="1200"/>
               </a:spcBef>
-              <a:spcAft>
-                <a:spcPts val="0"/>
-              </a:spcAft>
               <a:buNone/>
             </a:pPr>
             <a:r>
-              <a:rPr b="1" lang="en">
+              <a:rPr lang="en" b="1">
                 <a:solidFill>
                   <a:srgbClr val="0000FF"/>
                 </a:solidFill>
@@ -7428,7 +7790,7 @@
             </a:endParaRPr>
           </a:p>
           <a:p>
-            <a:pPr indent="0" lvl="0" marL="0" rtl="0" algn="l">
+            <a:pPr marL="0" indent="0">
               <a:spcBef>
                 <a:spcPts val="1200"/>
               </a:spcBef>
@@ -7437,9 +7799,6 @@
               </a:spcAft>
               <a:buNone/>
             </a:pPr>
-            <a:r>
-              <a:t/>
-            </a:r>
             <a:endParaRPr/>
           </a:p>
         </p:txBody>
@@ -7453,11 +7812,11 @@
 </file>
 
 <file path=ppt/slides/slide6.xml><?xml version="1.0" encoding="utf-8"?>
-<p:sld xmlns:a="http://schemas.openxmlformats.org/drawingml/2006/main" xmlns:r="http://schemas.openxmlformats.org/officeDocument/2006/relationships" xmlns:mc="http://schemas.openxmlformats.org/markup-compatibility/2006" xmlns:mv="urn:schemas-microsoft-com:mac:vml" xmlns:p="http://schemas.openxmlformats.org/presentationml/2006/main" xmlns:c="http://schemas.openxmlformats.org/drawingml/2006/chart" xmlns:dgm="http://schemas.openxmlformats.org/drawingml/2006/diagram" xmlns:o="urn:schemas-microsoft-com:office:office" xmlns:v="urn:schemas-microsoft-com:vml" xmlns:pvml="urn:schemas-microsoft-com:office:powerpoint" xmlns:com="http://schemas.openxmlformats.org/drawingml/2006/compatibility" xmlns:p14="http://schemas.microsoft.com/office/powerpoint/2010/main" xmlns:p15="http://schemas.microsoft.com/office/powerpoint/2012/main" xmlns:ahyp="http://schemas.microsoft.com/office/drawing/2018/hyperlinkcolor">
+<p:sld xmlns:a="http://schemas.openxmlformats.org/drawingml/2006/main" xmlns:r="http://schemas.openxmlformats.org/officeDocument/2006/relationships" xmlns:p="http://schemas.openxmlformats.org/presentationml/2006/main">
   <p:cSld>
     <p:spTree>
       <p:nvGrpSpPr>
-        <p:cNvPr id="94" name="Shape 94"/>
+        <p:cNvPr id="1" name="Shape 94"/>
         <p:cNvGrpSpPr/>
         <p:nvPr/>
       </p:nvGrpSpPr>
@@ -7472,14 +7831,16 @@
       <p:sp>
         <p:nvSpPr>
           <p:cNvPr id="95" name="Google Shape;95;p18"/>
-          <p:cNvSpPr txBox="1"/>
+          <p:cNvSpPr txBox="1">
+            <a:spLocks noGrp="1"/>
+          </p:cNvSpPr>
           <p:nvPr>
             <p:ph type="title"/>
           </p:nvPr>
         </p:nvSpPr>
         <p:spPr>
           <a:xfrm>
-            <a:off x="311700" y="593367"/>
+            <a:off x="1835700" y="593367"/>
             <a:ext cx="8520600" cy="763500"/>
           </a:xfrm>
           <a:prstGeom prst="rect">
@@ -7487,22 +7848,13 @@
           </a:prstGeom>
         </p:spPr>
         <p:txBody>
-          <a:bodyPr anchorCtr="0" anchor="t" bIns="91425" lIns="91425" spcFirstLastPara="1" rIns="91425" wrap="square" tIns="91425">
+          <a:bodyPr spcFirstLastPara="1" wrap="square" lIns="91425" tIns="91425" rIns="91425" bIns="91425" anchor="t" anchorCtr="0">
             <a:normAutofit/>
           </a:bodyPr>
           <a:lstStyle/>
           <a:p>
-            <a:pPr indent="0" lvl="0" marL="0" rtl="0" algn="l">
-              <a:spcBef>
-                <a:spcPts val="0"/>
-              </a:spcBef>
-              <a:spcAft>
-                <a:spcPts val="0"/>
-              </a:spcAft>
-              <a:buNone/>
-            </a:pPr>
             <a:r>
-              <a:rPr b="1" lang="en"/>
+              <a:rPr lang="en" b="1"/>
               <a:t>from … import  사용하기  </a:t>
             </a:r>
             <a:endParaRPr b="1"/>
@@ -7512,14 +7864,16 @@
       <p:sp>
         <p:nvSpPr>
           <p:cNvPr id="96" name="Google Shape;96;p18"/>
-          <p:cNvSpPr txBox="1"/>
+          <p:cNvSpPr txBox="1">
+            <a:spLocks noGrp="1"/>
+          </p:cNvSpPr>
           <p:nvPr>
-            <p:ph idx="1" type="body"/>
+            <p:ph type="body" idx="1"/>
           </p:nvPr>
         </p:nvSpPr>
         <p:spPr>
           <a:xfrm>
-            <a:off x="311700" y="1536624"/>
+            <a:off x="1835700" y="1536624"/>
             <a:ext cx="8520600" cy="5262000"/>
           </a:xfrm>
           <a:prstGeom prst="rect">
@@ -7527,21 +7881,11 @@
           </a:prstGeom>
         </p:spPr>
         <p:txBody>
-          <a:bodyPr anchorCtr="0" anchor="t" bIns="91425" lIns="91425" spcFirstLastPara="1" rIns="91425" wrap="square" tIns="91425">
+          <a:bodyPr spcFirstLastPara="1" wrap="square" lIns="91425" tIns="91425" rIns="91425" bIns="91425" anchor="t" anchorCtr="0">
             <a:normAutofit/>
           </a:bodyPr>
           <a:lstStyle/>
           <a:p>
-            <a:pPr indent="-342900" lvl="0" marL="457200" rtl="0" algn="l">
-              <a:spcBef>
-                <a:spcPts val="0"/>
-              </a:spcBef>
-              <a:spcAft>
-                <a:spcPts val="0"/>
-              </a:spcAft>
-              <a:buSzPts val="1800"/>
-              <a:buChar char="●"/>
-            </a:pPr>
             <a:r>
               <a:rPr lang="en"/>
               <a:t>from - import 명령으로 몇개의 함수만 가져올 수 있습니다. </a:t>
@@ -7549,17 +7893,14 @@
             <a:endParaRPr/>
           </a:p>
           <a:p>
-            <a:pPr indent="0" lvl="0" marL="457200" rtl="0" algn="l">
+            <a:pPr indent="0">
               <a:spcBef>
                 <a:spcPts val="1200"/>
               </a:spcBef>
-              <a:spcAft>
-                <a:spcPts val="0"/>
-              </a:spcAft>
               <a:buNone/>
             </a:pPr>
             <a:r>
-              <a:rPr b="1" lang="en">
+              <a:rPr lang="en" b="1">
                 <a:solidFill>
                   <a:srgbClr val="0000FF"/>
                 </a:solidFill>
@@ -7573,17 +7914,14 @@
             </a:endParaRPr>
           </a:p>
           <a:p>
-            <a:pPr indent="0" lvl="0" marL="457200" rtl="0" algn="l">
+            <a:pPr indent="0">
               <a:spcBef>
                 <a:spcPts val="1200"/>
               </a:spcBef>
-              <a:spcAft>
-                <a:spcPts val="0"/>
-              </a:spcAft>
               <a:buNone/>
             </a:pPr>
             <a:r>
-              <a:rPr b="1" lang="en">
+              <a:rPr lang="en" b="1">
                 <a:solidFill>
                   <a:srgbClr val="0000FF"/>
                 </a:solidFill>
@@ -7597,17 +7935,14 @@
             </a:endParaRPr>
           </a:p>
           <a:p>
-            <a:pPr indent="0" lvl="0" marL="457200" rtl="0" algn="l">
+            <a:pPr indent="0">
               <a:spcBef>
                 <a:spcPts val="1200"/>
               </a:spcBef>
-              <a:spcAft>
-                <a:spcPts val="0"/>
-              </a:spcAft>
               <a:buNone/>
             </a:pPr>
             <a:r>
-              <a:rPr b="1" lang="en">
+              <a:rPr lang="en" b="1">
                 <a:solidFill>
                   <a:srgbClr val="0000FF"/>
                 </a:solidFill>
@@ -7621,15 +7956,10 @@
             </a:endParaRPr>
           </a:p>
           <a:p>
-            <a:pPr indent="-342900" lvl="0" marL="457200" rtl="0" algn="l">
+            <a:pPr>
               <a:spcBef>
                 <a:spcPts val="1200"/>
               </a:spcBef>
-              <a:spcAft>
-                <a:spcPts val="0"/>
-              </a:spcAft>
-              <a:buSzPts val="1800"/>
-              <a:buChar char="●"/>
             </a:pPr>
             <a:r>
               <a:rPr lang="en"/>
@@ -7638,17 +7968,14 @@
             <a:endParaRPr/>
           </a:p>
           <a:p>
-            <a:pPr indent="0" lvl="0" marL="457200" rtl="0" algn="l">
+            <a:pPr indent="0">
               <a:spcBef>
                 <a:spcPts val="1200"/>
               </a:spcBef>
-              <a:spcAft>
-                <a:spcPts val="0"/>
-              </a:spcAft>
               <a:buNone/>
             </a:pPr>
             <a:r>
-              <a:rPr b="1" lang="en">
+              <a:rPr lang="en" b="1">
                 <a:solidFill>
                   <a:srgbClr val="0000FF"/>
                 </a:solidFill>
@@ -7662,17 +7989,14 @@
             </a:endParaRPr>
           </a:p>
           <a:p>
-            <a:pPr indent="0" lvl="0" marL="457200" rtl="0" algn="l">
+            <a:pPr indent="0">
               <a:spcBef>
                 <a:spcPts val="1200"/>
               </a:spcBef>
-              <a:spcAft>
-                <a:spcPts val="0"/>
-              </a:spcAft>
               <a:buNone/>
             </a:pPr>
             <a:r>
-              <a:rPr b="1" lang="en">
+              <a:rPr lang="en" b="1">
                 <a:solidFill>
                   <a:srgbClr val="0000FF"/>
                 </a:solidFill>
@@ -7686,17 +8010,14 @@
             </a:endParaRPr>
           </a:p>
           <a:p>
-            <a:pPr indent="0" lvl="0" marL="457200" rtl="0" algn="l">
+            <a:pPr indent="0">
               <a:spcBef>
                 <a:spcPts val="1200"/>
               </a:spcBef>
-              <a:spcAft>
-                <a:spcPts val="0"/>
-              </a:spcAft>
               <a:buNone/>
             </a:pPr>
             <a:r>
-              <a:rPr b="1" lang="en">
+              <a:rPr lang="en" b="1">
                 <a:solidFill>
                   <a:srgbClr val="0000FF"/>
                 </a:solidFill>
@@ -7710,17 +8031,14 @@
             </a:endParaRPr>
           </a:p>
           <a:p>
-            <a:pPr indent="0" lvl="0" marL="457200" rtl="0" algn="l">
+            <a:pPr indent="0">
               <a:spcBef>
                 <a:spcPts val="1200"/>
               </a:spcBef>
-              <a:spcAft>
-                <a:spcPts val="0"/>
-              </a:spcAft>
               <a:buNone/>
             </a:pPr>
             <a:r>
-              <a:rPr b="1" lang="en">
+              <a:rPr lang="en" b="1">
                 <a:solidFill>
                   <a:srgbClr val="0000FF"/>
                 </a:solidFill>
@@ -7734,7 +8052,7 @@
             </a:endParaRPr>
           </a:p>
           <a:p>
-            <a:pPr indent="0" lvl="0" marL="457200" rtl="0" algn="l">
+            <a:pPr indent="0">
               <a:spcBef>
                 <a:spcPts val="1200"/>
               </a:spcBef>
@@ -7744,7 +8062,7 @@
               <a:buNone/>
             </a:pPr>
             <a:r>
-              <a:rPr b="1" lang="en">
+              <a:rPr lang="en" b="1">
                 <a:solidFill>
                   <a:srgbClr val="0000FF"/>
                 </a:solidFill>
@@ -7768,11 +8086,11 @@
 </file>
 
 <file path=ppt/slides/slide7.xml><?xml version="1.0" encoding="utf-8"?>
-<p:sld xmlns:a="http://schemas.openxmlformats.org/drawingml/2006/main" xmlns:r="http://schemas.openxmlformats.org/officeDocument/2006/relationships" xmlns:mc="http://schemas.openxmlformats.org/markup-compatibility/2006" xmlns:mv="urn:schemas-microsoft-com:mac:vml" xmlns:p="http://schemas.openxmlformats.org/presentationml/2006/main" xmlns:c="http://schemas.openxmlformats.org/drawingml/2006/chart" xmlns:dgm="http://schemas.openxmlformats.org/drawingml/2006/diagram" xmlns:o="urn:schemas-microsoft-com:office:office" xmlns:v="urn:schemas-microsoft-com:vml" xmlns:pvml="urn:schemas-microsoft-com:office:powerpoint" xmlns:com="http://schemas.openxmlformats.org/drawingml/2006/compatibility" xmlns:p14="http://schemas.microsoft.com/office/powerpoint/2010/main" xmlns:p15="http://schemas.microsoft.com/office/powerpoint/2012/main" xmlns:ahyp="http://schemas.microsoft.com/office/drawing/2018/hyperlinkcolor">
+<p:sld xmlns:a="http://schemas.openxmlformats.org/drawingml/2006/main" xmlns:r="http://schemas.openxmlformats.org/officeDocument/2006/relationships" xmlns:p="http://schemas.openxmlformats.org/presentationml/2006/main">
   <p:cSld>
     <p:spTree>
       <p:nvGrpSpPr>
-        <p:cNvPr id="100" name="Shape 100"/>
+        <p:cNvPr id="1" name="Shape 100"/>
         <p:cNvGrpSpPr/>
         <p:nvPr/>
       </p:nvGrpSpPr>
@@ -7787,14 +8105,16 @@
       <p:sp>
         <p:nvSpPr>
           <p:cNvPr id="101" name="Google Shape;101;p19"/>
-          <p:cNvSpPr txBox="1"/>
+          <p:cNvSpPr txBox="1">
+            <a:spLocks noGrp="1"/>
+          </p:cNvSpPr>
           <p:nvPr>
             <p:ph type="title"/>
           </p:nvPr>
         </p:nvSpPr>
         <p:spPr>
           <a:xfrm>
-            <a:off x="311700" y="593367"/>
+            <a:off x="1835700" y="593367"/>
             <a:ext cx="8520600" cy="763500"/>
           </a:xfrm>
           <a:prstGeom prst="rect">
@@ -7802,22 +8122,13 @@
           </a:prstGeom>
         </p:spPr>
         <p:txBody>
-          <a:bodyPr anchorCtr="0" anchor="t" bIns="91425" lIns="91425" spcFirstLastPara="1" rIns="91425" wrap="square" tIns="91425">
+          <a:bodyPr spcFirstLastPara="1" wrap="square" lIns="91425" tIns="91425" rIns="91425" bIns="91425" anchor="t" anchorCtr="0">
             <a:normAutofit/>
           </a:bodyPr>
           <a:lstStyle/>
           <a:p>
-            <a:pPr indent="0" lvl="0" marL="0" rtl="0" algn="l">
-              <a:spcBef>
-                <a:spcPts val="0"/>
-              </a:spcBef>
-              <a:spcAft>
-                <a:spcPts val="0"/>
-              </a:spcAft>
-              <a:buNone/>
-            </a:pPr>
             <a:r>
-              <a:rPr b="1" lang="en"/>
+              <a:rPr lang="en" b="1"/>
               <a:t>If __name__ == “ __main__” 이란? </a:t>
             </a:r>
             <a:endParaRPr b="1"/>
@@ -7827,14 +8138,16 @@
       <p:sp>
         <p:nvSpPr>
           <p:cNvPr id="102" name="Google Shape;102;p19"/>
-          <p:cNvSpPr txBox="1"/>
+          <p:cNvSpPr txBox="1">
+            <a:spLocks noGrp="1"/>
+          </p:cNvSpPr>
           <p:nvPr>
-            <p:ph idx="1" type="body"/>
+            <p:ph type="body" idx="1"/>
           </p:nvPr>
         </p:nvSpPr>
         <p:spPr>
           <a:xfrm>
-            <a:off x="311700" y="1536625"/>
+            <a:off x="1835700" y="1536625"/>
             <a:ext cx="5286000" cy="4555200"/>
           </a:xfrm>
           <a:prstGeom prst="rect">
@@ -7842,21 +8155,11 @@
           </a:prstGeom>
         </p:spPr>
         <p:txBody>
-          <a:bodyPr anchorCtr="0" anchor="t" bIns="91425" lIns="91425" spcFirstLastPara="1" rIns="91425" wrap="square" tIns="91425">
+          <a:bodyPr spcFirstLastPara="1" wrap="square" lIns="91425" tIns="91425" rIns="91425" bIns="91425" anchor="t" anchorCtr="0">
             <a:normAutofit/>
           </a:bodyPr>
           <a:lstStyle/>
           <a:p>
-            <a:pPr indent="-342900" lvl="0" marL="457200" rtl="0" algn="l">
-              <a:spcBef>
-                <a:spcPts val="0"/>
-              </a:spcBef>
-              <a:spcAft>
-                <a:spcPts val="0"/>
-              </a:spcAft>
-              <a:buSzPts val="1800"/>
-              <a:buChar char="●"/>
-            </a:pPr>
             <a:r>
               <a:rPr lang="en"/>
               <a:t>모듈에 다음과 같은 코드가 있은 경우가 있음 </a:t>
@@ -7864,13 +8167,10 @@
             <a:endParaRPr/>
           </a:p>
           <a:p>
-            <a:pPr indent="0" lvl="0" marL="0" rtl="0" algn="l">
+            <a:pPr marL="0" indent="0">
               <a:spcBef>
                 <a:spcPts val="1200"/>
               </a:spcBef>
-              <a:spcAft>
-                <a:spcPts val="0"/>
-              </a:spcAft>
               <a:buNone/>
             </a:pPr>
             <a:r>
@@ -7880,15 +8180,10 @@
             <a:endParaRPr/>
           </a:p>
           <a:p>
-            <a:pPr indent="-342900" lvl="0" marL="457200" rtl="0" algn="l">
+            <a:pPr>
               <a:spcBef>
                 <a:spcPts val="1200"/>
               </a:spcBef>
-              <a:spcAft>
-                <a:spcPts val="0"/>
-              </a:spcAft>
-              <a:buSzPts val="1800"/>
-              <a:buChar char="●"/>
             </a:pPr>
             <a:r>
               <a:rPr lang="en"/>
@@ -7897,16 +8192,6 @@
             <a:endParaRPr/>
           </a:p>
           <a:p>
-            <a:pPr indent="-342900" lvl="0" marL="457200" rtl="0" algn="l">
-              <a:spcBef>
-                <a:spcPts val="0"/>
-              </a:spcBef>
-              <a:spcAft>
-                <a:spcPts val="0"/>
-              </a:spcAft>
-              <a:buSzPts val="1800"/>
-              <a:buChar char="●"/>
-            </a:pPr>
             <a:r>
               <a:rPr lang="en"/>
               <a:t>파이썬 코드에서 들여쓰기가 되지 않은 코드가 있으면, 그 코드부터 실행 </a:t>
@@ -7914,16 +8199,6 @@
             <a:endParaRPr/>
           </a:p>
           <a:p>
-            <a:pPr indent="-342900" lvl="0" marL="457200" rtl="0" algn="l">
-              <a:spcBef>
-                <a:spcPts val="0"/>
-              </a:spcBef>
-              <a:spcAft>
-                <a:spcPts val="0"/>
-              </a:spcAft>
-              <a:buSzPts val="1800"/>
-              <a:buChar char="●"/>
-            </a:pPr>
             <a:r>
               <a:rPr lang="en"/>
               <a:t>파이썬 내장변수인 __name__에는:</a:t>
@@ -7931,21 +8206,13 @@
             <a:endParaRPr/>
           </a:p>
           <a:p>
-            <a:pPr indent="-317500" lvl="1" marL="914400" rtl="0" algn="l">
-              <a:spcBef>
-                <a:spcPts val="0"/>
-              </a:spcBef>
-              <a:spcAft>
-                <a:spcPts val="0"/>
-              </a:spcAft>
+            <a:pPr lvl="1">
               <a:buClr>
                 <a:srgbClr val="FF0000"/>
               </a:buClr>
-              <a:buSzPts val="1400"/>
-              <a:buChar char="○"/>
             </a:pPr>
             <a:r>
-              <a:rPr b="1" lang="en">
+              <a:rPr lang="en" b="1">
                 <a:solidFill>
                   <a:srgbClr val="FF0000"/>
                 </a:solidFill>
@@ -7959,21 +8226,13 @@
             </a:endParaRPr>
           </a:p>
           <a:p>
-            <a:pPr indent="-317500" lvl="1" marL="914400" rtl="0" algn="l">
-              <a:spcBef>
-                <a:spcPts val="0"/>
-              </a:spcBef>
-              <a:spcAft>
-                <a:spcPts val="0"/>
-              </a:spcAft>
+            <a:pPr lvl="1">
               <a:buClr>
                 <a:srgbClr val="FF0000"/>
               </a:buClr>
-              <a:buSzPts val="1400"/>
-              <a:buChar char="○"/>
             </a:pPr>
             <a:r>
-              <a:rPr b="1" lang="en">
+              <a:rPr lang="en" b="1">
                 <a:solidFill>
                   <a:srgbClr val="FF0000"/>
                 </a:solidFill>
@@ -7987,18 +8246,10 @@
             </a:endParaRPr>
           </a:p>
           <a:p>
-            <a:pPr indent="-342900" lvl="0" marL="457200" rtl="0" algn="l">
-              <a:spcBef>
-                <a:spcPts val="0"/>
-              </a:spcBef>
-              <a:spcAft>
-                <a:spcPts val="0"/>
-              </a:spcAft>
+            <a:pPr>
               <a:buClr>
                 <a:schemeClr val="dk1"/>
               </a:buClr>
-              <a:buSzPts val="1800"/>
-              <a:buChar char="●"/>
             </a:pPr>
             <a:r>
               <a:rPr lang="en"/>
@@ -8007,16 +8258,7 @@
             <a:endParaRPr/>
           </a:p>
           <a:p>
-            <a:pPr indent="-317500" lvl="1" marL="914400" rtl="0" algn="l">
-              <a:spcBef>
-                <a:spcPts val="0"/>
-              </a:spcBef>
-              <a:spcAft>
-                <a:spcPts val="0"/>
-              </a:spcAft>
-              <a:buSzPts val="1400"/>
-              <a:buChar char="○"/>
-            </a:pPr>
+            <a:pPr lvl="1"/>
             <a:r>
               <a:rPr lang="en"/>
               <a:t>모듈로 실행 할때와  직접 실행할 때 코드를 구분하기 위함 </a:t>
@@ -8041,7 +8283,7 @@
         </p:blipFill>
         <p:spPr>
           <a:xfrm>
-            <a:off x="5724900" y="1327217"/>
+            <a:off x="7248900" y="1327218"/>
             <a:ext cx="3238500" cy="4448175"/>
           </a:xfrm>
           <a:prstGeom prst="rect">
@@ -8069,7 +8311,7 @@
         </p:blipFill>
         <p:spPr>
           <a:xfrm>
-            <a:off x="5724900" y="5967992"/>
+            <a:off x="7248901" y="5967993"/>
             <a:ext cx="2466975" cy="657225"/>
           </a:xfrm>
           <a:prstGeom prst="rect">
@@ -8090,7 +8332,7 @@
 </file>
 
 <file path=ppt/theme/theme1.xml><?xml version="1.0" encoding="utf-8"?>
-<a:theme xmlns:a="http://schemas.openxmlformats.org/drawingml/2006/main" xmlns:r="http://schemas.openxmlformats.org/officeDocument/2006/relationships" name="Simple Light">
+<a:theme xmlns:a="http://schemas.openxmlformats.org/drawingml/2006/main" name="Simple Light">
   <a:themeElements>
     <a:clrScheme name="Simple Light">
       <a:dk1>
@@ -8365,11 +8607,13 @@
       </a:bgFillStyleLst>
     </a:fmtScheme>
   </a:themeElements>
+  <a:objectDefaults/>
+  <a:extraClrSchemeLst/>
 </a:theme>
 </file>
 
 <file path=ppt/theme/theme2.xml><?xml version="1.0" encoding="utf-8"?>
-<a:theme xmlns:a="http://schemas.openxmlformats.org/drawingml/2006/main" xmlns:r="http://schemas.openxmlformats.org/officeDocument/2006/relationships">
+<a:theme xmlns:a="http://schemas.openxmlformats.org/drawingml/2006/main">
   <a:themeElements>
     <a:clrScheme name="Default">
       <a:dk1>
@@ -8644,5 +8888,7 @@
       </a:bgFillStyleLst>
     </a:fmtScheme>
   </a:themeElements>
+  <a:objectDefaults/>
+  <a:extraClrSchemeLst/>
 </a:theme>
 </file>